--- a/11.30组会.pptx
+++ b/11.30组会.pptx
@@ -5,7 +5,7 @@
     <p:sldMasterId id="2147483648" r:id="rId1"/>
   </p:sldMasterIdLst>
   <p:notesMasterIdLst>
-    <p:notesMasterId r:id="rId10"/>
+    <p:notesMasterId r:id="rId11"/>
   </p:notesMasterIdLst>
   <p:sldIdLst>
     <p:sldId id="256" r:id="rId2"/>
@@ -16,6 +16,7 @@
     <p:sldId id="260" r:id="rId7"/>
     <p:sldId id="262" r:id="rId8"/>
     <p:sldId id="263" r:id="rId9"/>
+    <p:sldId id="264" r:id="rId10"/>
   </p:sldIdLst>
   <p:sldSz cx="12192000" cy="6858000"/>
   <p:notesSz cx="6858000" cy="9144000"/>
@@ -542,6 +543,94 @@
     <p:extLst>
       <p:ext uri="{BB962C8B-B14F-4D97-AF65-F5344CB8AC3E}">
         <p14:creationId xmlns:p14="http://schemas.microsoft.com/office/powerpoint/2010/main" val="646755199"/>
+      </p:ext>
+    </p:extLst>
+  </p:cSld>
+  <p:clrMapOvr>
+    <a:masterClrMapping/>
+  </p:clrMapOvr>
+</p:notes>
+</file>
+
+<file path=ppt/notesSlides/notesSlide2.xml><?xml version="1.0" encoding="utf-8"?>
+<p:notes xmlns:a="http://schemas.openxmlformats.org/drawingml/2006/main" xmlns:r="http://schemas.openxmlformats.org/officeDocument/2006/relationships" xmlns:p="http://schemas.openxmlformats.org/presentationml/2006/main">
+  <p:cSld>
+    <p:spTree>
+      <p:nvGrpSpPr>
+        <p:cNvPr id="1" name=""/>
+        <p:cNvGrpSpPr/>
+        <p:nvPr/>
+      </p:nvGrpSpPr>
+      <p:grpSpPr>
+        <a:xfrm>
+          <a:off x="0" y="0"/>
+          <a:ext cx="0" cy="0"/>
+          <a:chOff x="0" y="0"/>
+          <a:chExt cx="0" cy="0"/>
+        </a:xfrm>
+      </p:grpSpPr>
+      <p:sp>
+        <p:nvSpPr>
+          <p:cNvPr id="2" name="幻灯片图像占位符 1"/>
+          <p:cNvSpPr>
+            <a:spLocks noGrp="1" noRot="1" noChangeAspect="1"/>
+          </p:cNvSpPr>
+          <p:nvPr>
+            <p:ph type="sldImg"/>
+          </p:nvPr>
+        </p:nvSpPr>
+        <p:spPr/>
+      </p:sp>
+      <p:sp>
+        <p:nvSpPr>
+          <p:cNvPr id="3" name="备注占位符 2"/>
+          <p:cNvSpPr>
+            <a:spLocks noGrp="1"/>
+          </p:cNvSpPr>
+          <p:nvPr>
+            <p:ph type="body" idx="1"/>
+          </p:nvPr>
+        </p:nvSpPr>
+        <p:spPr/>
+        <p:txBody>
+          <a:bodyPr/>
+          <a:lstStyle/>
+          <a:p>
+            <a:r>
+              <a:rPr kumimoji="1" lang="zh-CN" altLang="en-US" dirty="0" smtClean="0"/>
+              <a:t>一年时间内被抓捕</a:t>
+            </a:r>
+            <a:endParaRPr kumimoji="1" lang="zh-CN" altLang="en-US" dirty="0"/>
+          </a:p>
+        </p:txBody>
+      </p:sp>
+      <p:sp>
+        <p:nvSpPr>
+          <p:cNvPr id="4" name="幻灯片编号占位符 3"/>
+          <p:cNvSpPr>
+            <a:spLocks noGrp="1"/>
+          </p:cNvSpPr>
+          <p:nvPr>
+            <p:ph type="sldNum" sz="quarter" idx="10"/>
+          </p:nvPr>
+        </p:nvSpPr>
+        <p:spPr/>
+        <p:txBody>
+          <a:bodyPr/>
+          <a:lstStyle/>
+          <a:p>
+            <a:fld id="{AC73FC94-9A18-BA4E-B6C6-7718DD079366}" type="slidenum">
+              <a:rPr kumimoji="1" lang="zh-CN" altLang="en-US" smtClean="0"/>
+              <a:t>9</a:t>
+            </a:fld>
+            <a:endParaRPr kumimoji="1" lang="zh-CN" altLang="en-US"/>
+          </a:p>
+        </p:txBody>
+      </p:sp>
+    </p:spTree>
+    <p:extLst>
+      <p:ext uri="{BB962C8B-B14F-4D97-AF65-F5344CB8AC3E}">
+        <p14:creationId xmlns:p14="http://schemas.microsoft.com/office/powerpoint/2010/main" val="629580952"/>
       </p:ext>
     </p:extLst>
   </p:cSld>
@@ -10881,6 +10970,105 @@
     <p:extLst>
       <p:ext uri="{BB962C8B-B14F-4D97-AF65-F5344CB8AC3E}">
         <p14:creationId xmlns:p14="http://schemas.microsoft.com/office/powerpoint/2010/main" val="1959343768"/>
+      </p:ext>
+    </p:extLst>
+  </p:cSld>
+  <p:clrMapOvr>
+    <a:masterClrMapping/>
+  </p:clrMapOvr>
+  <p:timing>
+    <p:tnLst>
+      <p:par>
+        <p:cTn id="1" dur="indefinite" restart="never" nodeType="tmRoot"/>
+      </p:par>
+    </p:tnLst>
+  </p:timing>
+</p:sld>
+</file>
+
+<file path=ppt/slides/slide9.xml><?xml version="1.0" encoding="utf-8"?>
+<p:sld xmlns:a="http://schemas.openxmlformats.org/drawingml/2006/main" xmlns:r="http://schemas.openxmlformats.org/officeDocument/2006/relationships" xmlns:p="http://schemas.openxmlformats.org/presentationml/2006/main">
+  <p:cSld>
+    <p:spTree>
+      <p:nvGrpSpPr>
+        <p:cNvPr id="1" name=""/>
+        <p:cNvGrpSpPr/>
+        <p:nvPr/>
+      </p:nvGrpSpPr>
+      <p:grpSpPr>
+        <a:xfrm>
+          <a:off x="0" y="0"/>
+          <a:ext cx="0" cy="0"/>
+          <a:chOff x="0" y="0"/>
+          <a:chExt cx="0" cy="0"/>
+        </a:xfrm>
+      </p:grpSpPr>
+      <p:sp>
+        <p:nvSpPr>
+          <p:cNvPr id="2" name="标题 1"/>
+          <p:cNvSpPr>
+            <a:spLocks noGrp="1"/>
+          </p:cNvSpPr>
+          <p:nvPr>
+            <p:ph type="title"/>
+          </p:nvPr>
+        </p:nvSpPr>
+        <p:spPr/>
+        <p:txBody>
+          <a:bodyPr/>
+          <a:lstStyle/>
+          <a:p>
+            <a:r>
+              <a:rPr kumimoji="1" lang="en-US" altLang="zh-CN" dirty="0" smtClean="0"/>
+              <a:t>C</a:t>
+            </a:r>
+            <a:r>
+              <a:rPr kumimoji="1" lang="en-US" altLang="zh-CN" dirty="0" smtClean="0"/>
+              <a:t>onclusion</a:t>
+            </a:r>
+            <a:endParaRPr kumimoji="1" lang="zh-CN" altLang="en-US" dirty="0"/>
+          </a:p>
+        </p:txBody>
+      </p:sp>
+      <p:sp>
+        <p:nvSpPr>
+          <p:cNvPr id="3" name="内容占位符 2"/>
+          <p:cNvSpPr>
+            <a:spLocks noGrp="1"/>
+          </p:cNvSpPr>
+          <p:nvPr>
+            <p:ph idx="1"/>
+          </p:nvPr>
+        </p:nvSpPr>
+        <p:spPr/>
+        <p:txBody>
+          <a:bodyPr/>
+          <a:lstStyle/>
+          <a:p>
+            <a:r>
+              <a:rPr kumimoji="1" lang="en-US" altLang="zh-CN" dirty="0" smtClean="0"/>
+              <a:t>Not</a:t>
+            </a:r>
+            <a:r>
+              <a:rPr kumimoji="1" lang="zh-CN" altLang="en-US" dirty="0" smtClean="0"/>
+              <a:t> </a:t>
+            </a:r>
+            <a:r>
+              <a:rPr kumimoji="1" lang="en-US" altLang="zh-CN" dirty="0" smtClean="0"/>
+              <a:t>so</a:t>
+            </a:r>
+            <a:r>
+              <a:rPr kumimoji="1" lang="zh-CN" altLang="en-US" dirty="0" smtClean="0"/>
+              <a:t> </a:t>
+            </a:r>
+            <a:endParaRPr kumimoji="1" lang="zh-CN" altLang="en-US" dirty="0"/>
+          </a:p>
+        </p:txBody>
+      </p:sp>
+    </p:spTree>
+    <p:extLst>
+      <p:ext uri="{BB962C8B-B14F-4D97-AF65-F5344CB8AC3E}">
+        <p14:creationId xmlns:p14="http://schemas.microsoft.com/office/powerpoint/2010/main" val="1844400657"/>
       </p:ext>
     </p:extLst>
   </p:cSld>

--- a/11.30组会.pptx
+++ b/11.30组会.pptx
@@ -5,18 +5,19 @@
     <p:sldMasterId id="2147483648" r:id="rId1"/>
   </p:sldMasterIdLst>
   <p:notesMasterIdLst>
-    <p:notesMasterId r:id="rId11"/>
+    <p:notesMasterId r:id="rId12"/>
   </p:notesMasterIdLst>
   <p:sldIdLst>
     <p:sldId id="256" r:id="rId2"/>
     <p:sldId id="257" r:id="rId3"/>
     <p:sldId id="261" r:id="rId4"/>
-    <p:sldId id="258" r:id="rId5"/>
-    <p:sldId id="259" r:id="rId6"/>
-    <p:sldId id="260" r:id="rId7"/>
-    <p:sldId id="262" r:id="rId8"/>
-    <p:sldId id="263" r:id="rId9"/>
-    <p:sldId id="264" r:id="rId10"/>
+    <p:sldId id="265" r:id="rId5"/>
+    <p:sldId id="258" r:id="rId6"/>
+    <p:sldId id="259" r:id="rId7"/>
+    <p:sldId id="260" r:id="rId8"/>
+    <p:sldId id="262" r:id="rId9"/>
+    <p:sldId id="263" r:id="rId10"/>
+    <p:sldId id="264" r:id="rId11"/>
   </p:sldIdLst>
   <p:sldSz cx="12192000" cy="6858000"/>
   <p:notesSz cx="6858000" cy="9144000"/>
@@ -115,6 +116,11 @@
       </a:defRPr>
     </a:lvl9pPr>
   </p:defaultTextStyle>
+  <p:extLst>
+    <p:ext uri="{EFAFB233-063F-42B5-8137-9DF3F51BA10A}">
+      <p15:sldGuideLst xmlns:p15="http://schemas.microsoft.com/office/powerpoint/2012/main"/>
+    </p:ext>
+  </p:extLst>
 </p:presentation>
 </file>
 
@@ -200,7 +206,7 @@
           <a:p>
             <a:fld id="{EC467533-9AB4-DF42-A2A2-222A3E8B065B}" type="datetimeFigureOut">
               <a:rPr kumimoji="1" lang="zh-CN" altLang="en-US" smtClean="0"/>
-              <a:t>16/11/27</a:t>
+              <a:t>16/11/28</a:t>
             </a:fld>
             <a:endParaRPr kumimoji="1" lang="zh-CN" altLang="en-US"/>
           </a:p>
@@ -512,6 +518,10 @@
           <a:bodyPr/>
           <a:lstStyle/>
           <a:p>
+            <a:r>
+              <a:rPr kumimoji="1" lang="zh-CN" altLang="en-US" dirty="0" smtClean="0"/>
+              <a:t>之前的组会介绍了很多关于犯罪网络的特征以及一些适用的算法。今天拿两个网络来实际操作一下做一下对比。</a:t>
+            </a:r>
             <a:endParaRPr kumimoji="1" lang="zh-CN" altLang="en-US" dirty="0"/>
           </a:p>
         </p:txBody>
@@ -533,7 +543,7 @@
           <a:p>
             <a:fld id="{AC73FC94-9A18-BA4E-B6C6-7718DD079366}" type="slidenum">
               <a:rPr kumimoji="1" lang="zh-CN" altLang="en-US" smtClean="0"/>
-              <a:t>8</a:t>
+              <a:t>1</a:t>
             </a:fld>
             <a:endParaRPr kumimoji="1" lang="zh-CN" altLang="en-US"/>
           </a:p>
@@ -542,7 +552,7 @@
     </p:spTree>
     <p:extLst>
       <p:ext uri="{BB962C8B-B14F-4D97-AF65-F5344CB8AC3E}">
-        <p14:creationId xmlns:p14="http://schemas.microsoft.com/office/powerpoint/2010/main" val="646755199"/>
+        <p14:creationId xmlns:p14="http://schemas.microsoft.com/office/powerpoint/2010/main" val="1102520059"/>
       </p:ext>
     </p:extLst>
   </p:cSld>
@@ -598,8 +608,578 @@
           <a:p>
             <a:r>
               <a:rPr kumimoji="1" lang="zh-CN" altLang="en-US" dirty="0" smtClean="0"/>
-              <a:t>一年时间内被抓捕</a:t>
-            </a:r>
+              <a:t>我找的是 </a:t>
+            </a:r>
+            <a:r>
+              <a:rPr kumimoji="1" lang="en-US" altLang="zh-CN" dirty="0" smtClean="0"/>
+              <a:t>2004</a:t>
+            </a:r>
+            <a:r>
+              <a:rPr kumimoji="1" lang="zh-CN" altLang="en-US" dirty="0" smtClean="0"/>
+              <a:t>年马德里火车爆炸的恐怖组织网络。这起爆炸案造成了</a:t>
+            </a:r>
+            <a:r>
+              <a:rPr kumimoji="1" lang="en-US" altLang="zh-CN" dirty="0" smtClean="0"/>
+              <a:t>192</a:t>
+            </a:r>
+            <a:r>
+              <a:rPr kumimoji="1" lang="zh-CN" altLang="en-US" dirty="0" smtClean="0"/>
+              <a:t>人死亡，</a:t>
+            </a:r>
+            <a:r>
+              <a:rPr kumimoji="1" lang="en-US" altLang="zh-CN" dirty="0" smtClean="0"/>
+              <a:t>2000</a:t>
+            </a:r>
+            <a:r>
+              <a:rPr kumimoji="1" lang="zh-CN" altLang="en-US" dirty="0" smtClean="0"/>
+              <a:t>多人受伤。</a:t>
+            </a:r>
+          </a:p>
+          <a:p>
+            <a:r>
+              <a:rPr lang="zh-CN" altLang="en-US" sz="1200" b="0" i="0" kern="1200" dirty="0" smtClean="0">
+                <a:solidFill>
+                  <a:schemeClr val="tx1"/>
+                </a:solidFill>
+                <a:effectLst/>
+                <a:latin typeface="+mn-lt"/>
+                <a:ea typeface="+mn-ea"/>
+                <a:cs typeface="+mn-cs"/>
+              </a:rPr>
+              <a:t>经过调查，</a:t>
+            </a:r>
+            <a:r>
+              <a:rPr lang="en-US" altLang="zh-CN" sz="1200" b="0" i="0" kern="1200" dirty="0" smtClean="0">
+                <a:solidFill>
+                  <a:schemeClr val="tx1"/>
+                </a:solidFill>
+                <a:effectLst/>
+                <a:latin typeface="+mn-lt"/>
+                <a:ea typeface="+mn-ea"/>
+                <a:cs typeface="+mn-cs"/>
+              </a:rPr>
+              <a:t>311</a:t>
+            </a:r>
+            <a:r>
+              <a:rPr lang="zh-CN" altLang="en-US" sz="1200" b="0" i="0" kern="1200" dirty="0" smtClean="0">
+                <a:solidFill>
+                  <a:schemeClr val="tx1"/>
+                </a:solidFill>
+                <a:effectLst/>
+                <a:latin typeface="+mn-lt"/>
+                <a:ea typeface="+mn-ea"/>
+                <a:cs typeface="+mn-cs"/>
+              </a:rPr>
+              <a:t>炸弹袭击是由基地组织以及</a:t>
+            </a:r>
+            <a:r>
+              <a:rPr lang="zh-CN" altLang="en-US" sz="1200" b="0" i="0" kern="1200" dirty="0" smtClean="0">
+                <a:solidFill>
+                  <a:schemeClr val="tx1"/>
+                </a:solidFill>
+                <a:effectLst/>
+                <a:latin typeface="+mn-lt"/>
+                <a:ea typeface="+mn-ea"/>
+                <a:cs typeface="+mn-cs"/>
+              </a:rPr>
+              <a:t>摩洛哥伊斯兰战斗团</a:t>
+            </a:r>
+            <a:r>
+              <a:rPr lang="zh-CN" altLang="en-US" sz="1200" b="0" i="0" kern="1200" dirty="0" smtClean="0">
+                <a:solidFill>
+                  <a:schemeClr val="tx1"/>
+                </a:solidFill>
+                <a:effectLst/>
+                <a:latin typeface="+mn-lt"/>
+                <a:ea typeface="+mn-ea"/>
+                <a:cs typeface="+mn-cs"/>
+              </a:rPr>
+              <a:t>策划组织的。</a:t>
+            </a:r>
+          </a:p>
+          <a:p>
+            <a:r>
+              <a:rPr kumimoji="1" lang="zh-CN" altLang="en-US" dirty="0" smtClean="0"/>
+              <a:t>然后我找到了这个恐怖组织网络的复原结构数据。</a:t>
+            </a:r>
+          </a:p>
+          <a:p>
+            <a:r>
+              <a:rPr kumimoji="1" lang="zh-CN" altLang="en-US" dirty="0" smtClean="0"/>
+              <a:t>网络有</a:t>
+            </a:r>
+            <a:r>
+              <a:rPr kumimoji="1" lang="en-US" altLang="zh-CN" dirty="0" smtClean="0"/>
+              <a:t>64</a:t>
+            </a:r>
+            <a:r>
+              <a:rPr kumimoji="1" lang="zh-CN" altLang="en-US" dirty="0" smtClean="0"/>
+              <a:t>位成员，</a:t>
+            </a:r>
+            <a:r>
+              <a:rPr kumimoji="1" lang="en-US" altLang="zh-CN" dirty="0" smtClean="0"/>
+              <a:t>243</a:t>
+            </a:r>
+            <a:r>
+              <a:rPr kumimoji="1" lang="zh-CN" altLang="en-US" dirty="0" smtClean="0"/>
+              <a:t>条连边组成。整个网络是无向、加权网络。边的权重代表了成员间联系的紧密程度。</a:t>
+            </a:r>
+          </a:p>
+          <a:p>
+            <a:endParaRPr kumimoji="1" lang="zh-CN" altLang="en-US" dirty="0"/>
+          </a:p>
+        </p:txBody>
+      </p:sp>
+      <p:sp>
+        <p:nvSpPr>
+          <p:cNvPr id="4" name="幻灯片编号占位符 3"/>
+          <p:cNvSpPr>
+            <a:spLocks noGrp="1"/>
+          </p:cNvSpPr>
+          <p:nvPr>
+            <p:ph type="sldNum" sz="quarter" idx="10"/>
+          </p:nvPr>
+        </p:nvSpPr>
+        <p:spPr/>
+        <p:txBody>
+          <a:bodyPr/>
+          <a:lstStyle/>
+          <a:p>
+            <a:fld id="{AC73FC94-9A18-BA4E-B6C6-7718DD079366}" type="slidenum">
+              <a:rPr kumimoji="1" lang="zh-CN" altLang="en-US" smtClean="0"/>
+              <a:t>2</a:t>
+            </a:fld>
+            <a:endParaRPr kumimoji="1" lang="zh-CN" altLang="en-US"/>
+          </a:p>
+        </p:txBody>
+      </p:sp>
+    </p:spTree>
+    <p:extLst>
+      <p:ext uri="{BB962C8B-B14F-4D97-AF65-F5344CB8AC3E}">
+        <p14:creationId xmlns:p14="http://schemas.microsoft.com/office/powerpoint/2010/main" val="783368690"/>
+      </p:ext>
+    </p:extLst>
+  </p:cSld>
+  <p:clrMapOvr>
+    <a:masterClrMapping/>
+  </p:clrMapOvr>
+</p:notes>
+</file>
+
+<file path=ppt/notesSlides/notesSlide3.xml><?xml version="1.0" encoding="utf-8"?>
+<p:notes xmlns:a="http://schemas.openxmlformats.org/drawingml/2006/main" xmlns:r="http://schemas.openxmlformats.org/officeDocument/2006/relationships" xmlns:p="http://schemas.openxmlformats.org/presentationml/2006/main">
+  <p:cSld>
+    <p:spTree>
+      <p:nvGrpSpPr>
+        <p:cNvPr id="1" name=""/>
+        <p:cNvGrpSpPr/>
+        <p:nvPr/>
+      </p:nvGrpSpPr>
+      <p:grpSpPr>
+        <a:xfrm>
+          <a:off x="0" y="0"/>
+          <a:ext cx="0" cy="0"/>
+          <a:chOff x="0" y="0"/>
+          <a:chExt cx="0" cy="0"/>
+        </a:xfrm>
+      </p:grpSpPr>
+      <p:sp>
+        <p:nvSpPr>
+          <p:cNvPr id="2" name="幻灯片图像占位符 1"/>
+          <p:cNvSpPr>
+            <a:spLocks noGrp="1" noRot="1" noChangeAspect="1"/>
+          </p:cNvSpPr>
+          <p:nvPr>
+            <p:ph type="sldImg"/>
+          </p:nvPr>
+        </p:nvSpPr>
+        <p:spPr/>
+      </p:sp>
+      <p:sp>
+        <p:nvSpPr>
+          <p:cNvPr id="3" name="备注占位符 2"/>
+          <p:cNvSpPr>
+            <a:spLocks noGrp="1"/>
+          </p:cNvSpPr>
+          <p:nvPr>
+            <p:ph type="body" idx="1"/>
+          </p:nvPr>
+        </p:nvSpPr>
+        <p:spPr/>
+        <p:txBody>
+          <a:bodyPr/>
+          <a:lstStyle/>
+          <a:p>
+            <a:endParaRPr kumimoji="1" lang="zh-CN" altLang="en-US" dirty="0"/>
+          </a:p>
+        </p:txBody>
+      </p:sp>
+      <p:sp>
+        <p:nvSpPr>
+          <p:cNvPr id="4" name="幻灯片编号占位符 3"/>
+          <p:cNvSpPr>
+            <a:spLocks noGrp="1"/>
+          </p:cNvSpPr>
+          <p:nvPr>
+            <p:ph type="sldNum" sz="quarter" idx="10"/>
+          </p:nvPr>
+        </p:nvSpPr>
+        <p:spPr/>
+        <p:txBody>
+          <a:bodyPr/>
+          <a:lstStyle/>
+          <a:p>
+            <a:fld id="{AC73FC94-9A18-BA4E-B6C6-7718DD079366}" type="slidenum">
+              <a:rPr kumimoji="1" lang="zh-CN" altLang="en-US" smtClean="0"/>
+              <a:t>3</a:t>
+            </a:fld>
+            <a:endParaRPr kumimoji="1" lang="zh-CN" altLang="en-US"/>
+          </a:p>
+        </p:txBody>
+      </p:sp>
+    </p:spTree>
+    <p:extLst>
+      <p:ext uri="{BB962C8B-B14F-4D97-AF65-F5344CB8AC3E}">
+        <p14:creationId xmlns:p14="http://schemas.microsoft.com/office/powerpoint/2010/main" val="1303455736"/>
+      </p:ext>
+    </p:extLst>
+  </p:cSld>
+  <p:clrMapOvr>
+    <a:masterClrMapping/>
+  </p:clrMapOvr>
+</p:notes>
+</file>
+
+<file path=ppt/notesSlides/notesSlide4.xml><?xml version="1.0" encoding="utf-8"?>
+<p:notes xmlns:a="http://schemas.openxmlformats.org/drawingml/2006/main" xmlns:r="http://schemas.openxmlformats.org/officeDocument/2006/relationships" xmlns:p="http://schemas.openxmlformats.org/presentationml/2006/main">
+  <p:cSld>
+    <p:spTree>
+      <p:nvGrpSpPr>
+        <p:cNvPr id="1" name=""/>
+        <p:cNvGrpSpPr/>
+        <p:nvPr/>
+      </p:nvGrpSpPr>
+      <p:grpSpPr>
+        <a:xfrm>
+          <a:off x="0" y="0"/>
+          <a:ext cx="0" cy="0"/>
+          <a:chOff x="0" y="0"/>
+          <a:chExt cx="0" cy="0"/>
+        </a:xfrm>
+      </p:grpSpPr>
+      <p:sp>
+        <p:nvSpPr>
+          <p:cNvPr id="2" name="幻灯片图像占位符 1"/>
+          <p:cNvSpPr>
+            <a:spLocks noGrp="1" noRot="1" noChangeAspect="1"/>
+          </p:cNvSpPr>
+          <p:nvPr>
+            <p:ph type="sldImg"/>
+          </p:nvPr>
+        </p:nvSpPr>
+        <p:spPr/>
+      </p:sp>
+      <p:sp>
+        <p:nvSpPr>
+          <p:cNvPr id="3" name="备注占位符 2"/>
+          <p:cNvSpPr>
+            <a:spLocks noGrp="1"/>
+          </p:cNvSpPr>
+          <p:nvPr>
+            <p:ph type="body" idx="1"/>
+          </p:nvPr>
+        </p:nvSpPr>
+        <p:spPr/>
+        <p:txBody>
+          <a:bodyPr/>
+          <a:lstStyle/>
+          <a:p>
+            <a:r>
+              <a:rPr kumimoji="1" lang="zh-CN" altLang="en-US" dirty="0" smtClean="0"/>
+              <a:t>首先看一下网络连边的权重分布以及节点的度分布。</a:t>
+            </a:r>
+          </a:p>
+          <a:p>
+            <a:r>
+              <a:rPr kumimoji="1" lang="zh-CN" altLang="en-US" dirty="0" smtClean="0"/>
+              <a:t>可以看到大部分的边的权重都是 </a:t>
+            </a:r>
+            <a:r>
+              <a:rPr kumimoji="1" lang="en-US" altLang="zh-CN" dirty="0" smtClean="0"/>
+              <a:t>1</a:t>
+            </a:r>
+            <a:r>
+              <a:rPr kumimoji="1" lang="zh-CN" altLang="en-US" dirty="0" smtClean="0"/>
+              <a:t> ，只有少数的连边拥有大的权重， 那我们可以认为这是整个网络中的核心成员间的联络。可以认为是几个策划者。</a:t>
+            </a:r>
+            <a:endParaRPr kumimoji="1" lang="zh-CN" altLang="en-US" dirty="0"/>
+          </a:p>
+        </p:txBody>
+      </p:sp>
+      <p:sp>
+        <p:nvSpPr>
+          <p:cNvPr id="4" name="幻灯片编号占位符 3"/>
+          <p:cNvSpPr>
+            <a:spLocks noGrp="1"/>
+          </p:cNvSpPr>
+          <p:nvPr>
+            <p:ph type="sldNum" sz="quarter" idx="10"/>
+          </p:nvPr>
+        </p:nvSpPr>
+        <p:spPr/>
+        <p:txBody>
+          <a:bodyPr/>
+          <a:lstStyle/>
+          <a:p>
+            <a:fld id="{AC73FC94-9A18-BA4E-B6C6-7718DD079366}" type="slidenum">
+              <a:rPr kumimoji="1" lang="zh-CN" altLang="en-US" smtClean="0"/>
+              <a:t>5</a:t>
+            </a:fld>
+            <a:endParaRPr kumimoji="1" lang="zh-CN" altLang="en-US"/>
+          </a:p>
+        </p:txBody>
+      </p:sp>
+    </p:spTree>
+    <p:extLst>
+      <p:ext uri="{BB962C8B-B14F-4D97-AF65-F5344CB8AC3E}">
+        <p14:creationId xmlns:p14="http://schemas.microsoft.com/office/powerpoint/2010/main" val="35005211"/>
+      </p:ext>
+    </p:extLst>
+  </p:cSld>
+  <p:clrMapOvr>
+    <a:masterClrMapping/>
+  </p:clrMapOvr>
+</p:notes>
+</file>
+
+<file path=ppt/notesSlides/notesSlide5.xml><?xml version="1.0" encoding="utf-8"?>
+<p:notes xmlns:a="http://schemas.openxmlformats.org/drawingml/2006/main" xmlns:r="http://schemas.openxmlformats.org/officeDocument/2006/relationships" xmlns:p="http://schemas.openxmlformats.org/presentationml/2006/main">
+  <p:cSld>
+    <p:spTree>
+      <p:nvGrpSpPr>
+        <p:cNvPr id="1" name=""/>
+        <p:cNvGrpSpPr/>
+        <p:nvPr/>
+      </p:nvGrpSpPr>
+      <p:grpSpPr>
+        <a:xfrm>
+          <a:off x="0" y="0"/>
+          <a:ext cx="0" cy="0"/>
+          <a:chOff x="0" y="0"/>
+          <a:chExt cx="0" cy="0"/>
+        </a:xfrm>
+      </p:grpSpPr>
+      <p:sp>
+        <p:nvSpPr>
+          <p:cNvPr id="2" name="幻灯片图像占位符 1"/>
+          <p:cNvSpPr>
+            <a:spLocks noGrp="1" noRot="1" noChangeAspect="1"/>
+          </p:cNvSpPr>
+          <p:nvPr>
+            <p:ph type="sldImg"/>
+          </p:nvPr>
+        </p:nvSpPr>
+        <p:spPr/>
+      </p:sp>
+      <p:sp>
+        <p:nvSpPr>
+          <p:cNvPr id="3" name="备注占位符 2"/>
+          <p:cNvSpPr>
+            <a:spLocks noGrp="1"/>
+          </p:cNvSpPr>
+          <p:nvPr>
+            <p:ph type="body" idx="1"/>
+          </p:nvPr>
+        </p:nvSpPr>
+        <p:spPr/>
+        <p:txBody>
+          <a:bodyPr/>
+          <a:lstStyle/>
+          <a:p>
+            <a:r>
+              <a:rPr kumimoji="1" lang="zh-CN" altLang="en-US" dirty="0" smtClean="0"/>
+              <a:t>这两张图是节点的介数中心性以及接近中心性的分布情况</a:t>
+            </a:r>
+            <a:endParaRPr kumimoji="1" lang="zh-CN" altLang="en-US" dirty="0"/>
+          </a:p>
+        </p:txBody>
+      </p:sp>
+      <p:sp>
+        <p:nvSpPr>
+          <p:cNvPr id="4" name="幻灯片编号占位符 3"/>
+          <p:cNvSpPr>
+            <a:spLocks noGrp="1"/>
+          </p:cNvSpPr>
+          <p:nvPr>
+            <p:ph type="sldNum" sz="quarter" idx="10"/>
+          </p:nvPr>
+        </p:nvSpPr>
+        <p:spPr/>
+        <p:txBody>
+          <a:bodyPr/>
+          <a:lstStyle/>
+          <a:p>
+            <a:fld id="{AC73FC94-9A18-BA4E-B6C6-7718DD079366}" type="slidenum">
+              <a:rPr kumimoji="1" lang="zh-CN" altLang="en-US" smtClean="0"/>
+              <a:t>6</a:t>
+            </a:fld>
+            <a:endParaRPr kumimoji="1" lang="zh-CN" altLang="en-US"/>
+          </a:p>
+        </p:txBody>
+      </p:sp>
+    </p:spTree>
+    <p:extLst>
+      <p:ext uri="{BB962C8B-B14F-4D97-AF65-F5344CB8AC3E}">
+        <p14:creationId xmlns:p14="http://schemas.microsoft.com/office/powerpoint/2010/main" val="521595368"/>
+      </p:ext>
+    </p:extLst>
+  </p:cSld>
+  <p:clrMapOvr>
+    <a:masterClrMapping/>
+  </p:clrMapOvr>
+</p:notes>
+</file>
+
+<file path=ppt/notesSlides/notesSlide6.xml><?xml version="1.0" encoding="utf-8"?>
+<p:notes xmlns:a="http://schemas.openxmlformats.org/drawingml/2006/main" xmlns:r="http://schemas.openxmlformats.org/officeDocument/2006/relationships" xmlns:p="http://schemas.openxmlformats.org/presentationml/2006/main">
+  <p:cSld>
+    <p:spTree>
+      <p:nvGrpSpPr>
+        <p:cNvPr id="1" name=""/>
+        <p:cNvGrpSpPr/>
+        <p:nvPr/>
+      </p:nvGrpSpPr>
+      <p:grpSpPr>
+        <a:xfrm>
+          <a:off x="0" y="0"/>
+          <a:ext cx="0" cy="0"/>
+          <a:chOff x="0" y="0"/>
+          <a:chExt cx="0" cy="0"/>
+        </a:xfrm>
+      </p:grpSpPr>
+      <p:sp>
+        <p:nvSpPr>
+          <p:cNvPr id="2" name="幻灯片图像占位符 1"/>
+          <p:cNvSpPr>
+            <a:spLocks noGrp="1" noRot="1" noChangeAspect="1"/>
+          </p:cNvSpPr>
+          <p:nvPr>
+            <p:ph type="sldImg"/>
+          </p:nvPr>
+        </p:nvSpPr>
+        <p:spPr/>
+      </p:sp>
+      <p:sp>
+        <p:nvSpPr>
+          <p:cNvPr id="3" name="备注占位符 2"/>
+          <p:cNvSpPr>
+            <a:spLocks noGrp="1"/>
+          </p:cNvSpPr>
+          <p:nvPr>
+            <p:ph type="body" idx="1"/>
+          </p:nvPr>
+        </p:nvSpPr>
+        <p:spPr/>
+        <p:txBody>
+          <a:bodyPr/>
+          <a:lstStyle/>
+          <a:p>
+            <a:r>
+              <a:rPr kumimoji="1" lang="zh-CN" altLang="en-US" dirty="0" smtClean="0"/>
+              <a:t>这里截取</a:t>
+            </a:r>
+            <a:r>
+              <a:rPr kumimoji="1" lang="en-US" altLang="zh-CN" dirty="0" smtClean="0"/>
+              <a:t>3</a:t>
+            </a:r>
+            <a:r>
+              <a:rPr kumimoji="1" lang="zh-CN" altLang="en-US" dirty="0" smtClean="0"/>
+              <a:t>种常见中心性</a:t>
+            </a:r>
+            <a:endParaRPr kumimoji="1" lang="zh-CN" altLang="en-US" dirty="0"/>
+          </a:p>
+        </p:txBody>
+      </p:sp>
+      <p:sp>
+        <p:nvSpPr>
+          <p:cNvPr id="4" name="幻灯片编号占位符 3"/>
+          <p:cNvSpPr>
+            <a:spLocks noGrp="1"/>
+          </p:cNvSpPr>
+          <p:nvPr>
+            <p:ph type="sldNum" sz="quarter" idx="10"/>
+          </p:nvPr>
+        </p:nvSpPr>
+        <p:spPr/>
+        <p:txBody>
+          <a:bodyPr/>
+          <a:lstStyle/>
+          <a:p>
+            <a:fld id="{AC73FC94-9A18-BA4E-B6C6-7718DD079366}" type="slidenum">
+              <a:rPr kumimoji="1" lang="zh-CN" altLang="en-US" smtClean="0"/>
+              <a:t>7</a:t>
+            </a:fld>
+            <a:endParaRPr kumimoji="1" lang="zh-CN" altLang="en-US"/>
+          </a:p>
+        </p:txBody>
+      </p:sp>
+    </p:spTree>
+    <p:extLst>
+      <p:ext uri="{BB962C8B-B14F-4D97-AF65-F5344CB8AC3E}">
+        <p14:creationId xmlns:p14="http://schemas.microsoft.com/office/powerpoint/2010/main" val="294702567"/>
+      </p:ext>
+    </p:extLst>
+  </p:cSld>
+  <p:clrMapOvr>
+    <a:masterClrMapping/>
+  </p:clrMapOvr>
+</p:notes>
+</file>
+
+<file path=ppt/notesSlides/notesSlide7.xml><?xml version="1.0" encoding="utf-8"?>
+<p:notes xmlns:a="http://schemas.openxmlformats.org/drawingml/2006/main" xmlns:r="http://schemas.openxmlformats.org/officeDocument/2006/relationships" xmlns:p="http://schemas.openxmlformats.org/presentationml/2006/main">
+  <p:cSld>
+    <p:spTree>
+      <p:nvGrpSpPr>
+        <p:cNvPr id="1" name=""/>
+        <p:cNvGrpSpPr/>
+        <p:nvPr/>
+      </p:nvGrpSpPr>
+      <p:grpSpPr>
+        <a:xfrm>
+          <a:off x="0" y="0"/>
+          <a:ext cx="0" cy="0"/>
+          <a:chOff x="0" y="0"/>
+          <a:chExt cx="0" cy="0"/>
+        </a:xfrm>
+      </p:grpSpPr>
+      <p:sp>
+        <p:nvSpPr>
+          <p:cNvPr id="2" name="幻灯片图像占位符 1"/>
+          <p:cNvSpPr>
+            <a:spLocks noGrp="1" noRot="1" noChangeAspect="1"/>
+          </p:cNvSpPr>
+          <p:nvPr>
+            <p:ph type="sldImg"/>
+          </p:nvPr>
+        </p:nvSpPr>
+        <p:spPr/>
+      </p:sp>
+      <p:sp>
+        <p:nvSpPr>
+          <p:cNvPr id="3" name="备注占位符 2"/>
+          <p:cNvSpPr>
+            <a:spLocks noGrp="1"/>
+          </p:cNvSpPr>
+          <p:nvPr>
+            <p:ph type="body" idx="1"/>
+          </p:nvPr>
+        </p:nvSpPr>
+        <p:spPr/>
+        <p:txBody>
+          <a:bodyPr/>
+          <a:lstStyle/>
+          <a:p>
             <a:endParaRPr kumimoji="1" lang="zh-CN" altLang="en-US" dirty="0"/>
           </a:p>
         </p:txBody>
@@ -622,6 +1202,94 @@
             <a:fld id="{AC73FC94-9A18-BA4E-B6C6-7718DD079366}" type="slidenum">
               <a:rPr kumimoji="1" lang="zh-CN" altLang="en-US" smtClean="0"/>
               <a:t>9</a:t>
+            </a:fld>
+            <a:endParaRPr kumimoji="1" lang="zh-CN" altLang="en-US"/>
+          </a:p>
+        </p:txBody>
+      </p:sp>
+    </p:spTree>
+    <p:extLst>
+      <p:ext uri="{BB962C8B-B14F-4D97-AF65-F5344CB8AC3E}">
+        <p14:creationId xmlns:p14="http://schemas.microsoft.com/office/powerpoint/2010/main" val="646755199"/>
+      </p:ext>
+    </p:extLst>
+  </p:cSld>
+  <p:clrMapOvr>
+    <a:masterClrMapping/>
+  </p:clrMapOvr>
+</p:notes>
+</file>
+
+<file path=ppt/notesSlides/notesSlide8.xml><?xml version="1.0" encoding="utf-8"?>
+<p:notes xmlns:a="http://schemas.openxmlformats.org/drawingml/2006/main" xmlns:r="http://schemas.openxmlformats.org/officeDocument/2006/relationships" xmlns:p="http://schemas.openxmlformats.org/presentationml/2006/main">
+  <p:cSld>
+    <p:spTree>
+      <p:nvGrpSpPr>
+        <p:cNvPr id="1" name=""/>
+        <p:cNvGrpSpPr/>
+        <p:nvPr/>
+      </p:nvGrpSpPr>
+      <p:grpSpPr>
+        <a:xfrm>
+          <a:off x="0" y="0"/>
+          <a:ext cx="0" cy="0"/>
+          <a:chOff x="0" y="0"/>
+          <a:chExt cx="0" cy="0"/>
+        </a:xfrm>
+      </p:grpSpPr>
+      <p:sp>
+        <p:nvSpPr>
+          <p:cNvPr id="2" name="幻灯片图像占位符 1"/>
+          <p:cNvSpPr>
+            <a:spLocks noGrp="1" noRot="1" noChangeAspect="1"/>
+          </p:cNvSpPr>
+          <p:nvPr>
+            <p:ph type="sldImg"/>
+          </p:nvPr>
+        </p:nvSpPr>
+        <p:spPr/>
+      </p:sp>
+      <p:sp>
+        <p:nvSpPr>
+          <p:cNvPr id="3" name="备注占位符 2"/>
+          <p:cNvSpPr>
+            <a:spLocks noGrp="1"/>
+          </p:cNvSpPr>
+          <p:nvPr>
+            <p:ph type="body" idx="1"/>
+          </p:nvPr>
+        </p:nvSpPr>
+        <p:spPr/>
+        <p:txBody>
+          <a:bodyPr/>
+          <a:lstStyle/>
+          <a:p>
+            <a:r>
+              <a:rPr kumimoji="1" lang="zh-CN" altLang="en-US" dirty="0" smtClean="0"/>
+              <a:t>一年时间内被抓捕</a:t>
+            </a:r>
+            <a:endParaRPr kumimoji="1" lang="zh-CN" altLang="en-US" dirty="0"/>
+          </a:p>
+        </p:txBody>
+      </p:sp>
+      <p:sp>
+        <p:nvSpPr>
+          <p:cNvPr id="4" name="幻灯片编号占位符 3"/>
+          <p:cNvSpPr>
+            <a:spLocks noGrp="1"/>
+          </p:cNvSpPr>
+          <p:nvPr>
+            <p:ph type="sldNum" sz="quarter" idx="10"/>
+          </p:nvPr>
+        </p:nvSpPr>
+        <p:spPr/>
+        <p:txBody>
+          <a:bodyPr/>
+          <a:lstStyle/>
+          <a:p>
+            <a:fld id="{AC73FC94-9A18-BA4E-B6C6-7718DD079366}" type="slidenum">
+              <a:rPr kumimoji="1" lang="zh-CN" altLang="en-US" smtClean="0"/>
+              <a:t>10</a:t>
             </a:fld>
             <a:endParaRPr kumimoji="1" lang="zh-CN" altLang="en-US"/>
           </a:p>
@@ -972,7 +1640,7 @@
             <a:fld id="{B61BEF0D-F0BB-DE4B-95CE-6DB70DBA9567}" type="datetimeFigureOut">
               <a:rPr lang="en-US" dirty="0"/>
               <a:pPr/>
-              <a:t>11/26/16</a:t>
+              <a:t>11/28/16</a:t>
             </a:fld>
             <a:endParaRPr lang="en-US" dirty="0"/>
           </a:p>
@@ -1293,7 +1961,7 @@
             <a:fld id="{B61BEF0D-F0BB-DE4B-95CE-6DB70DBA9567}" type="datetimeFigureOut">
               <a:rPr lang="en-US" dirty="0"/>
               <a:pPr/>
-              <a:t>11/26/16</a:t>
+              <a:t>11/28/16</a:t>
             </a:fld>
             <a:endParaRPr lang="en-US" dirty="0"/>
           </a:p>
@@ -1538,7 +2206,7 @@
             <a:fld id="{B61BEF0D-F0BB-DE4B-95CE-6DB70DBA9567}" type="datetimeFigureOut">
               <a:rPr lang="en-US" dirty="0"/>
               <a:pPr/>
-              <a:t>11/26/16</a:t>
+              <a:t>11/28/16</a:t>
             </a:fld>
             <a:endParaRPr lang="en-US" dirty="0"/>
           </a:p>
@@ -1874,7 +2542,7 @@
             <a:fld id="{B61BEF0D-F0BB-DE4B-95CE-6DB70DBA9567}" type="datetimeFigureOut">
               <a:rPr lang="en-US" dirty="0"/>
               <a:pPr/>
-              <a:t>11/26/16</a:t>
+              <a:t>11/28/16</a:t>
             </a:fld>
             <a:endParaRPr lang="en-US" dirty="0"/>
           </a:p>
@@ -2218,7 +2886,7 @@
             <a:fld id="{B61BEF0D-F0BB-DE4B-95CE-6DB70DBA9567}" type="datetimeFigureOut">
               <a:rPr lang="en-US" dirty="0"/>
               <a:pPr/>
-              <a:t>11/26/16</a:t>
+              <a:t>11/28/16</a:t>
             </a:fld>
             <a:endParaRPr lang="en-US" dirty="0"/>
           </a:p>
@@ -2589,7 +3257,7 @@
             <a:fld id="{B61BEF0D-F0BB-DE4B-95CE-6DB70DBA9567}" type="datetimeFigureOut">
               <a:rPr lang="en-US" dirty="0"/>
               <a:pPr/>
-              <a:t>11/26/16</a:t>
+              <a:t>11/28/16</a:t>
             </a:fld>
             <a:endParaRPr lang="en-US" dirty="0"/>
           </a:p>
@@ -3056,7 +3724,7 @@
             <a:fld id="{B61BEF0D-F0BB-DE4B-95CE-6DB70DBA9567}" type="datetimeFigureOut">
               <a:rPr lang="en-US" dirty="0"/>
               <a:pPr/>
-              <a:t>11/26/16</a:t>
+              <a:t>11/28/16</a:t>
             </a:fld>
             <a:endParaRPr lang="en-US" dirty="0"/>
           </a:p>
@@ -3258,7 +3926,7 @@
             <a:fld id="{B61BEF0D-F0BB-DE4B-95CE-6DB70DBA9567}" type="datetimeFigureOut">
               <a:rPr lang="en-US" dirty="0"/>
               <a:pPr/>
-              <a:t>11/26/16</a:t>
+              <a:t>11/28/16</a:t>
             </a:fld>
             <a:endParaRPr lang="en-US" dirty="0"/>
           </a:p>
@@ -3466,7 +4134,7 @@
             <a:fld id="{B61BEF0D-F0BB-DE4B-95CE-6DB70DBA9567}" type="datetimeFigureOut">
               <a:rPr lang="en-US" dirty="0"/>
               <a:pPr/>
-              <a:t>11/26/16</a:t>
+              <a:t>11/28/16</a:t>
             </a:fld>
             <a:endParaRPr lang="en-US" dirty="0"/>
           </a:p>
@@ -3694,7 +4362,7 @@
           <a:p>
             <a:fld id="{52647F38-B617-4D2F-AE0A-013F0C4D2C57}" type="datetimeFigureOut">
               <a:rPr lang="en-US" dirty="0"/>
-              <a:t>11/26/16</a:t>
+              <a:t>11/28/16</a:t>
             </a:fld>
             <a:endParaRPr lang="en-US" dirty="0"/>
           </a:p>
@@ -3938,7 +4606,7 @@
             <a:fld id="{B61BEF0D-F0BB-DE4B-95CE-6DB70DBA9567}" type="datetimeFigureOut">
               <a:rPr lang="en-US" dirty="0"/>
               <a:pPr/>
-              <a:t>11/26/16</a:t>
+              <a:t>11/28/16</a:t>
             </a:fld>
             <a:endParaRPr lang="en-US" dirty="0"/>
           </a:p>
@@ -4232,7 +4900,7 @@
           <a:p>
             <a:fld id="{05BFA754-D5C3-4E66-96A6-867B257F58DC}" type="datetimeFigureOut">
               <a:rPr lang="en-US" dirty="0"/>
-              <a:t>11/26/16</a:t>
+              <a:t>11/28/16</a:t>
             </a:fld>
             <a:endParaRPr lang="en-US" dirty="0"/>
           </a:p>
@@ -4622,7 +5290,7 @@
             <a:fld id="{B61BEF0D-F0BB-DE4B-95CE-6DB70DBA9567}" type="datetimeFigureOut">
               <a:rPr lang="en-US" dirty="0"/>
               <a:pPr/>
-              <a:t>11/26/16</a:t>
+              <a:t>11/28/16</a:t>
             </a:fld>
             <a:endParaRPr lang="en-US" dirty="0"/>
           </a:p>
@@ -4768,7 +5436,7 @@
             <a:fld id="{B61BEF0D-F0BB-DE4B-95CE-6DB70DBA9567}" type="datetimeFigureOut">
               <a:rPr lang="en-US" dirty="0"/>
               <a:pPr/>
-              <a:t>11/26/16</a:t>
+              <a:t>11/28/16</a:t>
             </a:fld>
             <a:endParaRPr lang="en-US" dirty="0"/>
           </a:p>
@@ -4891,7 +5559,7 @@
             <a:fld id="{B61BEF0D-F0BB-DE4B-95CE-6DB70DBA9567}" type="datetimeFigureOut">
               <a:rPr lang="en-US" dirty="0"/>
               <a:pPr/>
-              <a:t>11/26/16</a:t>
+              <a:t>11/28/16</a:t>
             </a:fld>
             <a:endParaRPr lang="en-US" dirty="0"/>
           </a:p>
@@ -5143,7 +5811,7 @@
             <a:fld id="{B61BEF0D-F0BB-DE4B-95CE-6DB70DBA9567}" type="datetimeFigureOut">
               <a:rPr lang="en-US" dirty="0"/>
               <a:pPr/>
-              <a:t>11/26/16</a:t>
+              <a:t>11/28/16</a:t>
             </a:fld>
             <a:endParaRPr lang="en-US" dirty="0"/>
           </a:p>
@@ -5455,7 +6123,7 @@
             <a:fld id="{B61BEF0D-F0BB-DE4B-95CE-6DB70DBA9567}" type="datetimeFigureOut">
               <a:rPr lang="en-US" dirty="0"/>
               <a:pPr/>
-              <a:t>11/26/16</a:t>
+              <a:t>11/28/16</a:t>
             </a:fld>
             <a:endParaRPr lang="en-US" dirty="0"/>
           </a:p>
@@ -5803,7 +6471,7 @@
             <a:fld id="{B61BEF0D-F0BB-DE4B-95CE-6DB70DBA9567}" type="datetimeFigureOut">
               <a:rPr lang="en-US" dirty="0"/>
               <a:pPr/>
-              <a:t>11/26/16</a:t>
+              <a:t>11/28/16</a:t>
             </a:fld>
             <a:endParaRPr lang="en-US" dirty="0"/>
           </a:p>
@@ -6359,11 +7027,7 @@
           <a:p>
             <a:r>
               <a:rPr kumimoji="1" lang="en-US" altLang="zh-CN" dirty="0" smtClean="0"/>
-              <a:t>R</a:t>
-            </a:r>
-            <a:r>
-              <a:rPr kumimoji="1" lang="en-US" altLang="zh-CN" dirty="0" smtClean="0"/>
-              <a:t>ecent</a:t>
+              <a:t>Recent</a:t>
             </a:r>
             <a:r>
               <a:rPr kumimoji="1" lang="zh-CN" altLang="en-US" dirty="0" smtClean="0"/>
@@ -6398,11 +7062,7 @@
             </a:r>
             <a:r>
               <a:rPr kumimoji="1" lang="zh-CN" altLang="en-US" dirty="0" smtClean="0"/>
-              <a:t>  </a:t>
-            </a:r>
-            <a:r>
-              <a:rPr kumimoji="1" lang="zh-CN" altLang="en-US" dirty="0" smtClean="0"/>
-              <a:t>高亦乐</a:t>
+              <a:t>  高亦乐</a:t>
             </a:r>
             <a:endParaRPr kumimoji="1" lang="zh-CN" altLang="en-US" dirty="0"/>
           </a:p>
@@ -6412,6 +7072,101 @@
     <p:extLst>
       <p:ext uri="{BB962C8B-B14F-4D97-AF65-F5344CB8AC3E}">
         <p14:creationId xmlns:p14="http://schemas.microsoft.com/office/powerpoint/2010/main" val="1804289383"/>
+      </p:ext>
+    </p:extLst>
+  </p:cSld>
+  <p:clrMapOvr>
+    <a:masterClrMapping/>
+  </p:clrMapOvr>
+  <p:timing>
+    <p:tnLst>
+      <p:par>
+        <p:cTn id="1" dur="indefinite" restart="never" nodeType="tmRoot"/>
+      </p:par>
+    </p:tnLst>
+  </p:timing>
+</p:sld>
+</file>
+
+<file path=ppt/slides/slide10.xml><?xml version="1.0" encoding="utf-8"?>
+<p:sld xmlns:a="http://schemas.openxmlformats.org/drawingml/2006/main" xmlns:r="http://schemas.openxmlformats.org/officeDocument/2006/relationships" xmlns:p="http://schemas.openxmlformats.org/presentationml/2006/main">
+  <p:cSld>
+    <p:spTree>
+      <p:nvGrpSpPr>
+        <p:cNvPr id="1" name=""/>
+        <p:cNvGrpSpPr/>
+        <p:nvPr/>
+      </p:nvGrpSpPr>
+      <p:grpSpPr>
+        <a:xfrm>
+          <a:off x="0" y="0"/>
+          <a:ext cx="0" cy="0"/>
+          <a:chOff x="0" y="0"/>
+          <a:chExt cx="0" cy="0"/>
+        </a:xfrm>
+      </p:grpSpPr>
+      <p:sp>
+        <p:nvSpPr>
+          <p:cNvPr id="2" name="标题 1"/>
+          <p:cNvSpPr>
+            <a:spLocks noGrp="1"/>
+          </p:cNvSpPr>
+          <p:nvPr>
+            <p:ph type="title"/>
+          </p:nvPr>
+        </p:nvSpPr>
+        <p:spPr/>
+        <p:txBody>
+          <a:bodyPr/>
+          <a:lstStyle/>
+          <a:p>
+            <a:r>
+              <a:rPr kumimoji="1" lang="en-US" altLang="zh-CN" dirty="0" smtClean="0"/>
+              <a:t>Conclusion</a:t>
+            </a:r>
+            <a:endParaRPr kumimoji="1" lang="zh-CN" altLang="en-US" dirty="0"/>
+          </a:p>
+        </p:txBody>
+      </p:sp>
+      <p:sp>
+        <p:nvSpPr>
+          <p:cNvPr id="3" name="内容占位符 2"/>
+          <p:cNvSpPr>
+            <a:spLocks noGrp="1"/>
+          </p:cNvSpPr>
+          <p:nvPr>
+            <p:ph idx="1"/>
+          </p:nvPr>
+        </p:nvSpPr>
+        <p:spPr/>
+        <p:txBody>
+          <a:bodyPr/>
+          <a:lstStyle/>
+          <a:p>
+            <a:r>
+              <a:rPr kumimoji="1" lang="en-US" altLang="zh-CN" dirty="0" smtClean="0"/>
+              <a:t>Not</a:t>
+            </a:r>
+            <a:r>
+              <a:rPr kumimoji="1" lang="zh-CN" altLang="en-US" dirty="0" smtClean="0"/>
+              <a:t> </a:t>
+            </a:r>
+            <a:r>
+              <a:rPr kumimoji="1" lang="en-US" altLang="zh-CN" dirty="0" smtClean="0"/>
+              <a:t>so</a:t>
+            </a:r>
+            <a:r>
+              <a:rPr kumimoji="1" lang="zh-CN" altLang="en-US" dirty="0" smtClean="0"/>
+              <a:t> </a:t>
+            </a:r>
+            <a:endParaRPr kumimoji="1" lang="zh-CN" altLang="en-US" dirty="0"/>
+          </a:p>
+        </p:txBody>
+      </p:sp>
+    </p:spTree>
+    <p:extLst>
+      <p:ext uri="{BB962C8B-B14F-4D97-AF65-F5344CB8AC3E}">
+        <p14:creationId xmlns:p14="http://schemas.microsoft.com/office/powerpoint/2010/main" val="1844400657"/>
       </p:ext>
     </p:extLst>
   </p:cSld>
@@ -6463,11 +7218,7 @@
             <a:pPr algn="l"/>
             <a:r>
               <a:rPr kumimoji="1" lang="en-US" altLang="zh-CN" dirty="0" smtClean="0"/>
-              <a:t>N</a:t>
-            </a:r>
-            <a:r>
-              <a:rPr kumimoji="1" lang="en-US" altLang="zh-CN" dirty="0" smtClean="0"/>
-              <a:t>etwork</a:t>
+              <a:t>Network</a:t>
             </a:r>
             <a:r>
               <a:rPr kumimoji="1" lang="zh-CN" altLang="en-US" dirty="0" smtClean="0"/>
@@ -6516,11 +7267,7 @@
           <a:p>
             <a:r>
               <a:rPr kumimoji="1" lang="en-US" altLang="zh-CN" dirty="0" smtClean="0"/>
-              <a:t>S</a:t>
-            </a:r>
-            <a:r>
-              <a:rPr kumimoji="1" lang="en-US" altLang="zh-CN" dirty="0" smtClean="0"/>
-              <a:t>ize</a:t>
+              <a:t>Size</a:t>
             </a:r>
             <a:r>
               <a:rPr kumimoji="1" lang="zh-CN" altLang="en-US" dirty="0" smtClean="0"/>
@@ -6565,7 +7312,7 @@
           <p:nvPr/>
         </p:nvPicPr>
         <p:blipFill>
-          <a:blip r:embed="rId2"/>
+          <a:blip r:embed="rId3"/>
           <a:stretch>
             <a:fillRect/>
           </a:stretch>
@@ -6626,7 +7373,7 @@
           <p:nvPr/>
         </p:nvPicPr>
         <p:blipFill>
-          <a:blip r:embed="rId2"/>
+          <a:blip r:embed="rId3"/>
           <a:stretch>
             <a:fillRect/>
           </a:stretch>
@@ -6693,17 +7440,384 @@
           <a:bodyPr/>
           <a:lstStyle/>
           <a:p>
+            <a:endParaRPr kumimoji="1" lang="zh-CN" altLang="en-US" dirty="0"/>
+          </a:p>
+        </p:txBody>
+      </p:sp>
+      <p:pic>
+        <p:nvPicPr>
+          <p:cNvPr id="5" name="内容占位符 4"/>
+          <p:cNvPicPr>
+            <a:picLocks noGrp="1" noChangeAspect="1"/>
+          </p:cNvPicPr>
+          <p:nvPr>
+            <p:ph idx="1"/>
+          </p:nvPr>
+        </p:nvPicPr>
+        <p:blipFill>
+          <a:blip r:embed="rId2"/>
+          <a:stretch>
+            <a:fillRect/>
+          </a:stretch>
+        </p:blipFill>
+        <p:spPr>
+          <a:xfrm>
+            <a:off x="5271449" y="2104847"/>
+            <a:ext cx="6929596" cy="4753153"/>
+          </a:xfrm>
+          <a:prstGeom prst="rect">
+            <a:avLst/>
+          </a:prstGeom>
+        </p:spPr>
+      </p:pic>
+      <p:pic>
+        <p:nvPicPr>
+          <p:cNvPr id="4" name="图片 3"/>
+          <p:cNvPicPr>
+            <a:picLocks noChangeAspect="1"/>
+          </p:cNvPicPr>
+          <p:nvPr/>
+        </p:nvPicPr>
+        <p:blipFill>
+          <a:blip r:embed="rId3"/>
+          <a:stretch>
+            <a:fillRect/>
+          </a:stretch>
+        </p:blipFill>
+        <p:spPr>
+          <a:xfrm>
+            <a:off x="0" y="489300"/>
+            <a:ext cx="7732544" cy="3231094"/>
+          </a:xfrm>
+          <a:prstGeom prst="rect">
+            <a:avLst/>
+          </a:prstGeom>
+        </p:spPr>
+      </p:pic>
+      <p:sp>
+        <p:nvSpPr>
+          <p:cNvPr id="7" name="右箭头 6"/>
+          <p:cNvSpPr/>
+          <p:nvPr/>
+        </p:nvSpPr>
+        <p:spPr>
+          <a:xfrm>
+            <a:off x="942535" y="4262511"/>
+            <a:ext cx="3798277" cy="1969477"/>
+          </a:xfrm>
+          <a:prstGeom prst="rightArrow">
+            <a:avLst/>
+          </a:prstGeom>
+        </p:spPr>
+        <p:style>
+          <a:lnRef idx="1">
+            <a:schemeClr val="accent2"/>
+          </a:lnRef>
+          <a:fillRef idx="2">
+            <a:schemeClr val="accent2"/>
+          </a:fillRef>
+          <a:effectRef idx="1">
+            <a:schemeClr val="accent2"/>
+          </a:effectRef>
+          <a:fontRef idx="minor">
+            <a:schemeClr val="dk1"/>
+          </a:fontRef>
+        </p:style>
+        <p:txBody>
+          <a:bodyPr rtlCol="0" anchor="ctr"/>
+          <a:lstStyle/>
+          <a:p>
+            <a:pPr algn="ctr"/>
+            <a:r>
+              <a:rPr kumimoji="1" lang="en-US" altLang="zh-CN" b="1" dirty="0">
+                <a:ln w="0"/>
+                <a:solidFill>
+                  <a:schemeClr val="tx1"/>
+                </a:solidFill>
+                <a:effectLst>
+                  <a:outerShdw blurRad="38100" dist="19050" dir="2700000" algn="tl" rotWithShape="0">
+                    <a:schemeClr val="dk1">
+                      <a:alpha val="40000"/>
+                    </a:schemeClr>
+                  </a:outerShdw>
+                </a:effectLst>
+              </a:rPr>
+              <a:t>Edge</a:t>
+            </a:r>
+            <a:r>
+              <a:rPr kumimoji="1" lang="zh-CN" altLang="en-US" b="1" dirty="0">
+                <a:ln w="0"/>
+                <a:solidFill>
+                  <a:schemeClr val="tx1"/>
+                </a:solidFill>
+                <a:effectLst>
+                  <a:outerShdw blurRad="38100" dist="19050" dir="2700000" algn="tl" rotWithShape="0">
+                    <a:schemeClr val="dk1">
+                      <a:alpha val="40000"/>
+                    </a:schemeClr>
+                  </a:outerShdw>
+                </a:effectLst>
+              </a:rPr>
+              <a:t> </a:t>
+            </a:r>
+            <a:r>
+              <a:rPr kumimoji="1" lang="en-US" altLang="zh-CN" b="1" dirty="0">
+                <a:ln w="0"/>
+                <a:solidFill>
+                  <a:schemeClr val="tx1"/>
+                </a:solidFill>
+                <a:effectLst>
+                  <a:outerShdw blurRad="38100" dist="19050" dir="2700000" algn="tl" rotWithShape="0">
+                    <a:schemeClr val="dk1">
+                      <a:alpha val="40000"/>
+                    </a:schemeClr>
+                  </a:outerShdw>
+                </a:effectLst>
+              </a:rPr>
+              <a:t>weight</a:t>
+            </a:r>
+            <a:r>
+              <a:rPr kumimoji="1" lang="zh-CN" altLang="en-US" b="1" dirty="0">
+                <a:ln w="0"/>
+                <a:solidFill>
+                  <a:schemeClr val="tx1"/>
+                </a:solidFill>
+                <a:effectLst>
+                  <a:outerShdw blurRad="38100" dist="19050" dir="2700000" algn="tl" rotWithShape="0">
+                    <a:schemeClr val="dk1">
+                      <a:alpha val="40000"/>
+                    </a:schemeClr>
+                  </a:outerShdw>
+                </a:effectLst>
+              </a:rPr>
+              <a:t> ∈</a:t>
+            </a:r>
+            <a:r>
+              <a:rPr kumimoji="1" lang="en-US" altLang="zh-CN" b="1" dirty="0" smtClean="0">
+                <a:ln w="0"/>
+                <a:solidFill>
+                  <a:schemeClr val="tx1"/>
+                </a:solidFill>
+                <a:effectLst>
+                  <a:outerShdw blurRad="38100" dist="19050" dir="2700000" algn="tl" rotWithShape="0">
+                    <a:schemeClr val="dk1">
+                      <a:alpha val="40000"/>
+                    </a:schemeClr>
+                  </a:outerShdw>
+                </a:effectLst>
+              </a:rPr>
+              <a:t>{2,3,4}</a:t>
+            </a:r>
+            <a:endParaRPr kumimoji="1" lang="zh-CN" altLang="en-US" b="1" dirty="0">
+              <a:ln w="0"/>
+              <a:solidFill>
+                <a:schemeClr val="tx1"/>
+              </a:solidFill>
+              <a:effectLst>
+                <a:outerShdw blurRad="38100" dist="19050" dir="2700000" algn="tl" rotWithShape="0">
+                  <a:schemeClr val="dk1">
+                    <a:alpha val="40000"/>
+                  </a:schemeClr>
+                </a:outerShdw>
+              </a:effectLst>
+            </a:endParaRPr>
+          </a:p>
+        </p:txBody>
+      </p:sp>
+      <p:sp>
+        <p:nvSpPr>
+          <p:cNvPr id="8" name="左箭头 7"/>
+          <p:cNvSpPr/>
+          <p:nvPr/>
+        </p:nvSpPr>
+        <p:spPr>
+          <a:xfrm>
+            <a:off x="7863086" y="240646"/>
+            <a:ext cx="3685736" cy="1617785"/>
+          </a:xfrm>
+          <a:prstGeom prst="leftArrow">
+            <a:avLst/>
+          </a:prstGeom>
+        </p:spPr>
+        <p:style>
+          <a:lnRef idx="1">
+            <a:schemeClr val="accent6"/>
+          </a:lnRef>
+          <a:fillRef idx="2">
+            <a:schemeClr val="accent6"/>
+          </a:fillRef>
+          <a:effectRef idx="1">
+            <a:schemeClr val="accent6"/>
+          </a:effectRef>
+          <a:fontRef idx="minor">
+            <a:schemeClr val="dk1"/>
+          </a:fontRef>
+        </p:style>
+        <p:txBody>
+          <a:bodyPr rtlCol="0" anchor="ctr"/>
+          <a:lstStyle/>
+          <a:p>
+            <a:pPr algn="ctr"/>
+            <a:r>
+              <a:rPr kumimoji="1" lang="en-US" altLang="zh-CN" b="1" dirty="0">
+                <a:ln w="0"/>
+                <a:solidFill>
+                  <a:schemeClr val="tx1"/>
+                </a:solidFill>
+                <a:effectLst>
+                  <a:outerShdw blurRad="38100" dist="19050" dir="2700000" algn="tl" rotWithShape="0">
+                    <a:schemeClr val="dk1">
+                      <a:alpha val="40000"/>
+                    </a:schemeClr>
+                  </a:outerShdw>
+                </a:effectLst>
+              </a:rPr>
+              <a:t>Edge</a:t>
+            </a:r>
+            <a:r>
+              <a:rPr kumimoji="1" lang="zh-CN" altLang="en-US" b="1" dirty="0">
+                <a:ln w="0"/>
+                <a:solidFill>
+                  <a:schemeClr val="tx1"/>
+                </a:solidFill>
+                <a:effectLst>
+                  <a:outerShdw blurRad="38100" dist="19050" dir="2700000" algn="tl" rotWithShape="0">
+                    <a:schemeClr val="dk1">
+                      <a:alpha val="40000"/>
+                    </a:schemeClr>
+                  </a:outerShdw>
+                </a:effectLst>
+              </a:rPr>
+              <a:t> </a:t>
+            </a:r>
+            <a:r>
+              <a:rPr kumimoji="1" lang="en-US" altLang="zh-CN" b="1" dirty="0">
+                <a:ln w="0"/>
+                <a:solidFill>
+                  <a:schemeClr val="tx1"/>
+                </a:solidFill>
+                <a:effectLst>
+                  <a:outerShdw blurRad="38100" dist="19050" dir="2700000" algn="tl" rotWithShape="0">
+                    <a:schemeClr val="dk1">
+                      <a:alpha val="40000"/>
+                    </a:schemeClr>
+                  </a:outerShdw>
+                </a:effectLst>
+              </a:rPr>
+              <a:t>weight</a:t>
+            </a:r>
+            <a:r>
+              <a:rPr kumimoji="1" lang="zh-CN" altLang="en-US" b="1" dirty="0">
+                <a:ln w="0"/>
+                <a:solidFill>
+                  <a:schemeClr val="tx1"/>
+                </a:solidFill>
+                <a:effectLst>
+                  <a:outerShdw blurRad="38100" dist="19050" dir="2700000" algn="tl" rotWithShape="0">
+                    <a:schemeClr val="dk1">
+                      <a:alpha val="40000"/>
+                    </a:schemeClr>
+                  </a:outerShdw>
+                </a:effectLst>
+              </a:rPr>
+              <a:t> ∈</a:t>
+            </a:r>
+            <a:r>
+              <a:rPr kumimoji="1" lang="en-US" altLang="zh-CN" b="1" dirty="0">
+                <a:ln w="0"/>
+                <a:solidFill>
+                  <a:schemeClr val="tx1"/>
+                </a:solidFill>
+                <a:effectLst>
+                  <a:outerShdw blurRad="38100" dist="19050" dir="2700000" algn="tl" rotWithShape="0">
+                    <a:schemeClr val="dk1">
+                      <a:alpha val="40000"/>
+                    </a:schemeClr>
+                  </a:outerShdw>
+                </a:effectLst>
+              </a:rPr>
+              <a:t>{3,4</a:t>
+            </a:r>
+            <a:r>
+              <a:rPr kumimoji="1" lang="en-US" altLang="zh-CN" b="1" dirty="0" smtClean="0">
+                <a:ln w="0"/>
+                <a:solidFill>
+                  <a:schemeClr val="tx1"/>
+                </a:solidFill>
+                <a:effectLst>
+                  <a:outerShdw blurRad="38100" dist="19050" dir="2700000" algn="tl" rotWithShape="0">
+                    <a:schemeClr val="dk1">
+                      <a:alpha val="40000"/>
+                    </a:schemeClr>
+                  </a:outerShdw>
+                </a:effectLst>
+              </a:rPr>
+              <a:t>}</a:t>
+            </a:r>
+            <a:endParaRPr kumimoji="1" lang="zh-CN" altLang="en-US" b="1" dirty="0">
+              <a:ln w="0"/>
+              <a:solidFill>
+                <a:schemeClr val="tx1"/>
+              </a:solidFill>
+              <a:effectLst>
+                <a:outerShdw blurRad="38100" dist="19050" dir="2700000" algn="tl" rotWithShape="0">
+                  <a:schemeClr val="dk1">
+                    <a:alpha val="40000"/>
+                  </a:schemeClr>
+                </a:outerShdw>
+              </a:effectLst>
+            </a:endParaRPr>
+          </a:p>
+        </p:txBody>
+      </p:sp>
+    </p:spTree>
+    <p:extLst>
+      <p:ext uri="{BB962C8B-B14F-4D97-AF65-F5344CB8AC3E}">
+        <p14:creationId xmlns:p14="http://schemas.microsoft.com/office/powerpoint/2010/main" val="1937477084"/>
+      </p:ext>
+    </p:extLst>
+  </p:cSld>
+  <p:clrMapOvr>
+    <a:masterClrMapping/>
+  </p:clrMapOvr>
+</p:sld>
+</file>
+
+<file path=ppt/slides/slide5.xml><?xml version="1.0" encoding="utf-8"?>
+<p:sld xmlns:a="http://schemas.openxmlformats.org/drawingml/2006/main" xmlns:r="http://schemas.openxmlformats.org/officeDocument/2006/relationships" xmlns:p="http://schemas.openxmlformats.org/presentationml/2006/main">
+  <p:cSld>
+    <p:spTree>
+      <p:nvGrpSpPr>
+        <p:cNvPr id="1" name=""/>
+        <p:cNvGrpSpPr/>
+        <p:nvPr/>
+      </p:nvGrpSpPr>
+      <p:grpSpPr>
+        <a:xfrm>
+          <a:off x="0" y="0"/>
+          <a:ext cx="0" cy="0"/>
+          <a:chOff x="0" y="0"/>
+          <a:chExt cx="0" cy="0"/>
+        </a:xfrm>
+      </p:grpSpPr>
+      <p:sp>
+        <p:nvSpPr>
+          <p:cNvPr id="2" name="标题 1"/>
+          <p:cNvSpPr>
+            <a:spLocks noGrp="1"/>
+          </p:cNvSpPr>
+          <p:nvPr>
+            <p:ph type="title"/>
+          </p:nvPr>
+        </p:nvSpPr>
+        <p:spPr/>
+        <p:txBody>
+          <a:bodyPr/>
+          <a:lstStyle/>
+          <a:p>
             <a:r>
               <a:rPr kumimoji="1" lang="en-US" altLang="zh-CN" dirty="0" smtClean="0"/>
-              <a:t>W</a:t>
-            </a:r>
-            <a:r>
-              <a:rPr kumimoji="1" lang="en-US" altLang="zh-CN" dirty="0" smtClean="0"/>
-              <a:t>eight</a:t>
-            </a:r>
-            <a:r>
-              <a:rPr kumimoji="1" lang="en-US" altLang="zh-CN" dirty="0" smtClean="0"/>
-              <a:t> &amp; Degree</a:t>
+              <a:t>Weight &amp; Degree</a:t>
             </a:r>
             <a:endParaRPr kumimoji="1" lang="zh-CN" altLang="en-US" dirty="0"/>
           </a:p>
@@ -6720,7 +7834,7 @@
           </p:nvPr>
         </p:nvPicPr>
         <p:blipFill>
-          <a:blip r:embed="rId2">
+          <a:blip r:embed="rId3">
             <a:extLst>
               <a:ext uri="{28A0092B-C50C-407E-A947-70E740481C1C}">
                 <a14:useLocalDpi xmlns:a14="http://schemas.microsoft.com/office/drawing/2010/main" val="0"/>
@@ -6747,7 +7861,7 @@
           <p:nvPr/>
         </p:nvPicPr>
         <p:blipFill>
-          <a:blip r:embed="rId3">
+          <a:blip r:embed="rId4">
             <a:extLst>
               <a:ext uri="{28A0092B-C50C-407E-A947-70E740481C1C}">
                 <a14:useLocalDpi xmlns:a14="http://schemas.microsoft.com/office/drawing/2010/main" val="0"/>
@@ -6788,7 +7902,7 @@
 </p:sld>
 </file>
 
-<file path=ppt/slides/slide5.xml><?xml version="1.0" encoding="utf-8"?>
+<file path=ppt/slides/slide6.xml><?xml version="1.0" encoding="utf-8"?>
 <p:sld xmlns:a="http://schemas.openxmlformats.org/drawingml/2006/main" xmlns:r="http://schemas.openxmlformats.org/officeDocument/2006/relationships" xmlns:p="http://schemas.openxmlformats.org/presentationml/2006/main">
   <p:cSld>
     <p:spTree>
@@ -6822,11 +7936,7 @@
           <a:p>
             <a:r>
               <a:rPr kumimoji="1" lang="en-US" altLang="zh-CN" dirty="0" smtClean="0"/>
-              <a:t>T</a:t>
-            </a:r>
-            <a:r>
-              <a:rPr kumimoji="1" lang="en-US" altLang="zh-CN" dirty="0" smtClean="0"/>
-              <a:t>raditional</a:t>
+              <a:t>Classical</a:t>
             </a:r>
             <a:r>
               <a:rPr kumimoji="1" lang="zh-CN" altLang="en-US" dirty="0" smtClean="0"/>
@@ -6834,11 +7944,7 @@
             </a:r>
             <a:r>
               <a:rPr kumimoji="1" lang="en-US" altLang="zh-CN" dirty="0" smtClean="0"/>
-              <a:t>C</a:t>
-            </a:r>
-            <a:r>
-              <a:rPr kumimoji="1" lang="en-US" altLang="zh-CN" dirty="0" smtClean="0"/>
-              <a:t>entrality</a:t>
+              <a:t>Centrality</a:t>
             </a:r>
             <a:endParaRPr kumimoji="1" lang="zh-CN" altLang="en-US" dirty="0"/>
           </a:p>
@@ -6853,7 +7959,7 @@
           <p:nvPr/>
         </p:nvPicPr>
         <p:blipFill>
-          <a:blip r:embed="rId2">
+          <a:blip r:embed="rId3">
             <a:extLst>
               <a:ext uri="{28A0092B-C50C-407E-A947-70E740481C1C}">
                 <a14:useLocalDpi xmlns:a14="http://schemas.microsoft.com/office/drawing/2010/main" val="0"/>
@@ -6885,7 +7991,7 @@
           </p:nvPr>
         </p:nvPicPr>
         <p:blipFill>
-          <a:blip r:embed="rId3">
+          <a:blip r:embed="rId4">
             <a:extLst>
               <a:ext uri="{28A0092B-C50C-407E-A947-70E740481C1C}">
                 <a14:useLocalDpi xmlns:a14="http://schemas.microsoft.com/office/drawing/2010/main" val="0"/>
@@ -6923,7 +8029,7 @@
 </p:sld>
 </file>
 
-<file path=ppt/slides/slide6.xml><?xml version="1.0" encoding="utf-8"?>
+<file path=ppt/slides/slide7.xml><?xml version="1.0" encoding="utf-8"?>
 <p:sld xmlns:a="http://schemas.openxmlformats.org/drawingml/2006/main" xmlns:r="http://schemas.openxmlformats.org/officeDocument/2006/relationships" xmlns:p="http://schemas.openxmlformats.org/presentationml/2006/main">
   <p:cSld>
     <p:spTree>
@@ -6956,11 +8062,15 @@
           <a:lstStyle/>
           <a:p>
             <a:r>
-              <a:rPr kumimoji="1" lang="en-US" altLang="zh-CN" dirty="0"/>
-              <a:t>Traditional</a:t>
-            </a:r>
-            <a:r>
-              <a:rPr kumimoji="1" lang="zh-CN" altLang="en-US" dirty="0"/>
+              <a:rPr kumimoji="1" lang="en-US" altLang="zh-CN" dirty="0" smtClean="0"/>
+              <a:t>C</a:t>
+            </a:r>
+            <a:r>
+              <a:rPr kumimoji="1" lang="en-US" altLang="zh-CN" dirty="0" smtClean="0"/>
+              <a:t>lassical</a:t>
+            </a:r>
+            <a:r>
+              <a:rPr kumimoji="1" lang="zh-CN" altLang="en-US" dirty="0" smtClean="0"/>
               <a:t> </a:t>
             </a:r>
             <a:r>
@@ -8669,7 +9779,7 @@
 </p:sld>
 </file>
 
-<file path=ppt/slides/slide7.xml><?xml version="1.0" encoding="utf-8"?>
+<file path=ppt/slides/slide8.xml><?xml version="1.0" encoding="utf-8"?>
 <p:sld xmlns:a="http://schemas.openxmlformats.org/drawingml/2006/main" xmlns:r="http://schemas.openxmlformats.org/officeDocument/2006/relationships" xmlns:p="http://schemas.openxmlformats.org/presentationml/2006/main">
   <p:cSld>
     <p:spTree>
@@ -8713,8 +9823,8 @@
           </a:p>
         </p:txBody>
       </p:sp>
-      <mc:AlternateContent xmlns:mc="http://schemas.openxmlformats.org/markup-compatibility/2006">
-        <mc:Choice xmlns:a14="http://schemas.microsoft.com/office/drawing/2010/main" Requires="a14">
+      <mc:AlternateContent xmlns:mc="http://schemas.openxmlformats.org/markup-compatibility/2006" xmlns:a14="http://schemas.microsoft.com/office/drawing/2010/main">
+        <mc:Choice Requires="a14">
           <p:sp>
             <p:nvSpPr>
               <p:cNvPr id="3" name="内容占位符 2"/>
@@ -9078,14 +10188,6 @@
                   </a:rPr>
                   <a:t>)</a:t>
                 </a:r>
-                <a:endParaRPr lang="en-US" altLang="zh-CN" sz="2800" b="1" dirty="0">
-                  <a:solidFill>
-                    <a:schemeClr val="accent4">
-                      <a:lumMod val="60000"/>
-                      <a:lumOff val="40000"/>
-                    </a:schemeClr>
-                  </a:solidFill>
-                </a:endParaRPr>
               </a:p>
               <a:p>
                 <a:r>
@@ -9099,7 +10201,7 @@
             </p:txBody>
           </p:sp>
         </mc:Choice>
-        <mc:Fallback>
+        <mc:Fallback xmlns="">
           <p:sp>
             <p:nvSpPr>
               <p:cNvPr id="3" name="内容占位符 2"/>
@@ -9153,7 +10255,7 @@
 </p:sld>
 </file>
 
-<file path=ppt/slides/slide8.xml><?xml version="1.0" encoding="utf-8"?>
+<file path=ppt/slides/slide9.xml><?xml version="1.0" encoding="utf-8"?>
 <p:sld xmlns:a="http://schemas.openxmlformats.org/drawingml/2006/main" xmlns:r="http://schemas.openxmlformats.org/officeDocument/2006/relationships" xmlns:p="http://schemas.openxmlformats.org/presentationml/2006/main">
   <p:cSld>
     <p:spTree>
@@ -10970,105 +12072,6 @@
     <p:extLst>
       <p:ext uri="{BB962C8B-B14F-4D97-AF65-F5344CB8AC3E}">
         <p14:creationId xmlns:p14="http://schemas.microsoft.com/office/powerpoint/2010/main" val="1959343768"/>
-      </p:ext>
-    </p:extLst>
-  </p:cSld>
-  <p:clrMapOvr>
-    <a:masterClrMapping/>
-  </p:clrMapOvr>
-  <p:timing>
-    <p:tnLst>
-      <p:par>
-        <p:cTn id="1" dur="indefinite" restart="never" nodeType="tmRoot"/>
-      </p:par>
-    </p:tnLst>
-  </p:timing>
-</p:sld>
-</file>
-
-<file path=ppt/slides/slide9.xml><?xml version="1.0" encoding="utf-8"?>
-<p:sld xmlns:a="http://schemas.openxmlformats.org/drawingml/2006/main" xmlns:r="http://schemas.openxmlformats.org/officeDocument/2006/relationships" xmlns:p="http://schemas.openxmlformats.org/presentationml/2006/main">
-  <p:cSld>
-    <p:spTree>
-      <p:nvGrpSpPr>
-        <p:cNvPr id="1" name=""/>
-        <p:cNvGrpSpPr/>
-        <p:nvPr/>
-      </p:nvGrpSpPr>
-      <p:grpSpPr>
-        <a:xfrm>
-          <a:off x="0" y="0"/>
-          <a:ext cx="0" cy="0"/>
-          <a:chOff x="0" y="0"/>
-          <a:chExt cx="0" cy="0"/>
-        </a:xfrm>
-      </p:grpSpPr>
-      <p:sp>
-        <p:nvSpPr>
-          <p:cNvPr id="2" name="标题 1"/>
-          <p:cNvSpPr>
-            <a:spLocks noGrp="1"/>
-          </p:cNvSpPr>
-          <p:nvPr>
-            <p:ph type="title"/>
-          </p:nvPr>
-        </p:nvSpPr>
-        <p:spPr/>
-        <p:txBody>
-          <a:bodyPr/>
-          <a:lstStyle/>
-          <a:p>
-            <a:r>
-              <a:rPr kumimoji="1" lang="en-US" altLang="zh-CN" dirty="0" smtClean="0"/>
-              <a:t>C</a:t>
-            </a:r>
-            <a:r>
-              <a:rPr kumimoji="1" lang="en-US" altLang="zh-CN" dirty="0" smtClean="0"/>
-              <a:t>onclusion</a:t>
-            </a:r>
-            <a:endParaRPr kumimoji="1" lang="zh-CN" altLang="en-US" dirty="0"/>
-          </a:p>
-        </p:txBody>
-      </p:sp>
-      <p:sp>
-        <p:nvSpPr>
-          <p:cNvPr id="3" name="内容占位符 2"/>
-          <p:cNvSpPr>
-            <a:spLocks noGrp="1"/>
-          </p:cNvSpPr>
-          <p:nvPr>
-            <p:ph idx="1"/>
-          </p:nvPr>
-        </p:nvSpPr>
-        <p:spPr/>
-        <p:txBody>
-          <a:bodyPr/>
-          <a:lstStyle/>
-          <a:p>
-            <a:r>
-              <a:rPr kumimoji="1" lang="en-US" altLang="zh-CN" dirty="0" smtClean="0"/>
-              <a:t>Not</a:t>
-            </a:r>
-            <a:r>
-              <a:rPr kumimoji="1" lang="zh-CN" altLang="en-US" dirty="0" smtClean="0"/>
-              <a:t> </a:t>
-            </a:r>
-            <a:r>
-              <a:rPr kumimoji="1" lang="en-US" altLang="zh-CN" dirty="0" smtClean="0"/>
-              <a:t>so</a:t>
-            </a:r>
-            <a:r>
-              <a:rPr kumimoji="1" lang="zh-CN" altLang="en-US" dirty="0" smtClean="0"/>
-              <a:t> </a:t>
-            </a:r>
-            <a:endParaRPr kumimoji="1" lang="zh-CN" altLang="en-US" dirty="0"/>
-          </a:p>
-        </p:txBody>
-      </p:sp>
-    </p:spTree>
-    <p:extLst>
-      <p:ext uri="{BB962C8B-B14F-4D97-AF65-F5344CB8AC3E}">
-        <p14:creationId xmlns:p14="http://schemas.microsoft.com/office/powerpoint/2010/main" val="1844400657"/>
       </p:ext>
     </p:extLst>
   </p:cSld>

--- a/11.30组会.pptx
+++ b/11.30组会.pptx
@@ -5,7 +5,7 @@
     <p:sldMasterId id="2147483648" r:id="rId1"/>
   </p:sldMasterIdLst>
   <p:notesMasterIdLst>
-    <p:notesMasterId r:id="rId12"/>
+    <p:notesMasterId r:id="rId19"/>
   </p:notesMasterIdLst>
   <p:sldIdLst>
     <p:sldId id="256" r:id="rId2"/>
@@ -18,6 +18,13 @@
     <p:sldId id="262" r:id="rId9"/>
     <p:sldId id="263" r:id="rId10"/>
     <p:sldId id="264" r:id="rId11"/>
+    <p:sldId id="266" r:id="rId12"/>
+    <p:sldId id="267" r:id="rId13"/>
+    <p:sldId id="269" r:id="rId14"/>
+    <p:sldId id="268" r:id="rId15"/>
+    <p:sldId id="270" r:id="rId16"/>
+    <p:sldId id="271" r:id="rId17"/>
+    <p:sldId id="272" r:id="rId18"/>
   </p:sldIdLst>
   <p:sldSz cx="12192000" cy="6858000"/>
   <p:notesSz cx="6858000" cy="9144000"/>
@@ -206,7 +213,7 @@
           <a:p>
             <a:fld id="{EC467533-9AB4-DF42-A2A2-222A3E8B065B}" type="datetimeFigureOut">
               <a:rPr kumimoji="1" lang="zh-CN" altLang="en-US" smtClean="0"/>
-              <a:t>16/11/28</a:t>
+              <a:t>2016/11/29</a:t>
             </a:fld>
             <a:endParaRPr kumimoji="1" lang="zh-CN" altLang="en-US"/>
           </a:p>
@@ -562,6 +569,528 @@
 </p:notes>
 </file>
 
+<file path=ppt/notesSlides/notesSlide10.xml><?xml version="1.0" encoding="utf-8"?>
+<p:notes xmlns:a="http://schemas.openxmlformats.org/drawingml/2006/main" xmlns:r="http://schemas.openxmlformats.org/officeDocument/2006/relationships" xmlns:p="http://schemas.openxmlformats.org/presentationml/2006/main">
+  <p:cSld>
+    <p:spTree>
+      <p:nvGrpSpPr>
+        <p:cNvPr id="1" name=""/>
+        <p:cNvGrpSpPr/>
+        <p:nvPr/>
+      </p:nvGrpSpPr>
+      <p:grpSpPr>
+        <a:xfrm>
+          <a:off x="0" y="0"/>
+          <a:ext cx="0" cy="0"/>
+          <a:chOff x="0" y="0"/>
+          <a:chExt cx="0" cy="0"/>
+        </a:xfrm>
+      </p:grpSpPr>
+      <p:sp>
+        <p:nvSpPr>
+          <p:cNvPr id="2" name="幻灯片图像占位符 1"/>
+          <p:cNvSpPr>
+            <a:spLocks noGrp="1" noRot="1" noChangeAspect="1"/>
+          </p:cNvSpPr>
+          <p:nvPr>
+            <p:ph type="sldImg"/>
+          </p:nvPr>
+        </p:nvSpPr>
+        <p:spPr/>
+      </p:sp>
+      <p:sp>
+        <p:nvSpPr>
+          <p:cNvPr id="3" name="备注占位符 2"/>
+          <p:cNvSpPr>
+            <a:spLocks noGrp="1"/>
+          </p:cNvSpPr>
+          <p:nvPr>
+            <p:ph type="body" idx="1"/>
+          </p:nvPr>
+        </p:nvSpPr>
+        <p:spPr/>
+        <p:txBody>
+          <a:bodyPr/>
+          <a:lstStyle/>
+          <a:p>
+            <a:endParaRPr kumimoji="1" lang="zh-CN" altLang="en-US" dirty="0"/>
+          </a:p>
+        </p:txBody>
+      </p:sp>
+      <p:sp>
+        <p:nvSpPr>
+          <p:cNvPr id="4" name="幻灯片编号占位符 3"/>
+          <p:cNvSpPr>
+            <a:spLocks noGrp="1"/>
+          </p:cNvSpPr>
+          <p:nvPr>
+            <p:ph type="sldNum" sz="quarter" idx="10"/>
+          </p:nvPr>
+        </p:nvSpPr>
+        <p:spPr/>
+        <p:txBody>
+          <a:bodyPr/>
+          <a:lstStyle/>
+          <a:p>
+            <a:fld id="{AC73FC94-9A18-BA4E-B6C6-7718DD079366}" type="slidenum">
+              <a:rPr kumimoji="1" lang="zh-CN" altLang="en-US" smtClean="0"/>
+              <a:t>12</a:t>
+            </a:fld>
+            <a:endParaRPr kumimoji="1" lang="zh-CN" altLang="en-US"/>
+          </a:p>
+        </p:txBody>
+      </p:sp>
+    </p:spTree>
+    <p:extLst>
+      <p:ext uri="{BB962C8B-B14F-4D97-AF65-F5344CB8AC3E}">
+        <p14:creationId xmlns:p14="http://schemas.microsoft.com/office/powerpoint/2010/main" val="3947392896"/>
+      </p:ext>
+    </p:extLst>
+  </p:cSld>
+  <p:clrMapOvr>
+    <a:masterClrMapping/>
+  </p:clrMapOvr>
+</p:notes>
+</file>
+
+<file path=ppt/notesSlides/notesSlide11.xml><?xml version="1.0" encoding="utf-8"?>
+<p:notes xmlns:a="http://schemas.openxmlformats.org/drawingml/2006/main" xmlns:r="http://schemas.openxmlformats.org/officeDocument/2006/relationships" xmlns:p="http://schemas.openxmlformats.org/presentationml/2006/main">
+  <p:cSld>
+    <p:spTree>
+      <p:nvGrpSpPr>
+        <p:cNvPr id="1" name=""/>
+        <p:cNvGrpSpPr/>
+        <p:nvPr/>
+      </p:nvGrpSpPr>
+      <p:grpSpPr>
+        <a:xfrm>
+          <a:off x="0" y="0"/>
+          <a:ext cx="0" cy="0"/>
+          <a:chOff x="0" y="0"/>
+          <a:chExt cx="0" cy="0"/>
+        </a:xfrm>
+      </p:grpSpPr>
+      <p:sp>
+        <p:nvSpPr>
+          <p:cNvPr id="2" name="幻灯片图像占位符 1"/>
+          <p:cNvSpPr>
+            <a:spLocks noGrp="1" noRot="1" noChangeAspect="1"/>
+          </p:cNvSpPr>
+          <p:nvPr>
+            <p:ph type="sldImg"/>
+          </p:nvPr>
+        </p:nvSpPr>
+        <p:spPr/>
+      </p:sp>
+      <p:sp>
+        <p:nvSpPr>
+          <p:cNvPr id="3" name="备注占位符 2"/>
+          <p:cNvSpPr>
+            <a:spLocks noGrp="1"/>
+          </p:cNvSpPr>
+          <p:nvPr>
+            <p:ph type="body" idx="1"/>
+          </p:nvPr>
+        </p:nvSpPr>
+        <p:spPr/>
+        <p:txBody>
+          <a:bodyPr/>
+          <a:lstStyle/>
+          <a:p>
+            <a:r>
+              <a:rPr kumimoji="1" lang="zh-CN" altLang="en-US" dirty="0" smtClean="0"/>
+              <a:t>首先看一下网络连边的权重分布以及节点的度分布。</a:t>
+            </a:r>
+          </a:p>
+          <a:p>
+            <a:r>
+              <a:rPr kumimoji="1" lang="zh-CN" altLang="en-US" dirty="0" smtClean="0"/>
+              <a:t>可以看到大部分的边的权重都是 </a:t>
+            </a:r>
+            <a:r>
+              <a:rPr kumimoji="1" lang="en-US" altLang="zh-CN" dirty="0" smtClean="0"/>
+              <a:t>1</a:t>
+            </a:r>
+            <a:r>
+              <a:rPr kumimoji="1" lang="zh-CN" altLang="en-US" dirty="0" smtClean="0"/>
+              <a:t> ，只有少数的连边拥有大的权重， 那我们可以认为这是整个网络中的核心成员间的联络。可以认为是几个策划者。</a:t>
+            </a:r>
+            <a:endParaRPr kumimoji="1" lang="zh-CN" altLang="en-US" dirty="0"/>
+          </a:p>
+        </p:txBody>
+      </p:sp>
+      <p:sp>
+        <p:nvSpPr>
+          <p:cNvPr id="4" name="幻灯片编号占位符 3"/>
+          <p:cNvSpPr>
+            <a:spLocks noGrp="1"/>
+          </p:cNvSpPr>
+          <p:nvPr>
+            <p:ph type="sldNum" sz="quarter" idx="10"/>
+          </p:nvPr>
+        </p:nvSpPr>
+        <p:spPr/>
+        <p:txBody>
+          <a:bodyPr/>
+          <a:lstStyle/>
+          <a:p>
+            <a:fld id="{AC73FC94-9A18-BA4E-B6C6-7718DD079366}" type="slidenum">
+              <a:rPr kumimoji="1" lang="zh-CN" altLang="en-US" smtClean="0"/>
+              <a:t>13</a:t>
+            </a:fld>
+            <a:endParaRPr kumimoji="1" lang="zh-CN" altLang="en-US"/>
+          </a:p>
+        </p:txBody>
+      </p:sp>
+    </p:spTree>
+    <p:extLst>
+      <p:ext uri="{BB962C8B-B14F-4D97-AF65-F5344CB8AC3E}">
+        <p14:creationId xmlns:p14="http://schemas.microsoft.com/office/powerpoint/2010/main" val="3320617602"/>
+      </p:ext>
+    </p:extLst>
+  </p:cSld>
+  <p:clrMapOvr>
+    <a:masterClrMapping/>
+  </p:clrMapOvr>
+</p:notes>
+</file>
+
+<file path=ppt/notesSlides/notesSlide12.xml><?xml version="1.0" encoding="utf-8"?>
+<p:notes xmlns:a="http://schemas.openxmlformats.org/drawingml/2006/main" xmlns:r="http://schemas.openxmlformats.org/officeDocument/2006/relationships" xmlns:p="http://schemas.openxmlformats.org/presentationml/2006/main">
+  <p:cSld>
+    <p:spTree>
+      <p:nvGrpSpPr>
+        <p:cNvPr id="1" name=""/>
+        <p:cNvGrpSpPr/>
+        <p:nvPr/>
+      </p:nvGrpSpPr>
+      <p:grpSpPr>
+        <a:xfrm>
+          <a:off x="0" y="0"/>
+          <a:ext cx="0" cy="0"/>
+          <a:chOff x="0" y="0"/>
+          <a:chExt cx="0" cy="0"/>
+        </a:xfrm>
+      </p:grpSpPr>
+      <p:sp>
+        <p:nvSpPr>
+          <p:cNvPr id="2" name="幻灯片图像占位符 1"/>
+          <p:cNvSpPr>
+            <a:spLocks noGrp="1" noRot="1" noChangeAspect="1"/>
+          </p:cNvSpPr>
+          <p:nvPr>
+            <p:ph type="sldImg"/>
+          </p:nvPr>
+        </p:nvSpPr>
+        <p:spPr/>
+      </p:sp>
+      <p:sp>
+        <p:nvSpPr>
+          <p:cNvPr id="3" name="备注占位符 2"/>
+          <p:cNvSpPr>
+            <a:spLocks noGrp="1"/>
+          </p:cNvSpPr>
+          <p:nvPr>
+            <p:ph type="body" idx="1"/>
+          </p:nvPr>
+        </p:nvSpPr>
+        <p:spPr/>
+        <p:txBody>
+          <a:bodyPr/>
+          <a:lstStyle/>
+          <a:p>
+            <a:endParaRPr lang="zh-CN" altLang="en-US" dirty="0"/>
+          </a:p>
+        </p:txBody>
+      </p:sp>
+      <p:sp>
+        <p:nvSpPr>
+          <p:cNvPr id="4" name="灯片编号占位符 3"/>
+          <p:cNvSpPr>
+            <a:spLocks noGrp="1"/>
+          </p:cNvSpPr>
+          <p:nvPr>
+            <p:ph type="sldNum" sz="quarter" idx="10"/>
+          </p:nvPr>
+        </p:nvSpPr>
+        <p:spPr/>
+        <p:txBody>
+          <a:bodyPr/>
+          <a:lstStyle/>
+          <a:p>
+            <a:fld id="{AC73FC94-9A18-BA4E-B6C6-7718DD079366}" type="slidenum">
+              <a:rPr kumimoji="1" lang="zh-CN" altLang="en-US" smtClean="0"/>
+              <a:t>14</a:t>
+            </a:fld>
+            <a:endParaRPr kumimoji="1" lang="zh-CN" altLang="en-US"/>
+          </a:p>
+        </p:txBody>
+      </p:sp>
+    </p:spTree>
+    <p:extLst>
+      <p:ext uri="{BB962C8B-B14F-4D97-AF65-F5344CB8AC3E}">
+        <p14:creationId xmlns:p14="http://schemas.microsoft.com/office/powerpoint/2010/main" val="2348684988"/>
+      </p:ext>
+    </p:extLst>
+  </p:cSld>
+  <p:clrMapOvr>
+    <a:masterClrMapping/>
+  </p:clrMapOvr>
+</p:notes>
+</file>
+
+<file path=ppt/notesSlides/notesSlide13.xml><?xml version="1.0" encoding="utf-8"?>
+<p:notes xmlns:a="http://schemas.openxmlformats.org/drawingml/2006/main" xmlns:r="http://schemas.openxmlformats.org/officeDocument/2006/relationships" xmlns:p="http://schemas.openxmlformats.org/presentationml/2006/main">
+  <p:cSld>
+    <p:spTree>
+      <p:nvGrpSpPr>
+        <p:cNvPr id="1" name=""/>
+        <p:cNvGrpSpPr/>
+        <p:nvPr/>
+      </p:nvGrpSpPr>
+      <p:grpSpPr>
+        <a:xfrm>
+          <a:off x="0" y="0"/>
+          <a:ext cx="0" cy="0"/>
+          <a:chOff x="0" y="0"/>
+          <a:chExt cx="0" cy="0"/>
+        </a:xfrm>
+      </p:grpSpPr>
+      <p:sp>
+        <p:nvSpPr>
+          <p:cNvPr id="2" name="幻灯片图像占位符 1"/>
+          <p:cNvSpPr>
+            <a:spLocks noGrp="1" noRot="1" noChangeAspect="1"/>
+          </p:cNvSpPr>
+          <p:nvPr>
+            <p:ph type="sldImg"/>
+          </p:nvPr>
+        </p:nvSpPr>
+        <p:spPr/>
+      </p:sp>
+      <p:sp>
+        <p:nvSpPr>
+          <p:cNvPr id="3" name="备注占位符 2"/>
+          <p:cNvSpPr>
+            <a:spLocks noGrp="1"/>
+          </p:cNvSpPr>
+          <p:nvPr>
+            <p:ph type="body" idx="1"/>
+          </p:nvPr>
+        </p:nvSpPr>
+        <p:spPr/>
+        <p:txBody>
+          <a:bodyPr/>
+          <a:lstStyle/>
+          <a:p>
+            <a:endParaRPr kumimoji="1" lang="zh-CN" altLang="en-US" dirty="0"/>
+          </a:p>
+        </p:txBody>
+      </p:sp>
+      <p:sp>
+        <p:nvSpPr>
+          <p:cNvPr id="4" name="幻灯片编号占位符 3"/>
+          <p:cNvSpPr>
+            <a:spLocks noGrp="1"/>
+          </p:cNvSpPr>
+          <p:nvPr>
+            <p:ph type="sldNum" sz="quarter" idx="10"/>
+          </p:nvPr>
+        </p:nvSpPr>
+        <p:spPr/>
+        <p:txBody>
+          <a:bodyPr/>
+          <a:lstStyle/>
+          <a:p>
+            <a:fld id="{AC73FC94-9A18-BA4E-B6C6-7718DD079366}" type="slidenum">
+              <a:rPr kumimoji="1" lang="zh-CN" altLang="en-US" smtClean="0"/>
+              <a:t>15</a:t>
+            </a:fld>
+            <a:endParaRPr kumimoji="1" lang="zh-CN" altLang="en-US"/>
+          </a:p>
+        </p:txBody>
+      </p:sp>
+    </p:spTree>
+    <p:extLst>
+      <p:ext uri="{BB962C8B-B14F-4D97-AF65-F5344CB8AC3E}">
+        <p14:creationId xmlns:p14="http://schemas.microsoft.com/office/powerpoint/2010/main" val="3614359516"/>
+      </p:ext>
+    </p:extLst>
+  </p:cSld>
+  <p:clrMapOvr>
+    <a:masterClrMapping/>
+  </p:clrMapOvr>
+</p:notes>
+</file>
+
+<file path=ppt/notesSlides/notesSlide14.xml><?xml version="1.0" encoding="utf-8"?>
+<p:notes xmlns:a="http://schemas.openxmlformats.org/drawingml/2006/main" xmlns:r="http://schemas.openxmlformats.org/officeDocument/2006/relationships" xmlns:p="http://schemas.openxmlformats.org/presentationml/2006/main">
+  <p:cSld>
+    <p:spTree>
+      <p:nvGrpSpPr>
+        <p:cNvPr id="1" name=""/>
+        <p:cNvGrpSpPr/>
+        <p:nvPr/>
+      </p:nvGrpSpPr>
+      <p:grpSpPr>
+        <a:xfrm>
+          <a:off x="0" y="0"/>
+          <a:ext cx="0" cy="0"/>
+          <a:chOff x="0" y="0"/>
+          <a:chExt cx="0" cy="0"/>
+        </a:xfrm>
+      </p:grpSpPr>
+      <p:sp>
+        <p:nvSpPr>
+          <p:cNvPr id="2" name="幻灯片图像占位符 1"/>
+          <p:cNvSpPr>
+            <a:spLocks noGrp="1" noRot="1" noChangeAspect="1"/>
+          </p:cNvSpPr>
+          <p:nvPr>
+            <p:ph type="sldImg"/>
+          </p:nvPr>
+        </p:nvSpPr>
+        <p:spPr/>
+      </p:sp>
+      <p:sp>
+        <p:nvSpPr>
+          <p:cNvPr id="3" name="备注占位符 2"/>
+          <p:cNvSpPr>
+            <a:spLocks noGrp="1"/>
+          </p:cNvSpPr>
+          <p:nvPr>
+            <p:ph type="body" idx="1"/>
+          </p:nvPr>
+        </p:nvSpPr>
+        <p:spPr/>
+        <p:txBody>
+          <a:bodyPr/>
+          <a:lstStyle/>
+          <a:p>
+            <a:endParaRPr kumimoji="1" lang="zh-CN" altLang="en-US" dirty="0"/>
+          </a:p>
+        </p:txBody>
+      </p:sp>
+      <p:sp>
+        <p:nvSpPr>
+          <p:cNvPr id="4" name="幻灯片编号占位符 3"/>
+          <p:cNvSpPr>
+            <a:spLocks noGrp="1"/>
+          </p:cNvSpPr>
+          <p:nvPr>
+            <p:ph type="sldNum" sz="quarter" idx="10"/>
+          </p:nvPr>
+        </p:nvSpPr>
+        <p:spPr/>
+        <p:txBody>
+          <a:bodyPr/>
+          <a:lstStyle/>
+          <a:p>
+            <a:fld id="{AC73FC94-9A18-BA4E-B6C6-7718DD079366}" type="slidenum">
+              <a:rPr kumimoji="1" lang="zh-CN" altLang="en-US" smtClean="0"/>
+              <a:t>16</a:t>
+            </a:fld>
+            <a:endParaRPr kumimoji="1" lang="zh-CN" altLang="en-US"/>
+          </a:p>
+        </p:txBody>
+      </p:sp>
+    </p:spTree>
+    <p:extLst>
+      <p:ext uri="{BB962C8B-B14F-4D97-AF65-F5344CB8AC3E}">
+        <p14:creationId xmlns:p14="http://schemas.microsoft.com/office/powerpoint/2010/main" val="1993748509"/>
+      </p:ext>
+    </p:extLst>
+  </p:cSld>
+  <p:clrMapOvr>
+    <a:masterClrMapping/>
+  </p:clrMapOvr>
+</p:notes>
+</file>
+
+<file path=ppt/notesSlides/notesSlide15.xml><?xml version="1.0" encoding="utf-8"?>
+<p:notes xmlns:a="http://schemas.openxmlformats.org/drawingml/2006/main" xmlns:r="http://schemas.openxmlformats.org/officeDocument/2006/relationships" xmlns:p="http://schemas.openxmlformats.org/presentationml/2006/main">
+  <p:cSld>
+    <p:spTree>
+      <p:nvGrpSpPr>
+        <p:cNvPr id="1" name=""/>
+        <p:cNvGrpSpPr/>
+        <p:nvPr/>
+      </p:nvGrpSpPr>
+      <p:grpSpPr>
+        <a:xfrm>
+          <a:off x="0" y="0"/>
+          <a:ext cx="0" cy="0"/>
+          <a:chOff x="0" y="0"/>
+          <a:chExt cx="0" cy="0"/>
+        </a:xfrm>
+      </p:grpSpPr>
+      <p:sp>
+        <p:nvSpPr>
+          <p:cNvPr id="2" name="幻灯片图像占位符 1"/>
+          <p:cNvSpPr>
+            <a:spLocks noGrp="1" noRot="1" noChangeAspect="1"/>
+          </p:cNvSpPr>
+          <p:nvPr>
+            <p:ph type="sldImg"/>
+          </p:nvPr>
+        </p:nvSpPr>
+        <p:spPr/>
+      </p:sp>
+      <p:sp>
+        <p:nvSpPr>
+          <p:cNvPr id="3" name="备注占位符 2"/>
+          <p:cNvSpPr>
+            <a:spLocks noGrp="1"/>
+          </p:cNvSpPr>
+          <p:nvPr>
+            <p:ph type="body" idx="1"/>
+          </p:nvPr>
+        </p:nvSpPr>
+        <p:spPr/>
+        <p:txBody>
+          <a:bodyPr/>
+          <a:lstStyle/>
+          <a:p>
+            <a:endParaRPr lang="zh-CN" altLang="en-US" dirty="0"/>
+          </a:p>
+        </p:txBody>
+      </p:sp>
+      <p:sp>
+        <p:nvSpPr>
+          <p:cNvPr id="4" name="灯片编号占位符 3"/>
+          <p:cNvSpPr>
+            <a:spLocks noGrp="1"/>
+          </p:cNvSpPr>
+          <p:nvPr>
+            <p:ph type="sldNum" sz="quarter" idx="10"/>
+          </p:nvPr>
+        </p:nvSpPr>
+        <p:spPr/>
+        <p:txBody>
+          <a:bodyPr/>
+          <a:lstStyle/>
+          <a:p>
+            <a:fld id="{AC73FC94-9A18-BA4E-B6C6-7718DD079366}" type="slidenum">
+              <a:rPr kumimoji="1" lang="zh-CN" altLang="en-US" smtClean="0"/>
+              <a:t>17</a:t>
+            </a:fld>
+            <a:endParaRPr kumimoji="1" lang="zh-CN" altLang="en-US"/>
+          </a:p>
+        </p:txBody>
+      </p:sp>
+    </p:spTree>
+    <p:extLst>
+      <p:ext uri="{BB962C8B-B14F-4D97-AF65-F5344CB8AC3E}">
+        <p14:creationId xmlns:p14="http://schemas.microsoft.com/office/powerpoint/2010/main" val="1581674351"/>
+      </p:ext>
+    </p:extLst>
+  </p:cSld>
+  <p:clrMapOvr>
+    <a:masterClrMapping/>
+  </p:clrMapOvr>
+</p:notes>
+</file>
+
 <file path=ppt/notesSlides/notesSlide2.xml><?xml version="1.0" encoding="utf-8"?>
 <p:notes xmlns:a="http://schemas.openxmlformats.org/drawingml/2006/main" xmlns:r="http://schemas.openxmlformats.org/officeDocument/2006/relationships" xmlns:p="http://schemas.openxmlformats.org/presentationml/2006/main">
   <p:cSld>
@@ -670,31 +1199,7 @@
                 <a:ea typeface="+mn-ea"/>
                 <a:cs typeface="+mn-cs"/>
               </a:rPr>
-              <a:t>炸弹袭击是由基地组织以及</a:t>
-            </a:r>
-            <a:r>
-              <a:rPr lang="zh-CN" altLang="en-US" sz="1200" b="0" i="0" kern="1200" dirty="0" smtClean="0">
-                <a:solidFill>
-                  <a:schemeClr val="tx1"/>
-                </a:solidFill>
-                <a:effectLst/>
-                <a:latin typeface="+mn-lt"/>
-                <a:ea typeface="+mn-ea"/>
-                <a:cs typeface="+mn-cs"/>
-              </a:rPr>
-              <a:t>摩洛哥伊斯兰战斗团</a:t>
-            </a:r>
-            <a:r>
-              <a:rPr lang="zh-CN" altLang="en-US" sz="1200" b="0" i="0" kern="1200" dirty="0" smtClean="0">
-                <a:solidFill>
-                  <a:schemeClr val="tx1"/>
-                </a:solidFill>
-                <a:effectLst/>
-                <a:latin typeface="+mn-lt"/>
-                <a:ea typeface="+mn-ea"/>
-                <a:cs typeface="+mn-cs"/>
-              </a:rPr>
-              <a:t>策划组织的。</a:t>
+              <a:t>炸弹袭击是由基地组织以及摩洛哥伊斯兰战斗团策划组织的。</a:t>
             </a:r>
           </a:p>
           <a:p>
@@ -1299,6 +1804,90 @@
     <p:extLst>
       <p:ext uri="{BB962C8B-B14F-4D97-AF65-F5344CB8AC3E}">
         <p14:creationId xmlns:p14="http://schemas.microsoft.com/office/powerpoint/2010/main" val="629580952"/>
+      </p:ext>
+    </p:extLst>
+  </p:cSld>
+  <p:clrMapOvr>
+    <a:masterClrMapping/>
+  </p:clrMapOvr>
+</p:notes>
+</file>
+
+<file path=ppt/notesSlides/notesSlide9.xml><?xml version="1.0" encoding="utf-8"?>
+<p:notes xmlns:a="http://schemas.openxmlformats.org/drawingml/2006/main" xmlns:r="http://schemas.openxmlformats.org/officeDocument/2006/relationships" xmlns:p="http://schemas.openxmlformats.org/presentationml/2006/main">
+  <p:cSld>
+    <p:spTree>
+      <p:nvGrpSpPr>
+        <p:cNvPr id="1" name=""/>
+        <p:cNvGrpSpPr/>
+        <p:nvPr/>
+      </p:nvGrpSpPr>
+      <p:grpSpPr>
+        <a:xfrm>
+          <a:off x="0" y="0"/>
+          <a:ext cx="0" cy="0"/>
+          <a:chOff x="0" y="0"/>
+          <a:chExt cx="0" cy="0"/>
+        </a:xfrm>
+      </p:grpSpPr>
+      <p:sp>
+        <p:nvSpPr>
+          <p:cNvPr id="2" name="幻灯片图像占位符 1"/>
+          <p:cNvSpPr>
+            <a:spLocks noGrp="1" noRot="1" noChangeAspect="1"/>
+          </p:cNvSpPr>
+          <p:nvPr>
+            <p:ph type="sldImg"/>
+          </p:nvPr>
+        </p:nvSpPr>
+        <p:spPr/>
+      </p:sp>
+      <p:sp>
+        <p:nvSpPr>
+          <p:cNvPr id="3" name="备注占位符 2"/>
+          <p:cNvSpPr>
+            <a:spLocks noGrp="1"/>
+          </p:cNvSpPr>
+          <p:nvPr>
+            <p:ph type="body" idx="1"/>
+          </p:nvPr>
+        </p:nvSpPr>
+        <p:spPr/>
+        <p:txBody>
+          <a:bodyPr/>
+          <a:lstStyle/>
+          <a:p>
+            <a:endParaRPr kumimoji="1" lang="zh-CN" altLang="en-US" dirty="0"/>
+          </a:p>
+        </p:txBody>
+      </p:sp>
+      <p:sp>
+        <p:nvSpPr>
+          <p:cNvPr id="4" name="幻灯片编号占位符 3"/>
+          <p:cNvSpPr>
+            <a:spLocks noGrp="1"/>
+          </p:cNvSpPr>
+          <p:nvPr>
+            <p:ph type="sldNum" sz="quarter" idx="10"/>
+          </p:nvPr>
+        </p:nvSpPr>
+        <p:spPr/>
+        <p:txBody>
+          <a:bodyPr/>
+          <a:lstStyle/>
+          <a:p>
+            <a:fld id="{AC73FC94-9A18-BA4E-B6C6-7718DD079366}" type="slidenum">
+              <a:rPr kumimoji="1" lang="zh-CN" altLang="en-US" smtClean="0"/>
+              <a:t>11</a:t>
+            </a:fld>
+            <a:endParaRPr kumimoji="1" lang="zh-CN" altLang="en-US"/>
+          </a:p>
+        </p:txBody>
+      </p:sp>
+    </p:spTree>
+    <p:extLst>
+      <p:ext uri="{BB962C8B-B14F-4D97-AF65-F5344CB8AC3E}">
+        <p14:creationId xmlns:p14="http://schemas.microsoft.com/office/powerpoint/2010/main" val="2496720170"/>
       </p:ext>
     </p:extLst>
   </p:cSld>
@@ -1640,7 +2229,7 @@
             <a:fld id="{B61BEF0D-F0BB-DE4B-95CE-6DB70DBA9567}" type="datetimeFigureOut">
               <a:rPr lang="en-US" dirty="0"/>
               <a:pPr/>
-              <a:t>11/28/16</a:t>
+              <a:t>11/29/2016</a:t>
             </a:fld>
             <a:endParaRPr lang="en-US" dirty="0"/>
           </a:p>
@@ -1961,7 +2550,7 @@
             <a:fld id="{B61BEF0D-F0BB-DE4B-95CE-6DB70DBA9567}" type="datetimeFigureOut">
               <a:rPr lang="en-US" dirty="0"/>
               <a:pPr/>
-              <a:t>11/28/16</a:t>
+              <a:t>11/29/2016</a:t>
             </a:fld>
             <a:endParaRPr lang="en-US" dirty="0"/>
           </a:p>
@@ -2206,7 +2795,7 @@
             <a:fld id="{B61BEF0D-F0BB-DE4B-95CE-6DB70DBA9567}" type="datetimeFigureOut">
               <a:rPr lang="en-US" dirty="0"/>
               <a:pPr/>
-              <a:t>11/28/16</a:t>
+              <a:t>11/29/2016</a:t>
             </a:fld>
             <a:endParaRPr lang="en-US" dirty="0"/>
           </a:p>
@@ -2542,7 +3131,7 @@
             <a:fld id="{B61BEF0D-F0BB-DE4B-95CE-6DB70DBA9567}" type="datetimeFigureOut">
               <a:rPr lang="en-US" dirty="0"/>
               <a:pPr/>
-              <a:t>11/28/16</a:t>
+              <a:t>11/29/2016</a:t>
             </a:fld>
             <a:endParaRPr lang="en-US" dirty="0"/>
           </a:p>
@@ -2886,7 +3475,7 @@
             <a:fld id="{B61BEF0D-F0BB-DE4B-95CE-6DB70DBA9567}" type="datetimeFigureOut">
               <a:rPr lang="en-US" dirty="0"/>
               <a:pPr/>
-              <a:t>11/28/16</a:t>
+              <a:t>11/29/2016</a:t>
             </a:fld>
             <a:endParaRPr lang="en-US" dirty="0"/>
           </a:p>
@@ -3257,7 +3846,7 @@
             <a:fld id="{B61BEF0D-F0BB-DE4B-95CE-6DB70DBA9567}" type="datetimeFigureOut">
               <a:rPr lang="en-US" dirty="0"/>
               <a:pPr/>
-              <a:t>11/28/16</a:t>
+              <a:t>11/29/2016</a:t>
             </a:fld>
             <a:endParaRPr lang="en-US" dirty="0"/>
           </a:p>
@@ -3724,7 +4313,7 @@
             <a:fld id="{B61BEF0D-F0BB-DE4B-95CE-6DB70DBA9567}" type="datetimeFigureOut">
               <a:rPr lang="en-US" dirty="0"/>
               <a:pPr/>
-              <a:t>11/28/16</a:t>
+              <a:t>11/29/2016</a:t>
             </a:fld>
             <a:endParaRPr lang="en-US" dirty="0"/>
           </a:p>
@@ -3926,7 +4515,7 @@
             <a:fld id="{B61BEF0D-F0BB-DE4B-95CE-6DB70DBA9567}" type="datetimeFigureOut">
               <a:rPr lang="en-US" dirty="0"/>
               <a:pPr/>
-              <a:t>11/28/16</a:t>
+              <a:t>11/29/2016</a:t>
             </a:fld>
             <a:endParaRPr lang="en-US" dirty="0"/>
           </a:p>
@@ -4134,7 +4723,7 @@
             <a:fld id="{B61BEF0D-F0BB-DE4B-95CE-6DB70DBA9567}" type="datetimeFigureOut">
               <a:rPr lang="en-US" dirty="0"/>
               <a:pPr/>
-              <a:t>11/28/16</a:t>
+              <a:t>11/29/2016</a:t>
             </a:fld>
             <a:endParaRPr lang="en-US" dirty="0"/>
           </a:p>
@@ -4362,7 +4951,7 @@
           <a:p>
             <a:fld id="{52647F38-B617-4D2F-AE0A-013F0C4D2C57}" type="datetimeFigureOut">
               <a:rPr lang="en-US" dirty="0"/>
-              <a:t>11/28/16</a:t>
+              <a:t>11/29/2016</a:t>
             </a:fld>
             <a:endParaRPr lang="en-US" dirty="0"/>
           </a:p>
@@ -4606,7 +5195,7 @@
             <a:fld id="{B61BEF0D-F0BB-DE4B-95CE-6DB70DBA9567}" type="datetimeFigureOut">
               <a:rPr lang="en-US" dirty="0"/>
               <a:pPr/>
-              <a:t>11/28/16</a:t>
+              <a:t>11/29/2016</a:t>
             </a:fld>
             <a:endParaRPr lang="en-US" dirty="0"/>
           </a:p>
@@ -4900,7 +5489,7 @@
           <a:p>
             <a:fld id="{05BFA754-D5C3-4E66-96A6-867B257F58DC}" type="datetimeFigureOut">
               <a:rPr lang="en-US" dirty="0"/>
-              <a:t>11/28/16</a:t>
+              <a:t>11/29/2016</a:t>
             </a:fld>
             <a:endParaRPr lang="en-US" dirty="0"/>
           </a:p>
@@ -5290,7 +5879,7 @@
             <a:fld id="{B61BEF0D-F0BB-DE4B-95CE-6DB70DBA9567}" type="datetimeFigureOut">
               <a:rPr lang="en-US" dirty="0"/>
               <a:pPr/>
-              <a:t>11/28/16</a:t>
+              <a:t>11/29/2016</a:t>
             </a:fld>
             <a:endParaRPr lang="en-US" dirty="0"/>
           </a:p>
@@ -5436,7 +6025,7 @@
             <a:fld id="{B61BEF0D-F0BB-DE4B-95CE-6DB70DBA9567}" type="datetimeFigureOut">
               <a:rPr lang="en-US" dirty="0"/>
               <a:pPr/>
-              <a:t>11/28/16</a:t>
+              <a:t>11/29/2016</a:t>
             </a:fld>
             <a:endParaRPr lang="en-US" dirty="0"/>
           </a:p>
@@ -5559,7 +6148,7 @@
             <a:fld id="{B61BEF0D-F0BB-DE4B-95CE-6DB70DBA9567}" type="datetimeFigureOut">
               <a:rPr lang="en-US" dirty="0"/>
               <a:pPr/>
-              <a:t>11/28/16</a:t>
+              <a:t>11/29/2016</a:t>
             </a:fld>
             <a:endParaRPr lang="en-US" dirty="0"/>
           </a:p>
@@ -5811,7 +6400,7 @@
             <a:fld id="{B61BEF0D-F0BB-DE4B-95CE-6DB70DBA9567}" type="datetimeFigureOut">
               <a:rPr lang="en-US" dirty="0"/>
               <a:pPr/>
-              <a:t>11/28/16</a:t>
+              <a:t>11/29/2016</a:t>
             </a:fld>
             <a:endParaRPr lang="en-US" dirty="0"/>
           </a:p>
@@ -6123,7 +6712,7 @@
             <a:fld id="{B61BEF0D-F0BB-DE4B-95CE-6DB70DBA9567}" type="datetimeFigureOut">
               <a:rPr lang="en-US" dirty="0"/>
               <a:pPr/>
-              <a:t>11/28/16</a:t>
+              <a:t>11/29/2016</a:t>
             </a:fld>
             <a:endParaRPr lang="en-US" dirty="0"/>
           </a:p>
@@ -6471,7 +7060,7 @@
             <a:fld id="{B61BEF0D-F0BB-DE4B-95CE-6DB70DBA9567}" type="datetimeFigureOut">
               <a:rPr lang="en-US" dirty="0"/>
               <a:pPr/>
-              <a:t>11/28/16</a:t>
+              <a:t>11/29/2016</a:t>
             </a:fld>
             <a:endParaRPr lang="en-US" dirty="0"/>
           </a:p>
@@ -7183,6 +7772,4087 @@
 </p:sld>
 </file>
 
+<file path=ppt/slides/slide11.xml><?xml version="1.0" encoding="utf-8"?>
+<p:sld xmlns:a="http://schemas.openxmlformats.org/drawingml/2006/main" xmlns:r="http://schemas.openxmlformats.org/officeDocument/2006/relationships" xmlns:p="http://schemas.openxmlformats.org/presentationml/2006/main">
+  <p:cSld>
+    <p:spTree>
+      <p:nvGrpSpPr>
+        <p:cNvPr id="1" name=""/>
+        <p:cNvGrpSpPr/>
+        <p:nvPr/>
+      </p:nvGrpSpPr>
+      <p:grpSpPr>
+        <a:xfrm>
+          <a:off x="0" y="0"/>
+          <a:ext cx="0" cy="0"/>
+          <a:chOff x="0" y="0"/>
+          <a:chExt cx="0" cy="0"/>
+        </a:xfrm>
+      </p:grpSpPr>
+      <p:sp>
+        <p:nvSpPr>
+          <p:cNvPr id="2" name="标题 1"/>
+          <p:cNvSpPr>
+            <a:spLocks noGrp="1"/>
+          </p:cNvSpPr>
+          <p:nvPr>
+            <p:ph type="title"/>
+          </p:nvPr>
+        </p:nvSpPr>
+        <p:spPr/>
+        <p:txBody>
+          <a:bodyPr/>
+          <a:lstStyle/>
+          <a:p>
+            <a:pPr algn="l"/>
+            <a:r>
+              <a:rPr kumimoji="1" lang="en-US" altLang="zh-CN" dirty="0" smtClean="0"/>
+              <a:t>Network</a:t>
+            </a:r>
+            <a:r>
+              <a:rPr kumimoji="1" lang="zh-CN" altLang="en-US" dirty="0" smtClean="0"/>
+              <a:t> </a:t>
+            </a:r>
+            <a:r>
+              <a:rPr kumimoji="1" lang="en-US" altLang="zh-CN" dirty="0" smtClean="0"/>
+              <a:t>Information</a:t>
+            </a:r>
+            <a:r>
+              <a:rPr kumimoji="1" lang="zh-CN" altLang="en-US" dirty="0" smtClean="0"/>
+              <a:t>   </a:t>
+            </a:r>
+            <a:endParaRPr kumimoji="1" lang="zh-CN" altLang="en-US" dirty="0"/>
+          </a:p>
+        </p:txBody>
+      </p:sp>
+      <p:sp>
+        <p:nvSpPr>
+          <p:cNvPr id="3" name="内容占位符 2"/>
+          <p:cNvSpPr>
+            <a:spLocks noGrp="1"/>
+          </p:cNvSpPr>
+          <p:nvPr>
+            <p:ph idx="1"/>
+          </p:nvPr>
+        </p:nvSpPr>
+        <p:spPr/>
+        <p:txBody>
+          <a:bodyPr/>
+          <a:lstStyle/>
+          <a:p>
+            <a:r>
+              <a:rPr kumimoji="1" lang="en-US" altLang="zh-CN" dirty="0" smtClean="0"/>
+              <a:t>Name</a:t>
+            </a:r>
+            <a:r>
+              <a:rPr kumimoji="1" lang="zh-CN" altLang="en-US" dirty="0" smtClean="0"/>
+              <a:t>：</a:t>
+            </a:r>
+            <a:r>
+              <a:rPr lang="en-US" altLang="zh-CN" b="1" dirty="0" smtClean="0"/>
+              <a:t>Les-miserable</a:t>
+            </a:r>
+          </a:p>
+          <a:p>
+            <a:r>
+              <a:rPr kumimoji="1" lang="en-US" altLang="zh-CN" dirty="0" smtClean="0"/>
+              <a:t>Size</a:t>
+            </a:r>
+            <a:r>
+              <a:rPr kumimoji="1" lang="zh-CN" altLang="en-US" dirty="0" smtClean="0"/>
+              <a:t>：</a:t>
+            </a:r>
+            <a:r>
+              <a:rPr kumimoji="1" lang="en-US" altLang="zh-CN" b="1" dirty="0" smtClean="0"/>
+              <a:t>77</a:t>
+            </a:r>
+            <a:r>
+              <a:rPr kumimoji="1" lang="en-US" altLang="zh-CN" dirty="0" smtClean="0"/>
+              <a:t> vertices(character) </a:t>
+            </a:r>
+            <a:endParaRPr kumimoji="1" lang="en-US" altLang="zh-CN" dirty="0" smtClean="0"/>
+          </a:p>
+          <a:p>
+            <a:pPr marL="457200" lvl="1" indent="0">
+              <a:buNone/>
+            </a:pPr>
+            <a:r>
+              <a:rPr kumimoji="1" lang="en-US" altLang="zh-CN" dirty="0"/>
+              <a:t>	 </a:t>
+            </a:r>
+            <a:r>
+              <a:rPr kumimoji="1" lang="en-US" altLang="zh-CN" dirty="0" smtClean="0"/>
+              <a:t>  </a:t>
+            </a:r>
+            <a:r>
+              <a:rPr kumimoji="1" lang="en-US" altLang="zh-CN" sz="2400" b="1" dirty="0" smtClean="0"/>
+              <a:t>234</a:t>
+            </a:r>
+            <a:r>
+              <a:rPr kumimoji="1" lang="en-US" altLang="zh-CN" sz="2400" dirty="0" smtClean="0"/>
+              <a:t> </a:t>
+            </a:r>
+            <a:r>
+              <a:rPr kumimoji="1" lang="en-US" altLang="zh-CN" sz="2400" dirty="0" smtClean="0"/>
+              <a:t>edges </a:t>
+            </a:r>
+            <a:r>
+              <a:rPr kumimoji="1" lang="en-US" altLang="zh-CN" sz="2400" dirty="0" smtClean="0"/>
+              <a:t>(appear in same section)</a:t>
+            </a:r>
+            <a:endParaRPr kumimoji="1" lang="en-US" altLang="zh-CN" sz="2400" dirty="0" smtClean="0"/>
+          </a:p>
+          <a:p>
+            <a:r>
+              <a:rPr kumimoji="1" lang="en-US" altLang="zh-CN" dirty="0" smtClean="0"/>
+              <a:t>Type:  Undirected   &amp;   Weighted   Graph</a:t>
+            </a:r>
+          </a:p>
+        </p:txBody>
+      </p:sp>
+      <p:pic>
+        <p:nvPicPr>
+          <p:cNvPr id="6" name="图片 5"/>
+          <p:cNvPicPr>
+            <a:picLocks noChangeAspect="1"/>
+          </p:cNvPicPr>
+          <p:nvPr/>
+        </p:nvPicPr>
+        <p:blipFill>
+          <a:blip r:embed="rId3"/>
+          <a:stretch>
+            <a:fillRect/>
+          </a:stretch>
+        </p:blipFill>
+        <p:spPr>
+          <a:xfrm>
+            <a:off x="7042871" y="523875"/>
+            <a:ext cx="4257675" cy="5810250"/>
+          </a:xfrm>
+          <a:prstGeom prst="rect">
+            <a:avLst/>
+          </a:prstGeom>
+        </p:spPr>
+      </p:pic>
+    </p:spTree>
+    <p:extLst>
+      <p:ext uri="{BB962C8B-B14F-4D97-AF65-F5344CB8AC3E}">
+        <p14:creationId xmlns:p14="http://schemas.microsoft.com/office/powerpoint/2010/main" val="1520538646"/>
+      </p:ext>
+    </p:extLst>
+  </p:cSld>
+  <p:clrMapOvr>
+    <a:masterClrMapping/>
+  </p:clrMapOvr>
+  <p:timing>
+    <p:tnLst>
+      <p:par>
+        <p:cTn id="1" dur="indefinite" restart="never" nodeType="tmRoot"/>
+      </p:par>
+    </p:tnLst>
+  </p:timing>
+</p:sld>
+</file>
+
+<file path=ppt/slides/slide12.xml><?xml version="1.0" encoding="utf-8"?>
+<p:sld xmlns:a="http://schemas.openxmlformats.org/drawingml/2006/main" xmlns:r="http://schemas.openxmlformats.org/officeDocument/2006/relationships" xmlns:p="http://schemas.openxmlformats.org/presentationml/2006/main">
+  <p:cSld>
+    <p:spTree>
+      <p:nvGrpSpPr>
+        <p:cNvPr id="1" name=""/>
+        <p:cNvGrpSpPr/>
+        <p:nvPr/>
+      </p:nvGrpSpPr>
+      <p:grpSpPr>
+        <a:xfrm>
+          <a:off x="0" y="0"/>
+          <a:ext cx="0" cy="0"/>
+          <a:chOff x="0" y="0"/>
+          <a:chExt cx="0" cy="0"/>
+        </a:xfrm>
+      </p:grpSpPr>
+      <p:pic>
+        <p:nvPicPr>
+          <p:cNvPr id="3" name="图片 2"/>
+          <p:cNvPicPr>
+            <a:picLocks noChangeAspect="1"/>
+          </p:cNvPicPr>
+          <p:nvPr/>
+        </p:nvPicPr>
+        <p:blipFill>
+          <a:blip r:embed="rId3"/>
+          <a:stretch>
+            <a:fillRect/>
+          </a:stretch>
+        </p:blipFill>
+        <p:spPr>
+          <a:xfrm>
+            <a:off x="2382982" y="706582"/>
+            <a:ext cx="7633854" cy="5444836"/>
+          </a:xfrm>
+          <a:prstGeom prst="rect">
+            <a:avLst/>
+          </a:prstGeom>
+        </p:spPr>
+      </p:pic>
+    </p:spTree>
+    <p:extLst>
+      <p:ext uri="{BB962C8B-B14F-4D97-AF65-F5344CB8AC3E}">
+        <p14:creationId xmlns:p14="http://schemas.microsoft.com/office/powerpoint/2010/main" val="1573583188"/>
+      </p:ext>
+    </p:extLst>
+  </p:cSld>
+  <p:clrMapOvr>
+    <a:masterClrMapping/>
+  </p:clrMapOvr>
+  <p:timing>
+    <p:tnLst>
+      <p:par>
+        <p:cTn id="1" dur="indefinite" restart="never" nodeType="tmRoot"/>
+      </p:par>
+    </p:tnLst>
+  </p:timing>
+</p:sld>
+</file>
+
+<file path=ppt/slides/slide13.xml><?xml version="1.0" encoding="utf-8"?>
+<p:sld xmlns:a="http://schemas.openxmlformats.org/drawingml/2006/main" xmlns:r="http://schemas.openxmlformats.org/officeDocument/2006/relationships" xmlns:p="http://schemas.openxmlformats.org/presentationml/2006/main">
+  <p:cSld>
+    <p:spTree>
+      <p:nvGrpSpPr>
+        <p:cNvPr id="1" name=""/>
+        <p:cNvGrpSpPr/>
+        <p:nvPr/>
+      </p:nvGrpSpPr>
+      <p:grpSpPr>
+        <a:xfrm>
+          <a:off x="0" y="0"/>
+          <a:ext cx="0" cy="0"/>
+          <a:chOff x="0" y="0"/>
+          <a:chExt cx="0" cy="0"/>
+        </a:xfrm>
+      </p:grpSpPr>
+      <p:sp>
+        <p:nvSpPr>
+          <p:cNvPr id="2" name="标题 1"/>
+          <p:cNvSpPr>
+            <a:spLocks noGrp="1"/>
+          </p:cNvSpPr>
+          <p:nvPr>
+            <p:ph type="title"/>
+          </p:nvPr>
+        </p:nvSpPr>
+        <p:spPr/>
+        <p:txBody>
+          <a:bodyPr/>
+          <a:lstStyle/>
+          <a:p>
+            <a:r>
+              <a:rPr kumimoji="1" lang="en-US" altLang="zh-CN" dirty="0" smtClean="0"/>
+              <a:t>Weight &amp; Degree</a:t>
+            </a:r>
+            <a:endParaRPr kumimoji="1" lang="zh-CN" altLang="en-US" dirty="0"/>
+          </a:p>
+        </p:txBody>
+      </p:sp>
+      <p:pic>
+        <p:nvPicPr>
+          <p:cNvPr id="3" name="图片 2"/>
+          <p:cNvPicPr>
+            <a:picLocks noChangeAspect="1"/>
+          </p:cNvPicPr>
+          <p:nvPr/>
+        </p:nvPicPr>
+        <p:blipFill>
+          <a:blip r:embed="rId3"/>
+          <a:stretch>
+            <a:fillRect/>
+          </a:stretch>
+        </p:blipFill>
+        <p:spPr>
+          <a:xfrm>
+            <a:off x="1572493" y="2451955"/>
+            <a:ext cx="4523507" cy="3392630"/>
+          </a:xfrm>
+          <a:prstGeom prst="rect">
+            <a:avLst/>
+          </a:prstGeom>
+        </p:spPr>
+      </p:pic>
+      <p:pic>
+        <p:nvPicPr>
+          <p:cNvPr id="7" name="图片 6"/>
+          <p:cNvPicPr>
+            <a:picLocks noChangeAspect="1"/>
+          </p:cNvPicPr>
+          <p:nvPr/>
+        </p:nvPicPr>
+        <p:blipFill>
+          <a:blip r:embed="rId4"/>
+          <a:stretch>
+            <a:fillRect/>
+          </a:stretch>
+        </p:blipFill>
+        <p:spPr>
+          <a:xfrm>
+            <a:off x="6223721" y="2451955"/>
+            <a:ext cx="4402715" cy="3342529"/>
+          </a:xfrm>
+          <a:prstGeom prst="rect">
+            <a:avLst/>
+          </a:prstGeom>
+        </p:spPr>
+      </p:pic>
+    </p:spTree>
+    <p:extLst>
+      <p:ext uri="{BB962C8B-B14F-4D97-AF65-F5344CB8AC3E}">
+        <p14:creationId xmlns:p14="http://schemas.microsoft.com/office/powerpoint/2010/main" val="252108447"/>
+      </p:ext>
+    </p:extLst>
+  </p:cSld>
+  <p:clrMapOvr>
+    <a:masterClrMapping/>
+  </p:clrMapOvr>
+  <p:timing>
+    <p:tnLst>
+      <p:par>
+        <p:cTn id="1" dur="indefinite" restart="never" nodeType="tmRoot"/>
+      </p:par>
+    </p:tnLst>
+  </p:timing>
+</p:sld>
+</file>
+
+<file path=ppt/slides/slide14.xml><?xml version="1.0" encoding="utf-8"?>
+<p:sld xmlns:a="http://schemas.openxmlformats.org/drawingml/2006/main" xmlns:r="http://schemas.openxmlformats.org/officeDocument/2006/relationships" xmlns:p="http://schemas.openxmlformats.org/presentationml/2006/main">
+  <p:cSld>
+    <p:spTree>
+      <p:nvGrpSpPr>
+        <p:cNvPr id="1" name=""/>
+        <p:cNvGrpSpPr/>
+        <p:nvPr/>
+      </p:nvGrpSpPr>
+      <p:grpSpPr>
+        <a:xfrm>
+          <a:off x="0" y="0"/>
+          <a:ext cx="0" cy="0"/>
+          <a:chOff x="0" y="0"/>
+          <a:chExt cx="0" cy="0"/>
+        </a:xfrm>
+      </p:grpSpPr>
+      <p:sp>
+        <p:nvSpPr>
+          <p:cNvPr id="2" name="标题 1"/>
+          <p:cNvSpPr>
+            <a:spLocks noGrp="1"/>
+          </p:cNvSpPr>
+          <p:nvPr>
+            <p:ph type="title"/>
+          </p:nvPr>
+        </p:nvSpPr>
+        <p:spPr/>
+        <p:txBody>
+          <a:bodyPr/>
+          <a:lstStyle/>
+          <a:p>
+            <a:endParaRPr kumimoji="1" lang="zh-CN" altLang="en-US" dirty="0"/>
+          </a:p>
+        </p:txBody>
+      </p:sp>
+      <p:pic>
+        <p:nvPicPr>
+          <p:cNvPr id="10" name="内容占位符 9"/>
+          <p:cNvPicPr>
+            <a:picLocks noGrp="1" noChangeAspect="1"/>
+          </p:cNvPicPr>
+          <p:nvPr>
+            <p:ph idx="1"/>
+          </p:nvPr>
+        </p:nvPicPr>
+        <p:blipFill>
+          <a:blip r:embed="rId3">
+            <a:extLst>
+              <a:ext uri="{28A0092B-C50C-407E-A947-70E740481C1C}">
+                <a14:useLocalDpi xmlns:a14="http://schemas.microsoft.com/office/drawing/2010/main" val="0"/>
+              </a:ext>
+            </a:extLst>
+          </a:blip>
+          <a:stretch>
+            <a:fillRect/>
+          </a:stretch>
+        </p:blipFill>
+        <p:spPr>
+          <a:xfrm>
+            <a:off x="726161" y="262465"/>
+            <a:ext cx="10703839" cy="6258372"/>
+          </a:xfrm>
+        </p:spPr>
+      </p:pic>
+    </p:spTree>
+    <p:extLst>
+      <p:ext uri="{BB962C8B-B14F-4D97-AF65-F5344CB8AC3E}">
+        <p14:creationId xmlns:p14="http://schemas.microsoft.com/office/powerpoint/2010/main" val="3131804380"/>
+      </p:ext>
+    </p:extLst>
+  </p:cSld>
+  <p:clrMapOvr>
+    <a:masterClrMapping/>
+  </p:clrMapOvr>
+  <p:timing>
+    <p:tnLst>
+      <p:par>
+        <p:cTn id="1" dur="indefinite" restart="never" nodeType="tmRoot"/>
+      </p:par>
+    </p:tnLst>
+  </p:timing>
+</p:sld>
+</file>
+
+<file path=ppt/slides/slide15.xml><?xml version="1.0" encoding="utf-8"?>
+<p:sld xmlns:a="http://schemas.openxmlformats.org/drawingml/2006/main" xmlns:r="http://schemas.openxmlformats.org/officeDocument/2006/relationships" xmlns:p="http://schemas.openxmlformats.org/presentationml/2006/main">
+  <p:cSld>
+    <p:spTree>
+      <p:nvGrpSpPr>
+        <p:cNvPr id="1" name=""/>
+        <p:cNvGrpSpPr/>
+        <p:nvPr/>
+      </p:nvGrpSpPr>
+      <p:grpSpPr>
+        <a:xfrm>
+          <a:off x="0" y="0"/>
+          <a:ext cx="0" cy="0"/>
+          <a:chOff x="0" y="0"/>
+          <a:chExt cx="0" cy="0"/>
+        </a:xfrm>
+      </p:grpSpPr>
+      <p:sp>
+        <p:nvSpPr>
+          <p:cNvPr id="2" name="标题 1"/>
+          <p:cNvSpPr>
+            <a:spLocks noGrp="1"/>
+          </p:cNvSpPr>
+          <p:nvPr>
+            <p:ph type="title"/>
+          </p:nvPr>
+        </p:nvSpPr>
+        <p:spPr/>
+        <p:txBody>
+          <a:bodyPr/>
+          <a:lstStyle/>
+          <a:p>
+            <a:r>
+              <a:rPr kumimoji="1" lang="en-US" altLang="zh-CN" dirty="0" smtClean="0"/>
+              <a:t>Classical</a:t>
+            </a:r>
+            <a:r>
+              <a:rPr kumimoji="1" lang="zh-CN" altLang="en-US" dirty="0" smtClean="0"/>
+              <a:t> </a:t>
+            </a:r>
+            <a:r>
+              <a:rPr kumimoji="1" lang="en-US" altLang="zh-CN" dirty="0"/>
+              <a:t>Centrality</a:t>
+            </a:r>
+            <a:endParaRPr kumimoji="1" lang="zh-CN" altLang="en-US" dirty="0"/>
+          </a:p>
+        </p:txBody>
+      </p:sp>
+      <p:graphicFrame>
+        <p:nvGraphicFramePr>
+          <p:cNvPr id="6" name="内容占位符 5"/>
+          <p:cNvGraphicFramePr>
+            <a:graphicFrameLocks noGrp="1"/>
+          </p:cNvGraphicFramePr>
+          <p:nvPr>
+            <p:ph idx="1"/>
+            <p:extLst>
+              <p:ext uri="{D42A27DB-BD31-4B8C-83A1-F6EECF244321}">
+                <p14:modId xmlns:p14="http://schemas.microsoft.com/office/powerpoint/2010/main" val="2191738081"/>
+              </p:ext>
+            </p:extLst>
+          </p:nvPr>
+        </p:nvGraphicFramePr>
+        <p:xfrm>
+          <a:off x="1420836" y="2286004"/>
+          <a:ext cx="9475761" cy="3667387"/>
+        </p:xfrm>
+        <a:graphic>
+          <a:graphicData uri="http://schemas.openxmlformats.org/drawingml/2006/table">
+            <a:tbl>
+              <a:tblPr firstRow="1" firstCol="1" bandRow="1">
+                <a:tableStyleId>{5C22544A-7EE6-4342-B048-85BDC9FD1C3A}</a:tableStyleId>
+              </a:tblPr>
+              <a:tblGrid>
+                <a:gridCol w="844062"/>
+                <a:gridCol w="1716259"/>
+                <a:gridCol w="1420837"/>
+                <a:gridCol w="1537525"/>
+                <a:gridCol w="1319026"/>
+                <a:gridCol w="1319026"/>
+                <a:gridCol w="1319026"/>
+              </a:tblGrid>
+              <a:tr h="341296">
+                <a:tc>
+                  <a:txBody>
+                    <a:bodyPr/>
+                    <a:lstStyle/>
+                    <a:p>
+                      <a:pPr algn="ctr" fontAlgn="b"/>
+                      <a:r>
+                        <a:rPr lang="zh-CN" altLang="en-US" sz="1600" u="none" strike="noStrike" dirty="0" smtClean="0">
+                          <a:effectLst/>
+                        </a:rPr>
+                        <a:t>排名</a:t>
+                      </a:r>
+                      <a:endParaRPr lang="zh-CN" altLang="en-US" sz="1600" b="0" i="0" u="none" strike="noStrike" dirty="0">
+                        <a:solidFill>
+                          <a:srgbClr val="000000"/>
+                        </a:solidFill>
+                        <a:effectLst/>
+                        <a:latin typeface="宋体" charset="0"/>
+                      </a:endParaRPr>
+                    </a:p>
+                  </a:txBody>
+                  <a:tcPr marL="10587" marR="10587" marT="10587" marB="0" anchor="b"/>
+                </a:tc>
+                <a:tc gridSpan="2">
+                  <a:txBody>
+                    <a:bodyPr/>
+                    <a:lstStyle/>
+                    <a:p>
+                      <a:pPr algn="ctr" fontAlgn="b"/>
+                      <a:r>
+                        <a:rPr lang="en-US" sz="1600" u="none" strike="noStrike" dirty="0">
+                          <a:effectLst/>
+                        </a:rPr>
+                        <a:t>Degree Centrality</a:t>
+                      </a:r>
+                      <a:endParaRPr lang="en-US" sz="1600" b="0" i="0" u="none" strike="noStrike" dirty="0">
+                        <a:solidFill>
+                          <a:srgbClr val="000000"/>
+                        </a:solidFill>
+                        <a:effectLst/>
+                        <a:latin typeface="宋体" charset="0"/>
+                      </a:endParaRPr>
+                    </a:p>
+                  </a:txBody>
+                  <a:tcPr marL="10587" marR="10587" marT="10587" marB="0" anchor="b"/>
+                </a:tc>
+                <a:tc hMerge="1">
+                  <a:txBody>
+                    <a:bodyPr/>
+                    <a:lstStyle/>
+                    <a:p>
+                      <a:endParaRPr lang="zh-CN" altLang="en-US"/>
+                    </a:p>
+                  </a:txBody>
+                  <a:tcPr/>
+                </a:tc>
+                <a:tc gridSpan="2">
+                  <a:txBody>
+                    <a:bodyPr/>
+                    <a:lstStyle/>
+                    <a:p>
+                      <a:pPr algn="ctr" fontAlgn="b"/>
+                      <a:r>
+                        <a:rPr lang="en-US" sz="1600" u="none" strike="noStrike" dirty="0">
+                          <a:effectLst/>
+                        </a:rPr>
+                        <a:t>Closeness Centrality</a:t>
+                      </a:r>
+                      <a:endParaRPr lang="en-US" sz="1600" b="0" i="0" u="none" strike="noStrike" dirty="0">
+                        <a:solidFill>
+                          <a:srgbClr val="000000"/>
+                        </a:solidFill>
+                        <a:effectLst/>
+                        <a:latin typeface="宋体" charset="0"/>
+                      </a:endParaRPr>
+                    </a:p>
+                  </a:txBody>
+                  <a:tcPr marL="10587" marR="10587" marT="10587" marB="0" anchor="b"/>
+                </a:tc>
+                <a:tc hMerge="1">
+                  <a:txBody>
+                    <a:bodyPr/>
+                    <a:lstStyle/>
+                    <a:p>
+                      <a:endParaRPr lang="zh-CN" altLang="en-US"/>
+                    </a:p>
+                  </a:txBody>
+                  <a:tcPr/>
+                </a:tc>
+                <a:tc gridSpan="2">
+                  <a:txBody>
+                    <a:bodyPr/>
+                    <a:lstStyle/>
+                    <a:p>
+                      <a:pPr algn="ctr" fontAlgn="b"/>
+                      <a:r>
+                        <a:rPr lang="en-US" sz="1600" u="none" strike="noStrike" dirty="0" err="1">
+                          <a:effectLst/>
+                        </a:rPr>
+                        <a:t>Betweenness</a:t>
+                      </a:r>
+                      <a:r>
+                        <a:rPr lang="en-US" sz="1600" u="none" strike="noStrike" dirty="0">
+                          <a:effectLst/>
+                        </a:rPr>
+                        <a:t> Centrality</a:t>
+                      </a:r>
+                      <a:endParaRPr lang="en-US" sz="1600" b="0" i="0" u="none" strike="noStrike" dirty="0">
+                        <a:solidFill>
+                          <a:srgbClr val="000000"/>
+                        </a:solidFill>
+                        <a:effectLst/>
+                        <a:latin typeface="宋体" charset="0"/>
+                      </a:endParaRPr>
+                    </a:p>
+                  </a:txBody>
+                  <a:tcPr marL="10587" marR="10587" marT="10587" marB="0" anchor="b"/>
+                </a:tc>
+                <a:tc hMerge="1">
+                  <a:txBody>
+                    <a:bodyPr/>
+                    <a:lstStyle/>
+                    <a:p>
+                      <a:endParaRPr lang="zh-CN" altLang="en-US"/>
+                    </a:p>
+                  </a:txBody>
+                  <a:tcPr/>
+                </a:tc>
+              </a:tr>
+              <a:tr h="341296">
+                <a:tc>
+                  <a:txBody>
+                    <a:bodyPr/>
+                    <a:lstStyle/>
+                    <a:p>
+                      <a:pPr algn="ctr" fontAlgn="b"/>
+                      <a:r>
+                        <a:rPr lang="en-US" altLang="zh-CN" sz="1600" u="none" strike="noStrike" dirty="0">
+                          <a:effectLst/>
+                        </a:rPr>
+                        <a:t>1</a:t>
+                      </a:r>
+                      <a:endParaRPr lang="en-US" altLang="zh-CN" sz="1600" b="0" i="0" u="none" strike="noStrike" dirty="0">
+                        <a:solidFill>
+                          <a:srgbClr val="000000"/>
+                        </a:solidFill>
+                        <a:effectLst/>
+                        <a:latin typeface="宋体" charset="0"/>
+                      </a:endParaRPr>
+                    </a:p>
+                  </a:txBody>
+                  <a:tcPr marL="10587" marR="10587" marT="10587" marB="0" anchor="b"/>
+                </a:tc>
+                <a:tc>
+                  <a:txBody>
+                    <a:bodyPr/>
+                    <a:lstStyle/>
+                    <a:p>
+                      <a:pPr algn="ctr" fontAlgn="ctr"/>
+                      <a:r>
+                        <a:rPr lang="en-US" altLang="zh-CN" sz="1400" b="1" i="0" u="none" strike="noStrike" dirty="0">
+                          <a:solidFill>
+                            <a:srgbClr val="000000"/>
+                          </a:solidFill>
+                          <a:effectLst/>
+                          <a:latin typeface="宋体" panose="02010600030101010101" pitchFamily="2" charset="-122"/>
+                          <a:ea typeface="宋体" panose="02010600030101010101" pitchFamily="2" charset="-122"/>
+                        </a:rPr>
+                        <a:t>11</a:t>
+                      </a:r>
+                    </a:p>
+                  </a:txBody>
+                  <a:tcPr marL="9525" marR="9525" marT="9525" marB="0" anchor="ctr"/>
+                </a:tc>
+                <a:tc>
+                  <a:txBody>
+                    <a:bodyPr/>
+                    <a:lstStyle/>
+                    <a:p>
+                      <a:pPr algn="ctr" fontAlgn="ctr"/>
+                      <a:r>
+                        <a:rPr lang="en-US" altLang="zh-CN" sz="1400" b="1" i="0" u="none" strike="noStrike">
+                          <a:solidFill>
+                            <a:srgbClr val="000000"/>
+                          </a:solidFill>
+                          <a:effectLst/>
+                          <a:latin typeface="宋体" panose="02010600030101010101" pitchFamily="2" charset="-122"/>
+                          <a:ea typeface="宋体" panose="02010600030101010101" pitchFamily="2" charset="-122"/>
+                        </a:rPr>
+                        <a:t>35</a:t>
+                      </a:r>
+                    </a:p>
+                  </a:txBody>
+                  <a:tcPr marL="9525" marR="9525" marT="9525" marB="0" anchor="ctr"/>
+                </a:tc>
+                <a:tc>
+                  <a:txBody>
+                    <a:bodyPr/>
+                    <a:lstStyle/>
+                    <a:p>
+                      <a:pPr algn="ctr" fontAlgn="ctr"/>
+                      <a:r>
+                        <a:rPr lang="en-US" altLang="zh-CN" sz="1400" b="1" i="0" u="none" strike="noStrike" dirty="0">
+                          <a:solidFill>
+                            <a:srgbClr val="000000"/>
+                          </a:solidFill>
+                          <a:effectLst/>
+                          <a:latin typeface="宋体" panose="02010600030101010101" pitchFamily="2" charset="-122"/>
+                          <a:ea typeface="宋体" panose="02010600030101010101" pitchFamily="2" charset="-122"/>
+                        </a:rPr>
+                        <a:t>11</a:t>
+                      </a:r>
+                    </a:p>
+                  </a:txBody>
+                  <a:tcPr marL="9525" marR="9525" marT="9525" marB="0" anchor="ctr"/>
+                </a:tc>
+                <a:tc>
+                  <a:txBody>
+                    <a:bodyPr/>
+                    <a:lstStyle/>
+                    <a:p>
+                      <a:pPr algn="ctr" fontAlgn="ctr"/>
+                      <a:r>
+                        <a:rPr lang="en-US" altLang="zh-CN" sz="1400" b="1" i="0" u="none" strike="noStrike">
+                          <a:solidFill>
+                            <a:srgbClr val="000000"/>
+                          </a:solidFill>
+                          <a:effectLst/>
+                          <a:latin typeface="宋体" panose="02010600030101010101" pitchFamily="2" charset="-122"/>
+                          <a:ea typeface="宋体" panose="02010600030101010101" pitchFamily="2" charset="-122"/>
+                        </a:rPr>
+                        <a:t>0.725877193</a:t>
+                      </a:r>
+                    </a:p>
+                  </a:txBody>
+                  <a:tcPr marL="9525" marR="9525" marT="9525" marB="0" anchor="ctr"/>
+                </a:tc>
+                <a:tc>
+                  <a:txBody>
+                    <a:bodyPr/>
+                    <a:lstStyle/>
+                    <a:p>
+                      <a:pPr algn="ctr" fontAlgn="ctr"/>
+                      <a:r>
+                        <a:rPr lang="en-US" altLang="zh-CN" sz="1400" b="1" i="0" u="none" strike="noStrike" dirty="0">
+                          <a:solidFill>
+                            <a:srgbClr val="000000"/>
+                          </a:solidFill>
+                          <a:effectLst/>
+                          <a:latin typeface="宋体" panose="02010600030101010101" pitchFamily="2" charset="-122"/>
+                          <a:ea typeface="宋体" panose="02010600030101010101" pitchFamily="2" charset="-122"/>
+                        </a:rPr>
+                        <a:t>11</a:t>
+                      </a:r>
+                    </a:p>
+                  </a:txBody>
+                  <a:tcPr marL="9525" marR="9525" marT="9525" marB="0" anchor="ctr"/>
+                </a:tc>
+                <a:tc>
+                  <a:txBody>
+                    <a:bodyPr/>
+                    <a:lstStyle/>
+                    <a:p>
+                      <a:pPr algn="ctr" fontAlgn="ctr"/>
+                      <a:r>
+                        <a:rPr lang="en-US" altLang="zh-CN" sz="1400" b="1" i="0" u="none" strike="noStrike">
+                          <a:solidFill>
+                            <a:srgbClr val="000000"/>
+                          </a:solidFill>
+                          <a:effectLst/>
+                          <a:latin typeface="宋体" panose="02010600030101010101" pitchFamily="2" charset="-122"/>
+                          <a:ea typeface="宋体" panose="02010600030101010101" pitchFamily="2" charset="-122"/>
+                        </a:rPr>
+                        <a:t>1663.187</a:t>
+                      </a:r>
+                    </a:p>
+                  </a:txBody>
+                  <a:tcPr marL="9525" marR="9525" marT="9525" marB="0" anchor="ctr"/>
+                </a:tc>
+              </a:tr>
+              <a:tr h="341296">
+                <a:tc>
+                  <a:txBody>
+                    <a:bodyPr/>
+                    <a:lstStyle/>
+                    <a:p>
+                      <a:pPr algn="ctr" fontAlgn="b"/>
+                      <a:r>
+                        <a:rPr lang="en-US" altLang="zh-CN" sz="1600" u="none" strike="noStrike" dirty="0">
+                          <a:effectLst/>
+                        </a:rPr>
+                        <a:t>2</a:t>
+                      </a:r>
+                      <a:endParaRPr lang="en-US" altLang="zh-CN" sz="1600" b="0" i="0" u="none" strike="noStrike" dirty="0">
+                        <a:solidFill>
+                          <a:srgbClr val="000000"/>
+                        </a:solidFill>
+                        <a:effectLst/>
+                        <a:latin typeface="宋体" charset="0"/>
+                      </a:endParaRPr>
+                    </a:p>
+                  </a:txBody>
+                  <a:tcPr marL="10587" marR="10587" marT="10587" marB="0" anchor="b"/>
+                </a:tc>
+                <a:tc>
+                  <a:txBody>
+                    <a:bodyPr/>
+                    <a:lstStyle/>
+                    <a:p>
+                      <a:pPr algn="ctr" fontAlgn="ctr"/>
+                      <a:r>
+                        <a:rPr lang="en-US" altLang="zh-CN" sz="1400" b="1" i="0" u="none" strike="noStrike" dirty="0">
+                          <a:solidFill>
+                            <a:srgbClr val="000000"/>
+                          </a:solidFill>
+                          <a:effectLst/>
+                          <a:latin typeface="宋体" panose="02010600030101010101" pitchFamily="2" charset="-122"/>
+                          <a:ea typeface="宋体" panose="02010600030101010101" pitchFamily="2" charset="-122"/>
+                        </a:rPr>
+                        <a:t>55</a:t>
+                      </a:r>
+                    </a:p>
+                  </a:txBody>
+                  <a:tcPr marL="9525" marR="9525" marT="9525" marB="0" anchor="ctr"/>
+                </a:tc>
+                <a:tc>
+                  <a:txBody>
+                    <a:bodyPr/>
+                    <a:lstStyle/>
+                    <a:p>
+                      <a:pPr algn="ctr" fontAlgn="ctr"/>
+                      <a:r>
+                        <a:rPr lang="en-US" altLang="zh-CN" sz="1400" b="1" i="0" u="none" strike="noStrike">
+                          <a:solidFill>
+                            <a:srgbClr val="000000"/>
+                          </a:solidFill>
+                          <a:effectLst/>
+                          <a:latin typeface="宋体" panose="02010600030101010101" pitchFamily="2" charset="-122"/>
+                          <a:ea typeface="宋体" panose="02010600030101010101" pitchFamily="2" charset="-122"/>
+                        </a:rPr>
+                        <a:t>18</a:t>
+                      </a:r>
+                    </a:p>
+                  </a:txBody>
+                  <a:tcPr marL="9525" marR="9525" marT="9525" marB="0" anchor="ctr"/>
+                </a:tc>
+                <a:tc>
+                  <a:txBody>
+                    <a:bodyPr/>
+                    <a:lstStyle/>
+                    <a:p>
+                      <a:pPr algn="ctr" fontAlgn="ctr"/>
+                      <a:r>
+                        <a:rPr lang="en-US" altLang="zh-CN" sz="1400" b="1" i="0" u="none" strike="noStrike">
+                          <a:solidFill>
+                            <a:srgbClr val="000000"/>
+                          </a:solidFill>
+                          <a:effectLst/>
+                          <a:latin typeface="宋体" panose="02010600030101010101" pitchFamily="2" charset="-122"/>
+                          <a:ea typeface="宋体" panose="02010600030101010101" pitchFamily="2" charset="-122"/>
+                        </a:rPr>
+                        <a:t>55</a:t>
+                      </a:r>
+                    </a:p>
+                  </a:txBody>
+                  <a:tcPr marL="9525" marR="9525" marT="9525" marB="0" anchor="ctr"/>
+                </a:tc>
+                <a:tc>
+                  <a:txBody>
+                    <a:bodyPr/>
+                    <a:lstStyle/>
+                    <a:p>
+                      <a:pPr algn="ctr" fontAlgn="ctr"/>
+                      <a:r>
+                        <a:rPr lang="en-US" altLang="zh-CN" sz="1400" b="1" i="0" u="none" strike="noStrike">
+                          <a:solidFill>
+                            <a:srgbClr val="000000"/>
+                          </a:solidFill>
+                          <a:effectLst/>
+                          <a:latin typeface="宋体" panose="02010600030101010101" pitchFamily="2" charset="-122"/>
+                          <a:ea typeface="宋体" panose="02010600030101010101" pitchFamily="2" charset="-122"/>
+                        </a:rPr>
+                        <a:t>0.596491228</a:t>
+                      </a:r>
+                    </a:p>
+                  </a:txBody>
+                  <a:tcPr marL="9525" marR="9525" marT="9525" marB="0" anchor="ctr"/>
+                </a:tc>
+                <a:tc>
+                  <a:txBody>
+                    <a:bodyPr/>
+                    <a:lstStyle/>
+                    <a:p>
+                      <a:pPr algn="ctr" fontAlgn="ctr"/>
+                      <a:r>
+                        <a:rPr lang="en-US" altLang="zh-CN" sz="1400" b="1" i="0" u="none" strike="noStrike" dirty="0">
+                          <a:solidFill>
+                            <a:srgbClr val="000000"/>
+                          </a:solidFill>
+                          <a:effectLst/>
+                          <a:latin typeface="宋体" panose="02010600030101010101" pitchFamily="2" charset="-122"/>
+                          <a:ea typeface="宋体" panose="02010600030101010101" pitchFamily="2" charset="-122"/>
+                        </a:rPr>
+                        <a:t>0</a:t>
+                      </a:r>
+                    </a:p>
+                  </a:txBody>
+                  <a:tcPr marL="9525" marR="9525" marT="9525" marB="0" anchor="ctr"/>
+                </a:tc>
+                <a:tc>
+                  <a:txBody>
+                    <a:bodyPr/>
+                    <a:lstStyle/>
+                    <a:p>
+                      <a:pPr algn="ctr" fontAlgn="ctr"/>
+                      <a:r>
+                        <a:rPr lang="en-US" altLang="zh-CN" sz="1400" b="1" i="0" u="none" strike="noStrike">
+                          <a:solidFill>
+                            <a:srgbClr val="000000"/>
+                          </a:solidFill>
+                          <a:effectLst/>
+                          <a:latin typeface="宋体" panose="02010600030101010101" pitchFamily="2" charset="-122"/>
+                          <a:ea typeface="宋体" panose="02010600030101010101" pitchFamily="2" charset="-122"/>
+                        </a:rPr>
+                        <a:t>504</a:t>
+                      </a:r>
+                    </a:p>
+                  </a:txBody>
+                  <a:tcPr marL="9525" marR="9525" marT="9525" marB="0" anchor="ctr"/>
+                </a:tc>
+              </a:tr>
+              <a:tr h="341296">
+                <a:tc>
+                  <a:txBody>
+                    <a:bodyPr/>
+                    <a:lstStyle/>
+                    <a:p>
+                      <a:pPr algn="ctr" fontAlgn="b"/>
+                      <a:r>
+                        <a:rPr lang="en-US" altLang="zh-CN" sz="1600" u="none" strike="noStrike" dirty="0">
+                          <a:effectLst/>
+                        </a:rPr>
+                        <a:t>3</a:t>
+                      </a:r>
+                      <a:endParaRPr lang="en-US" altLang="zh-CN" sz="1600" b="0" i="0" u="none" strike="noStrike" dirty="0">
+                        <a:solidFill>
+                          <a:srgbClr val="000000"/>
+                        </a:solidFill>
+                        <a:effectLst/>
+                        <a:latin typeface="宋体" charset="0"/>
+                      </a:endParaRPr>
+                    </a:p>
+                  </a:txBody>
+                  <a:tcPr marL="10587" marR="10587" marT="10587" marB="0" anchor="b"/>
+                </a:tc>
+                <a:tc>
+                  <a:txBody>
+                    <a:bodyPr/>
+                    <a:lstStyle/>
+                    <a:p>
+                      <a:pPr algn="ctr" fontAlgn="ctr"/>
+                      <a:r>
+                        <a:rPr lang="en-US" altLang="zh-CN" sz="1400" b="1" i="0" u="none" strike="noStrike" dirty="0">
+                          <a:solidFill>
+                            <a:srgbClr val="000000"/>
+                          </a:solidFill>
+                          <a:effectLst/>
+                          <a:latin typeface="宋体" panose="02010600030101010101" pitchFamily="2" charset="-122"/>
+                          <a:ea typeface="宋体" panose="02010600030101010101" pitchFamily="2" charset="-122"/>
+                        </a:rPr>
+                        <a:t>48</a:t>
+                      </a:r>
+                    </a:p>
+                  </a:txBody>
+                  <a:tcPr marL="9525" marR="9525" marT="9525" marB="0" anchor="ctr"/>
+                </a:tc>
+                <a:tc>
+                  <a:txBody>
+                    <a:bodyPr/>
+                    <a:lstStyle/>
+                    <a:p>
+                      <a:pPr algn="ctr" fontAlgn="ctr"/>
+                      <a:r>
+                        <a:rPr lang="en-US" altLang="zh-CN" sz="1400" b="1" i="0" u="none" strike="noStrike" dirty="0">
+                          <a:solidFill>
+                            <a:srgbClr val="000000"/>
+                          </a:solidFill>
+                          <a:effectLst/>
+                          <a:latin typeface="宋体" panose="02010600030101010101" pitchFamily="2" charset="-122"/>
+                          <a:ea typeface="宋体" panose="02010600030101010101" pitchFamily="2" charset="-122"/>
+                        </a:rPr>
+                        <a:t>17</a:t>
+                      </a:r>
+                    </a:p>
+                  </a:txBody>
+                  <a:tcPr marL="9525" marR="9525" marT="9525" marB="0" anchor="ctr"/>
+                </a:tc>
+                <a:tc>
+                  <a:txBody>
+                    <a:bodyPr/>
+                    <a:lstStyle/>
+                    <a:p>
+                      <a:pPr algn="ctr" fontAlgn="ctr"/>
+                      <a:r>
+                        <a:rPr lang="en-US" altLang="zh-CN" sz="1400" b="1" i="0" u="none" strike="noStrike" dirty="0">
+                          <a:solidFill>
+                            <a:srgbClr val="000000"/>
+                          </a:solidFill>
+                          <a:effectLst/>
+                          <a:latin typeface="宋体" panose="02010600030101010101" pitchFamily="2" charset="-122"/>
+                          <a:ea typeface="宋体" panose="02010600030101010101" pitchFamily="2" charset="-122"/>
+                        </a:rPr>
+                        <a:t>25</a:t>
+                      </a:r>
+                    </a:p>
+                  </a:txBody>
+                  <a:tcPr marL="9525" marR="9525" marT="9525" marB="0" anchor="ctr"/>
+                </a:tc>
+                <a:tc>
+                  <a:txBody>
+                    <a:bodyPr/>
+                    <a:lstStyle/>
+                    <a:p>
+                      <a:pPr algn="ctr" fontAlgn="ctr"/>
+                      <a:r>
+                        <a:rPr lang="en-US" altLang="zh-CN" sz="1400" b="1" i="0" u="none" strike="noStrike">
+                          <a:solidFill>
+                            <a:srgbClr val="000000"/>
+                          </a:solidFill>
+                          <a:effectLst/>
+                          <a:latin typeface="宋体" panose="02010600030101010101" pitchFamily="2" charset="-122"/>
+                          <a:ea typeface="宋体" panose="02010600030101010101" pitchFamily="2" charset="-122"/>
+                        </a:rPr>
+                        <a:t>0.581140351</a:t>
+                      </a:r>
+                    </a:p>
+                  </a:txBody>
+                  <a:tcPr marL="9525" marR="9525" marT="9525" marB="0" anchor="ctr"/>
+                </a:tc>
+                <a:tc>
+                  <a:txBody>
+                    <a:bodyPr/>
+                    <a:lstStyle/>
+                    <a:p>
+                      <a:pPr algn="ctr" fontAlgn="ctr"/>
+                      <a:r>
+                        <a:rPr lang="en-US" altLang="zh-CN" sz="1400" b="1" i="0" u="none" strike="noStrike" dirty="0">
+                          <a:solidFill>
+                            <a:srgbClr val="000000"/>
+                          </a:solidFill>
+                          <a:effectLst/>
+                          <a:latin typeface="宋体" panose="02010600030101010101" pitchFamily="2" charset="-122"/>
+                          <a:ea typeface="宋体" panose="02010600030101010101" pitchFamily="2" charset="-122"/>
+                        </a:rPr>
+                        <a:t>48</a:t>
+                      </a:r>
+                    </a:p>
+                  </a:txBody>
+                  <a:tcPr marL="9525" marR="9525" marT="9525" marB="0" anchor="ctr"/>
+                </a:tc>
+                <a:tc>
+                  <a:txBody>
+                    <a:bodyPr/>
+                    <a:lstStyle/>
+                    <a:p>
+                      <a:pPr algn="ctr" fontAlgn="ctr"/>
+                      <a:r>
+                        <a:rPr lang="en-US" altLang="zh-CN" sz="1400" b="1" i="0" u="none" strike="noStrike">
+                          <a:solidFill>
+                            <a:srgbClr val="000000"/>
+                          </a:solidFill>
+                          <a:effectLst/>
+                          <a:latin typeface="宋体" panose="02010600030101010101" pitchFamily="2" charset="-122"/>
+                          <a:ea typeface="宋体" panose="02010600030101010101" pitchFamily="2" charset="-122"/>
+                        </a:rPr>
+                        <a:t>442.8985</a:t>
+                      </a:r>
+                    </a:p>
+                  </a:txBody>
+                  <a:tcPr marL="9525" marR="9525" marT="9525" marB="0" anchor="ctr"/>
+                </a:tc>
+              </a:tr>
+              <a:tr h="341296">
+                <a:tc>
+                  <a:txBody>
+                    <a:bodyPr/>
+                    <a:lstStyle/>
+                    <a:p>
+                      <a:pPr algn="ctr" fontAlgn="b"/>
+                      <a:r>
+                        <a:rPr lang="en-US" altLang="zh-CN" sz="1600" u="none" strike="noStrike" dirty="0">
+                          <a:effectLst/>
+                        </a:rPr>
+                        <a:t>4</a:t>
+                      </a:r>
+                      <a:endParaRPr lang="en-US" altLang="zh-CN" sz="1600" b="0" i="0" u="none" strike="noStrike" dirty="0">
+                        <a:solidFill>
+                          <a:srgbClr val="000000"/>
+                        </a:solidFill>
+                        <a:effectLst/>
+                        <a:latin typeface="宋体" charset="0"/>
+                      </a:endParaRPr>
+                    </a:p>
+                  </a:txBody>
+                  <a:tcPr marL="10587" marR="10587" marT="10587" marB="0" anchor="b"/>
+                </a:tc>
+                <a:tc>
+                  <a:txBody>
+                    <a:bodyPr/>
+                    <a:lstStyle/>
+                    <a:p>
+                      <a:pPr algn="ctr" fontAlgn="ctr"/>
+                      <a:r>
+                        <a:rPr lang="en-US" altLang="zh-CN" sz="1400" b="1" i="0" u="none" strike="noStrike" dirty="0">
+                          <a:solidFill>
+                            <a:srgbClr val="000000"/>
+                          </a:solidFill>
+                          <a:effectLst/>
+                          <a:latin typeface="宋体" panose="02010600030101010101" pitchFamily="2" charset="-122"/>
+                          <a:ea typeface="宋体" panose="02010600030101010101" pitchFamily="2" charset="-122"/>
+                        </a:rPr>
+                        <a:t>25</a:t>
+                      </a:r>
+                    </a:p>
+                  </a:txBody>
+                  <a:tcPr marL="9525" marR="9525" marT="9525" marB="0" anchor="ctr"/>
+                </a:tc>
+                <a:tc>
+                  <a:txBody>
+                    <a:bodyPr/>
+                    <a:lstStyle/>
+                    <a:p>
+                      <a:pPr algn="ctr" fontAlgn="ctr"/>
+                      <a:r>
+                        <a:rPr lang="en-US" altLang="zh-CN" sz="1400" b="1" i="0" u="none" strike="noStrike" dirty="0">
+                          <a:solidFill>
+                            <a:srgbClr val="000000"/>
+                          </a:solidFill>
+                          <a:effectLst/>
+                          <a:latin typeface="宋体" panose="02010600030101010101" pitchFamily="2" charset="-122"/>
+                          <a:ea typeface="宋体" panose="02010600030101010101" pitchFamily="2" charset="-122"/>
+                        </a:rPr>
+                        <a:t>16</a:t>
+                      </a:r>
+                    </a:p>
+                  </a:txBody>
+                  <a:tcPr marL="9525" marR="9525" marT="9525" marB="0" anchor="ctr"/>
+                </a:tc>
+                <a:tc>
+                  <a:txBody>
+                    <a:bodyPr/>
+                    <a:lstStyle/>
+                    <a:p>
+                      <a:pPr algn="ctr" fontAlgn="ctr"/>
+                      <a:r>
+                        <a:rPr lang="en-US" altLang="zh-CN" sz="1400" b="1" i="0" u="none" strike="noStrike" dirty="0">
+                          <a:solidFill>
+                            <a:srgbClr val="000000"/>
+                          </a:solidFill>
+                          <a:effectLst/>
+                          <a:latin typeface="宋体" panose="02010600030101010101" pitchFamily="2" charset="-122"/>
+                          <a:ea typeface="宋体" panose="02010600030101010101" pitchFamily="2" charset="-122"/>
+                        </a:rPr>
+                        <a:t>48</a:t>
+                      </a:r>
+                    </a:p>
+                  </a:txBody>
+                  <a:tcPr marL="9525" marR="9525" marT="9525" marB="0" anchor="ctr"/>
+                </a:tc>
+                <a:tc>
+                  <a:txBody>
+                    <a:bodyPr/>
+                    <a:lstStyle/>
+                    <a:p>
+                      <a:pPr algn="ctr" fontAlgn="ctr"/>
+                      <a:r>
+                        <a:rPr lang="en-US" altLang="zh-CN" sz="1400" b="1" i="0" u="none" strike="noStrike">
+                          <a:solidFill>
+                            <a:srgbClr val="000000"/>
+                          </a:solidFill>
+                          <a:effectLst/>
+                          <a:latin typeface="宋体" panose="02010600030101010101" pitchFamily="2" charset="-122"/>
+                          <a:ea typeface="宋体" panose="02010600030101010101" pitchFamily="2" charset="-122"/>
+                        </a:rPr>
+                        <a:t>0.570175439</a:t>
+                      </a:r>
+                    </a:p>
+                  </a:txBody>
+                  <a:tcPr marL="9525" marR="9525" marT="9525" marB="0" anchor="ctr"/>
+                </a:tc>
+                <a:tc>
+                  <a:txBody>
+                    <a:bodyPr/>
+                    <a:lstStyle/>
+                    <a:p>
+                      <a:pPr algn="ctr" fontAlgn="ctr"/>
+                      <a:r>
+                        <a:rPr lang="en-US" altLang="zh-CN" sz="1400" b="1" i="0" u="none" strike="noStrike" dirty="0">
+                          <a:solidFill>
+                            <a:srgbClr val="000000"/>
+                          </a:solidFill>
+                          <a:effectLst/>
+                          <a:latin typeface="宋体" panose="02010600030101010101" pitchFamily="2" charset="-122"/>
+                          <a:ea typeface="宋体" panose="02010600030101010101" pitchFamily="2" charset="-122"/>
+                        </a:rPr>
+                        <a:t>55</a:t>
+                      </a:r>
+                    </a:p>
+                  </a:txBody>
+                  <a:tcPr marL="9525" marR="9525" marT="9525" marB="0" anchor="ctr"/>
+                </a:tc>
+                <a:tc>
+                  <a:txBody>
+                    <a:bodyPr/>
+                    <a:lstStyle/>
+                    <a:p>
+                      <a:pPr algn="ctr" fontAlgn="ctr"/>
+                      <a:r>
+                        <a:rPr lang="en-US" altLang="zh-CN" sz="1400" b="1" i="0" u="none" strike="noStrike">
+                          <a:solidFill>
+                            <a:srgbClr val="000000"/>
+                          </a:solidFill>
+                          <a:effectLst/>
+                          <a:latin typeface="宋体" panose="02010600030101010101" pitchFamily="2" charset="-122"/>
+                          <a:ea typeface="宋体" panose="02010600030101010101" pitchFamily="2" charset="-122"/>
+                        </a:rPr>
+                        <a:t>415.7867</a:t>
+                      </a:r>
+                    </a:p>
+                  </a:txBody>
+                  <a:tcPr marL="9525" marR="9525" marT="9525" marB="0" anchor="ctr"/>
+                </a:tc>
+              </a:tr>
+              <a:tr h="341296">
+                <a:tc>
+                  <a:txBody>
+                    <a:bodyPr/>
+                    <a:lstStyle/>
+                    <a:p>
+                      <a:pPr algn="ctr" fontAlgn="b"/>
+                      <a:r>
+                        <a:rPr lang="en-US" altLang="zh-CN" sz="1600" u="none" strike="noStrike" dirty="0">
+                          <a:effectLst/>
+                        </a:rPr>
+                        <a:t>5</a:t>
+                      </a:r>
+                      <a:endParaRPr lang="en-US" altLang="zh-CN" sz="1600" b="0" i="0" u="none" strike="noStrike" dirty="0">
+                        <a:solidFill>
+                          <a:srgbClr val="000000"/>
+                        </a:solidFill>
+                        <a:effectLst/>
+                        <a:latin typeface="宋体" charset="0"/>
+                      </a:endParaRPr>
+                    </a:p>
+                  </a:txBody>
+                  <a:tcPr marL="10587" marR="10587" marT="10587" marB="0" anchor="b"/>
+                </a:tc>
+                <a:tc>
+                  <a:txBody>
+                    <a:bodyPr/>
+                    <a:lstStyle/>
+                    <a:p>
+                      <a:pPr algn="ctr" fontAlgn="ctr"/>
+                      <a:r>
+                        <a:rPr lang="en-US" altLang="zh-CN" sz="1400" b="1" i="0" u="none" strike="noStrike">
+                          <a:solidFill>
+                            <a:srgbClr val="000000"/>
+                          </a:solidFill>
+                          <a:effectLst/>
+                          <a:latin typeface="宋体" panose="02010600030101010101" pitchFamily="2" charset="-122"/>
+                          <a:ea typeface="宋体" panose="02010600030101010101" pitchFamily="2" charset="-122"/>
+                        </a:rPr>
+                        <a:t>27</a:t>
+                      </a:r>
+                    </a:p>
+                  </a:txBody>
+                  <a:tcPr marL="9525" marR="9525" marT="9525" marB="0" anchor="ctr"/>
+                </a:tc>
+                <a:tc>
+                  <a:txBody>
+                    <a:bodyPr/>
+                    <a:lstStyle/>
+                    <a:p>
+                      <a:pPr algn="ctr" fontAlgn="ctr"/>
+                      <a:r>
+                        <a:rPr lang="en-US" altLang="zh-CN" sz="1400" b="1" i="0" u="none" strike="noStrike" dirty="0">
+                          <a:solidFill>
+                            <a:srgbClr val="000000"/>
+                          </a:solidFill>
+                          <a:effectLst/>
+                          <a:latin typeface="宋体" panose="02010600030101010101" pitchFamily="2" charset="-122"/>
+                          <a:ea typeface="宋体" panose="02010600030101010101" pitchFamily="2" charset="-122"/>
+                        </a:rPr>
+                        <a:t>15</a:t>
+                      </a:r>
+                    </a:p>
+                  </a:txBody>
+                  <a:tcPr marL="9525" marR="9525" marT="9525" marB="0" anchor="ctr"/>
+                </a:tc>
+                <a:tc>
+                  <a:txBody>
+                    <a:bodyPr/>
+                    <a:lstStyle/>
+                    <a:p>
+                      <a:pPr algn="ctr" fontAlgn="ctr"/>
+                      <a:r>
+                        <a:rPr lang="en-US" altLang="zh-CN" sz="1400" b="1" i="0" u="none" strike="noStrike" dirty="0">
+                          <a:solidFill>
+                            <a:srgbClr val="000000"/>
+                          </a:solidFill>
+                          <a:effectLst/>
+                          <a:latin typeface="宋体" panose="02010600030101010101" pitchFamily="2" charset="-122"/>
+                          <a:ea typeface="宋体" panose="02010600030101010101" pitchFamily="2" charset="-122"/>
+                        </a:rPr>
+                        <a:t>27</a:t>
+                      </a:r>
+                    </a:p>
+                  </a:txBody>
+                  <a:tcPr marL="9525" marR="9525" marT="9525" marB="0" anchor="ctr"/>
+                </a:tc>
+                <a:tc>
+                  <a:txBody>
+                    <a:bodyPr/>
+                    <a:lstStyle/>
+                    <a:p>
+                      <a:pPr algn="ctr" fontAlgn="ctr"/>
+                      <a:r>
+                        <a:rPr lang="en-US" altLang="zh-CN" sz="1400" b="1" i="0" u="none" strike="noStrike" dirty="0">
+                          <a:solidFill>
+                            <a:srgbClr val="000000"/>
+                          </a:solidFill>
+                          <a:effectLst/>
+                          <a:latin typeface="宋体" panose="02010600030101010101" pitchFamily="2" charset="-122"/>
+                          <a:ea typeface="宋体" panose="02010600030101010101" pitchFamily="2" charset="-122"/>
+                        </a:rPr>
+                        <a:t>0.566885965</a:t>
+                      </a:r>
+                    </a:p>
+                  </a:txBody>
+                  <a:tcPr marL="9525" marR="9525" marT="9525" marB="0" anchor="ctr"/>
+                </a:tc>
+                <a:tc>
+                  <a:txBody>
+                    <a:bodyPr/>
+                    <a:lstStyle/>
+                    <a:p>
+                      <a:pPr algn="ctr" fontAlgn="ctr"/>
+                      <a:r>
+                        <a:rPr lang="en-US" altLang="zh-CN" sz="1400" b="1" i="0" u="none" strike="noStrike" dirty="0">
+                          <a:solidFill>
+                            <a:srgbClr val="000000"/>
+                          </a:solidFill>
+                          <a:effectLst/>
+                          <a:latin typeface="宋体" panose="02010600030101010101" pitchFamily="2" charset="-122"/>
+                          <a:ea typeface="宋体" panose="02010600030101010101" pitchFamily="2" charset="-122"/>
+                        </a:rPr>
+                        <a:t>23</a:t>
+                      </a:r>
+                    </a:p>
+                  </a:txBody>
+                  <a:tcPr marL="9525" marR="9525" marT="9525" marB="0" anchor="ctr"/>
+                </a:tc>
+                <a:tc>
+                  <a:txBody>
+                    <a:bodyPr/>
+                    <a:lstStyle/>
+                    <a:p>
+                      <a:pPr algn="ctr" fontAlgn="ctr"/>
+                      <a:r>
+                        <a:rPr lang="en-US" altLang="zh-CN" sz="1400" b="1" i="0" u="none" strike="noStrike" dirty="0">
+                          <a:solidFill>
+                            <a:srgbClr val="000000"/>
+                          </a:solidFill>
+                          <a:effectLst/>
+                          <a:latin typeface="宋体" panose="02010600030101010101" pitchFamily="2" charset="-122"/>
+                          <a:ea typeface="宋体" panose="02010600030101010101" pitchFamily="2" charset="-122"/>
+                        </a:rPr>
+                        <a:t>369.1219</a:t>
+                      </a:r>
+                    </a:p>
+                  </a:txBody>
+                  <a:tcPr marL="9525" marR="9525" marT="9525" marB="0" anchor="ctr"/>
+                </a:tc>
+              </a:tr>
+              <a:tr h="341296">
+                <a:tc>
+                  <a:txBody>
+                    <a:bodyPr/>
+                    <a:lstStyle/>
+                    <a:p>
+                      <a:pPr algn="ctr" fontAlgn="b"/>
+                      <a:r>
+                        <a:rPr lang="en-US" altLang="zh-CN" sz="1600" u="none" strike="noStrike" dirty="0">
+                          <a:effectLst/>
+                        </a:rPr>
+                        <a:t>6</a:t>
+                      </a:r>
+                      <a:endParaRPr lang="en-US" altLang="zh-CN" sz="1600" b="0" i="0" u="none" strike="noStrike" dirty="0">
+                        <a:solidFill>
+                          <a:srgbClr val="000000"/>
+                        </a:solidFill>
+                        <a:effectLst/>
+                        <a:latin typeface="宋体" charset="0"/>
+                      </a:endParaRPr>
+                    </a:p>
+                  </a:txBody>
+                  <a:tcPr marL="10587" marR="10587" marT="10587" marB="0" anchor="b"/>
+                </a:tc>
+                <a:tc>
+                  <a:txBody>
+                    <a:bodyPr/>
+                    <a:lstStyle/>
+                    <a:p>
+                      <a:pPr algn="ctr" fontAlgn="ctr"/>
+                      <a:r>
+                        <a:rPr lang="en-US" altLang="zh-CN" sz="1400" b="1" i="0" u="none" strike="noStrike">
+                          <a:solidFill>
+                            <a:srgbClr val="000000"/>
+                          </a:solidFill>
+                          <a:effectLst/>
+                          <a:latin typeface="宋体" panose="02010600030101010101" pitchFamily="2" charset="-122"/>
+                          <a:ea typeface="宋体" panose="02010600030101010101" pitchFamily="2" charset="-122"/>
+                        </a:rPr>
+                        <a:t>23</a:t>
+                      </a:r>
+                    </a:p>
+                  </a:txBody>
+                  <a:tcPr marL="9525" marR="9525" marT="9525" marB="0" anchor="ctr"/>
+                </a:tc>
+                <a:tc>
+                  <a:txBody>
+                    <a:bodyPr/>
+                    <a:lstStyle/>
+                    <a:p>
+                      <a:pPr algn="ctr" fontAlgn="ctr"/>
+                      <a:r>
+                        <a:rPr lang="en-US" altLang="zh-CN" sz="1400" b="1" i="0" u="none" strike="noStrike" dirty="0">
+                          <a:solidFill>
+                            <a:srgbClr val="000000"/>
+                          </a:solidFill>
+                          <a:effectLst/>
+                          <a:latin typeface="宋体" panose="02010600030101010101" pitchFamily="2" charset="-122"/>
+                          <a:ea typeface="宋体" panose="02010600030101010101" pitchFamily="2" charset="-122"/>
+                        </a:rPr>
+                        <a:t>15</a:t>
+                      </a:r>
+                    </a:p>
+                  </a:txBody>
+                  <a:tcPr marL="9525" marR="9525" marT="9525" marB="0" anchor="ctr"/>
+                </a:tc>
+                <a:tc>
+                  <a:txBody>
+                    <a:bodyPr/>
+                    <a:lstStyle/>
+                    <a:p>
+                      <a:pPr algn="ctr" fontAlgn="ctr"/>
+                      <a:r>
+                        <a:rPr lang="en-US" altLang="zh-CN" sz="1400" b="1" i="0" u="none" strike="noStrike">
+                          <a:solidFill>
+                            <a:srgbClr val="000000"/>
+                          </a:solidFill>
+                          <a:effectLst/>
+                          <a:latin typeface="宋体" panose="02010600030101010101" pitchFamily="2" charset="-122"/>
+                          <a:ea typeface="宋体" panose="02010600030101010101" pitchFamily="2" charset="-122"/>
+                        </a:rPr>
+                        <a:t>23</a:t>
+                      </a:r>
+                    </a:p>
+                  </a:txBody>
+                  <a:tcPr marL="9525" marR="9525" marT="9525" marB="0" anchor="ctr"/>
+                </a:tc>
+                <a:tc>
+                  <a:txBody>
+                    <a:bodyPr/>
+                    <a:lstStyle/>
+                    <a:p>
+                      <a:pPr algn="ctr" fontAlgn="ctr"/>
+                      <a:r>
+                        <a:rPr lang="en-US" altLang="zh-CN" sz="1400" b="1" i="0" u="none" strike="noStrike" dirty="0">
+                          <a:solidFill>
+                            <a:srgbClr val="000000"/>
+                          </a:solidFill>
+                          <a:effectLst/>
+                          <a:latin typeface="宋体" panose="02010600030101010101" pitchFamily="2" charset="-122"/>
+                          <a:ea typeface="宋体" panose="02010600030101010101" pitchFamily="2" charset="-122"/>
+                        </a:rPr>
+                        <a:t>0.539473684</a:t>
+                      </a:r>
+                    </a:p>
+                  </a:txBody>
+                  <a:tcPr marL="9525" marR="9525" marT="9525" marB="0" anchor="ctr"/>
+                </a:tc>
+                <a:tc>
+                  <a:txBody>
+                    <a:bodyPr/>
+                    <a:lstStyle/>
+                    <a:p>
+                      <a:pPr algn="ctr" fontAlgn="ctr"/>
+                      <a:r>
+                        <a:rPr lang="en-US" altLang="zh-CN" sz="1400" b="1" i="0" u="none" strike="noStrike" dirty="0">
+                          <a:solidFill>
+                            <a:srgbClr val="000000"/>
+                          </a:solidFill>
+                          <a:effectLst/>
+                          <a:latin typeface="宋体" panose="02010600030101010101" pitchFamily="2" charset="-122"/>
+                          <a:ea typeface="宋体" panose="02010600030101010101" pitchFamily="2" charset="-122"/>
+                        </a:rPr>
+                        <a:t>25</a:t>
+                      </a:r>
+                    </a:p>
+                  </a:txBody>
+                  <a:tcPr marL="9525" marR="9525" marT="9525" marB="0" anchor="ctr"/>
+                </a:tc>
+                <a:tc>
+                  <a:txBody>
+                    <a:bodyPr/>
+                    <a:lstStyle/>
+                    <a:p>
+                      <a:pPr algn="ctr" fontAlgn="ctr"/>
+                      <a:r>
+                        <a:rPr lang="en-US" altLang="zh-CN" sz="1400" b="1" i="0" u="none" strike="noStrike" dirty="0">
+                          <a:solidFill>
+                            <a:srgbClr val="000000"/>
+                          </a:solidFill>
+                          <a:effectLst/>
+                          <a:latin typeface="宋体" panose="02010600030101010101" pitchFamily="2" charset="-122"/>
+                          <a:ea typeface="宋体" panose="02010600030101010101" pitchFamily="2" charset="-122"/>
+                        </a:rPr>
+                        <a:t>245.2411</a:t>
+                      </a:r>
+                    </a:p>
+                  </a:txBody>
+                  <a:tcPr marL="9525" marR="9525" marT="9525" marB="0" anchor="ctr"/>
+                </a:tc>
+              </a:tr>
+              <a:tr h="341296">
+                <a:tc>
+                  <a:txBody>
+                    <a:bodyPr/>
+                    <a:lstStyle/>
+                    <a:p>
+                      <a:pPr algn="ctr" fontAlgn="b"/>
+                      <a:r>
+                        <a:rPr lang="en-US" altLang="zh-CN" sz="1600" u="none" strike="noStrike" dirty="0">
+                          <a:effectLst/>
+                        </a:rPr>
+                        <a:t>7</a:t>
+                      </a:r>
+                      <a:endParaRPr lang="en-US" altLang="zh-CN" sz="1600" b="0" i="0" u="none" strike="noStrike" dirty="0">
+                        <a:solidFill>
+                          <a:srgbClr val="000000"/>
+                        </a:solidFill>
+                        <a:effectLst/>
+                        <a:latin typeface="宋体" charset="0"/>
+                      </a:endParaRPr>
+                    </a:p>
+                  </a:txBody>
+                  <a:tcPr marL="10587" marR="10587" marT="10587" marB="0" anchor="b"/>
+                </a:tc>
+                <a:tc>
+                  <a:txBody>
+                    <a:bodyPr/>
+                    <a:lstStyle/>
+                    <a:p>
+                      <a:pPr algn="ctr" fontAlgn="ctr"/>
+                      <a:r>
+                        <a:rPr lang="en-US" altLang="zh-CN" sz="1400" b="1" i="0" u="none" strike="noStrike">
+                          <a:solidFill>
+                            <a:srgbClr val="000000"/>
+                          </a:solidFill>
+                          <a:effectLst/>
+                          <a:latin typeface="宋体" panose="02010600030101010101" pitchFamily="2" charset="-122"/>
+                          <a:ea typeface="宋体" panose="02010600030101010101" pitchFamily="2" charset="-122"/>
+                        </a:rPr>
+                        <a:t>64</a:t>
+                      </a:r>
+                    </a:p>
+                  </a:txBody>
+                  <a:tcPr marL="9525" marR="9525" marT="9525" marB="0" anchor="ctr"/>
+                </a:tc>
+                <a:tc>
+                  <a:txBody>
+                    <a:bodyPr/>
+                    <a:lstStyle/>
+                    <a:p>
+                      <a:pPr algn="ctr" fontAlgn="ctr"/>
+                      <a:r>
+                        <a:rPr lang="en-US" altLang="zh-CN" sz="1400" b="1" i="0" u="none" strike="noStrike" dirty="0">
+                          <a:solidFill>
+                            <a:srgbClr val="000000"/>
+                          </a:solidFill>
+                          <a:effectLst/>
+                          <a:latin typeface="宋体" panose="02010600030101010101" pitchFamily="2" charset="-122"/>
+                          <a:ea typeface="宋体" panose="02010600030101010101" pitchFamily="2" charset="-122"/>
+                        </a:rPr>
+                        <a:t>12</a:t>
+                      </a:r>
+                    </a:p>
+                  </a:txBody>
+                  <a:tcPr marL="9525" marR="9525" marT="9525" marB="0" anchor="ctr"/>
+                </a:tc>
+                <a:tc>
+                  <a:txBody>
+                    <a:bodyPr/>
+                    <a:lstStyle/>
+                    <a:p>
+                      <a:pPr algn="ctr" fontAlgn="ctr"/>
+                      <a:r>
+                        <a:rPr lang="en-US" altLang="zh-CN" sz="1400" b="1" i="0" u="none" strike="noStrike">
+                          <a:solidFill>
+                            <a:srgbClr val="000000"/>
+                          </a:solidFill>
+                          <a:effectLst/>
+                          <a:latin typeface="宋体" panose="02010600030101010101" pitchFamily="2" charset="-122"/>
+                          <a:ea typeface="宋体" panose="02010600030101010101" pitchFamily="2" charset="-122"/>
+                        </a:rPr>
+                        <a:t>58</a:t>
+                      </a:r>
+                    </a:p>
+                  </a:txBody>
+                  <a:tcPr marL="9525" marR="9525" marT="9525" marB="0" anchor="ctr"/>
+                </a:tc>
+                <a:tc>
+                  <a:txBody>
+                    <a:bodyPr/>
+                    <a:lstStyle/>
+                    <a:p>
+                      <a:pPr algn="ctr" fontAlgn="ctr"/>
+                      <a:r>
+                        <a:rPr lang="en-US" altLang="zh-CN" sz="1400" b="1" i="0" u="none" strike="noStrike">
+                          <a:solidFill>
+                            <a:srgbClr val="000000"/>
+                          </a:solidFill>
+                          <a:effectLst/>
+                          <a:latin typeface="宋体" panose="02010600030101010101" pitchFamily="2" charset="-122"/>
+                          <a:ea typeface="宋体" panose="02010600030101010101" pitchFamily="2" charset="-122"/>
+                        </a:rPr>
+                        <a:t>0.532894737</a:t>
+                      </a:r>
+                    </a:p>
+                  </a:txBody>
+                  <a:tcPr marL="9525" marR="9525" marT="9525" marB="0" anchor="ctr"/>
+                </a:tc>
+                <a:tc>
+                  <a:txBody>
+                    <a:bodyPr/>
+                    <a:lstStyle/>
+                    <a:p>
+                      <a:pPr algn="ctr" fontAlgn="ctr"/>
+                      <a:r>
+                        <a:rPr lang="en-US" altLang="zh-CN" sz="1400" b="1" i="0" u="none" strike="noStrike" dirty="0">
+                          <a:solidFill>
+                            <a:srgbClr val="000000"/>
+                          </a:solidFill>
+                          <a:effectLst/>
+                          <a:latin typeface="宋体" panose="02010600030101010101" pitchFamily="2" charset="-122"/>
+                          <a:ea typeface="宋体" panose="02010600030101010101" pitchFamily="2" charset="-122"/>
+                        </a:rPr>
+                        <a:t>27</a:t>
+                      </a:r>
+                    </a:p>
+                  </a:txBody>
+                  <a:tcPr marL="9525" marR="9525" marT="9525" marB="0" anchor="ctr"/>
+                </a:tc>
+                <a:tc>
+                  <a:txBody>
+                    <a:bodyPr/>
+                    <a:lstStyle/>
+                    <a:p>
+                      <a:pPr algn="ctr" fontAlgn="ctr"/>
+                      <a:r>
+                        <a:rPr lang="en-US" altLang="zh-CN" sz="1400" b="1" i="0" u="none" strike="noStrike" dirty="0">
+                          <a:solidFill>
+                            <a:srgbClr val="000000"/>
+                          </a:solidFill>
+                          <a:effectLst/>
+                          <a:latin typeface="宋体" panose="02010600030101010101" pitchFamily="2" charset="-122"/>
+                          <a:ea typeface="宋体" panose="02010600030101010101" pitchFamily="2" charset="-122"/>
+                        </a:rPr>
+                        <a:t>137.4219</a:t>
+                      </a:r>
+                    </a:p>
+                  </a:txBody>
+                  <a:tcPr marL="9525" marR="9525" marT="9525" marB="0" anchor="ctr"/>
+                </a:tc>
+              </a:tr>
+              <a:tr h="176374">
+                <a:tc>
+                  <a:txBody>
+                    <a:bodyPr/>
+                    <a:lstStyle/>
+                    <a:p>
+                      <a:pPr algn="ctr" fontAlgn="b"/>
+                      <a:r>
+                        <a:rPr lang="en-US" altLang="zh-CN" sz="1600" u="none" strike="noStrike" dirty="0">
+                          <a:effectLst/>
+                        </a:rPr>
+                        <a:t>8</a:t>
+                      </a:r>
+                      <a:endParaRPr lang="en-US" altLang="zh-CN" sz="1600" b="0" i="0" u="none" strike="noStrike" dirty="0">
+                        <a:solidFill>
+                          <a:srgbClr val="000000"/>
+                        </a:solidFill>
+                        <a:effectLst/>
+                        <a:latin typeface="宋体" charset="0"/>
+                      </a:endParaRPr>
+                    </a:p>
+                  </a:txBody>
+                  <a:tcPr marL="10587" marR="10587" marT="10587" marB="0" anchor="b"/>
+                </a:tc>
+                <a:tc>
+                  <a:txBody>
+                    <a:bodyPr/>
+                    <a:lstStyle/>
+                    <a:p>
+                      <a:pPr algn="ctr" fontAlgn="ctr"/>
+                      <a:r>
+                        <a:rPr lang="en-US" altLang="zh-CN" sz="1400" b="1" i="0" u="none" strike="noStrike">
+                          <a:solidFill>
+                            <a:srgbClr val="000000"/>
+                          </a:solidFill>
+                          <a:effectLst/>
+                          <a:latin typeface="宋体" panose="02010600030101010101" pitchFamily="2" charset="-122"/>
+                          <a:ea typeface="宋体" panose="02010600030101010101" pitchFamily="2" charset="-122"/>
+                        </a:rPr>
+                        <a:t>58</a:t>
+                      </a:r>
+                    </a:p>
+                  </a:txBody>
+                  <a:tcPr marL="9525" marR="9525" marT="9525" marB="0" anchor="ctr"/>
+                </a:tc>
+                <a:tc>
+                  <a:txBody>
+                    <a:bodyPr/>
+                    <a:lstStyle/>
+                    <a:p>
+                      <a:pPr algn="ctr" fontAlgn="ctr"/>
+                      <a:r>
+                        <a:rPr lang="en-US" altLang="zh-CN" sz="1400" b="1" i="0" u="none" strike="noStrike" dirty="0">
+                          <a:solidFill>
+                            <a:srgbClr val="000000"/>
+                          </a:solidFill>
+                          <a:effectLst/>
+                          <a:latin typeface="宋体" panose="02010600030101010101" pitchFamily="2" charset="-122"/>
+                          <a:ea typeface="宋体" panose="02010600030101010101" pitchFamily="2" charset="-122"/>
+                        </a:rPr>
+                        <a:t>12</a:t>
+                      </a:r>
+                    </a:p>
+                  </a:txBody>
+                  <a:tcPr marL="9525" marR="9525" marT="9525" marB="0" anchor="ctr"/>
+                </a:tc>
+                <a:tc>
+                  <a:txBody>
+                    <a:bodyPr/>
+                    <a:lstStyle/>
+                    <a:p>
+                      <a:pPr algn="ctr" fontAlgn="ctr"/>
+                      <a:r>
+                        <a:rPr lang="en-US" altLang="zh-CN" sz="1400" b="1" i="0" u="none" strike="noStrike">
+                          <a:solidFill>
+                            <a:srgbClr val="000000"/>
+                          </a:solidFill>
+                          <a:effectLst/>
+                          <a:latin typeface="宋体" panose="02010600030101010101" pitchFamily="2" charset="-122"/>
+                          <a:ea typeface="宋体" panose="02010600030101010101" pitchFamily="2" charset="-122"/>
+                        </a:rPr>
+                        <a:t>64</a:t>
+                      </a:r>
+                    </a:p>
+                  </a:txBody>
+                  <a:tcPr marL="9525" marR="9525" marT="9525" marB="0" anchor="ctr"/>
+                </a:tc>
+                <a:tc>
+                  <a:txBody>
+                    <a:bodyPr/>
+                    <a:lstStyle/>
+                    <a:p>
+                      <a:pPr algn="ctr" fontAlgn="ctr"/>
+                      <a:r>
+                        <a:rPr lang="en-US" altLang="zh-CN" sz="1400" b="1" i="0" u="none" strike="noStrike">
+                          <a:solidFill>
+                            <a:srgbClr val="000000"/>
+                          </a:solidFill>
+                          <a:effectLst/>
+                          <a:latin typeface="宋体" panose="02010600030101010101" pitchFamily="2" charset="-122"/>
+                          <a:ea typeface="宋体" panose="02010600030101010101" pitchFamily="2" charset="-122"/>
+                        </a:rPr>
+                        <a:t>0.520833333</a:t>
+                      </a:r>
+                    </a:p>
+                  </a:txBody>
+                  <a:tcPr marL="9525" marR="9525" marT="9525" marB="0" anchor="ctr"/>
+                </a:tc>
+                <a:tc>
+                  <a:txBody>
+                    <a:bodyPr/>
+                    <a:lstStyle/>
+                    <a:p>
+                      <a:pPr algn="ctr" fontAlgn="ctr"/>
+                      <a:r>
+                        <a:rPr lang="en-US" altLang="zh-CN" sz="1400" b="1" i="0" u="none" strike="noStrike" dirty="0">
+                          <a:solidFill>
+                            <a:srgbClr val="000000"/>
+                          </a:solidFill>
+                          <a:effectLst/>
+                          <a:latin typeface="宋体" panose="02010600030101010101" pitchFamily="2" charset="-122"/>
+                          <a:ea typeface="宋体" panose="02010600030101010101" pitchFamily="2" charset="-122"/>
+                        </a:rPr>
+                        <a:t>51</a:t>
+                      </a:r>
+                    </a:p>
+                  </a:txBody>
+                  <a:tcPr marL="9525" marR="9525" marT="9525" marB="0" anchor="ctr"/>
+                </a:tc>
+                <a:tc>
+                  <a:txBody>
+                    <a:bodyPr/>
+                    <a:lstStyle/>
+                    <a:p>
+                      <a:pPr algn="ctr" fontAlgn="ctr"/>
+                      <a:r>
+                        <a:rPr lang="en-US" altLang="zh-CN" sz="1400" b="1" i="0" u="none" strike="noStrike" dirty="0">
+                          <a:solidFill>
+                            <a:srgbClr val="000000"/>
+                          </a:solidFill>
+                          <a:effectLst/>
+                          <a:latin typeface="宋体" panose="02010600030101010101" pitchFamily="2" charset="-122"/>
+                          <a:ea typeface="宋体" panose="02010600030101010101" pitchFamily="2" charset="-122"/>
+                        </a:rPr>
+                        <a:t>136.0216</a:t>
+                      </a:r>
+                    </a:p>
+                  </a:txBody>
+                  <a:tcPr marL="9525" marR="9525" marT="9525" marB="0" anchor="ctr"/>
+                </a:tc>
+              </a:tr>
+              <a:tr h="341296">
+                <a:tc>
+                  <a:txBody>
+                    <a:bodyPr/>
+                    <a:lstStyle/>
+                    <a:p>
+                      <a:pPr algn="ctr" fontAlgn="b"/>
+                      <a:r>
+                        <a:rPr lang="en-US" altLang="zh-CN" sz="1600" u="none" strike="noStrike" dirty="0">
+                          <a:effectLst/>
+                        </a:rPr>
+                        <a:t>9</a:t>
+                      </a:r>
+                      <a:endParaRPr lang="en-US" altLang="zh-CN" sz="1600" b="0" i="0" u="none" strike="noStrike" dirty="0">
+                        <a:solidFill>
+                          <a:srgbClr val="000000"/>
+                        </a:solidFill>
+                        <a:effectLst/>
+                        <a:latin typeface="宋体" charset="0"/>
+                      </a:endParaRPr>
+                    </a:p>
+                  </a:txBody>
+                  <a:tcPr marL="10587" marR="10587" marT="10587" marB="0" anchor="b"/>
+                </a:tc>
+                <a:tc>
+                  <a:txBody>
+                    <a:bodyPr/>
+                    <a:lstStyle/>
+                    <a:p>
+                      <a:pPr algn="ctr" fontAlgn="ctr"/>
+                      <a:r>
+                        <a:rPr lang="en-US" altLang="zh-CN" sz="1400" b="1" i="0" u="none" strike="noStrike">
+                          <a:solidFill>
+                            <a:srgbClr val="000000"/>
+                          </a:solidFill>
+                          <a:effectLst/>
+                          <a:latin typeface="宋体" panose="02010600030101010101" pitchFamily="2" charset="-122"/>
+                          <a:ea typeface="宋体" panose="02010600030101010101" pitchFamily="2" charset="-122"/>
+                        </a:rPr>
+                        <a:t>61</a:t>
+                      </a:r>
+                    </a:p>
+                  </a:txBody>
+                  <a:tcPr marL="9525" marR="9525" marT="9525" marB="0" anchor="ctr"/>
+                </a:tc>
+                <a:tc>
+                  <a:txBody>
+                    <a:bodyPr/>
+                    <a:lstStyle/>
+                    <a:p>
+                      <a:pPr algn="ctr" fontAlgn="ctr"/>
+                      <a:r>
+                        <a:rPr lang="en-US" altLang="zh-CN" sz="1400" b="1" i="0" u="none" strike="noStrike" dirty="0">
+                          <a:solidFill>
+                            <a:srgbClr val="000000"/>
+                          </a:solidFill>
+                          <a:effectLst/>
+                          <a:latin typeface="宋体" panose="02010600030101010101" pitchFamily="2" charset="-122"/>
+                          <a:ea typeface="宋体" panose="02010600030101010101" pitchFamily="2" charset="-122"/>
+                        </a:rPr>
+                        <a:t>11</a:t>
+                      </a:r>
+                    </a:p>
+                  </a:txBody>
+                  <a:tcPr marL="9525" marR="9525" marT="9525" marB="0" anchor="ctr"/>
+                </a:tc>
+                <a:tc>
+                  <a:txBody>
+                    <a:bodyPr/>
+                    <a:lstStyle/>
+                    <a:p>
+                      <a:pPr algn="ctr" fontAlgn="ctr"/>
+                      <a:r>
+                        <a:rPr lang="en-US" altLang="zh-CN" sz="1400" b="1" i="0" u="none" strike="noStrike">
+                          <a:solidFill>
+                            <a:srgbClr val="000000"/>
+                          </a:solidFill>
+                          <a:effectLst/>
+                          <a:latin typeface="宋体" panose="02010600030101010101" pitchFamily="2" charset="-122"/>
+                          <a:ea typeface="宋体" panose="02010600030101010101" pitchFamily="2" charset="-122"/>
+                        </a:rPr>
+                        <a:t>26</a:t>
+                      </a:r>
+                    </a:p>
+                  </a:txBody>
+                  <a:tcPr marL="9525" marR="9525" marT="9525" marB="0" anchor="ctr"/>
+                </a:tc>
+                <a:tc>
+                  <a:txBody>
+                    <a:bodyPr/>
+                    <a:lstStyle/>
+                    <a:p>
+                      <a:pPr algn="ctr" fontAlgn="ctr"/>
+                      <a:r>
+                        <a:rPr lang="en-US" altLang="zh-CN" sz="1400" b="1" i="0" u="none" strike="noStrike">
+                          <a:solidFill>
+                            <a:srgbClr val="000000"/>
+                          </a:solidFill>
+                          <a:effectLst/>
+                          <a:latin typeface="宋体" panose="02010600030101010101" pitchFamily="2" charset="-122"/>
+                          <a:ea typeface="宋体" panose="02010600030101010101" pitchFamily="2" charset="-122"/>
+                        </a:rPr>
+                        <a:t>0.513157895</a:t>
+                      </a:r>
+                    </a:p>
+                  </a:txBody>
+                  <a:tcPr marL="9525" marR="9525" marT="9525" marB="0" anchor="ctr"/>
+                </a:tc>
+                <a:tc>
+                  <a:txBody>
+                    <a:bodyPr/>
+                    <a:lstStyle/>
+                    <a:p>
+                      <a:pPr algn="ctr" fontAlgn="ctr"/>
+                      <a:r>
+                        <a:rPr lang="en-US" altLang="zh-CN" sz="1400" b="1" i="0" u="none" strike="noStrike">
+                          <a:solidFill>
+                            <a:srgbClr val="000000"/>
+                          </a:solidFill>
+                          <a:effectLst/>
+                          <a:latin typeface="宋体" panose="02010600030101010101" pitchFamily="2" charset="-122"/>
+                          <a:ea typeface="宋体" panose="02010600030101010101" pitchFamily="2" charset="-122"/>
+                        </a:rPr>
+                        <a:t>16</a:t>
+                      </a:r>
+                    </a:p>
+                  </a:txBody>
+                  <a:tcPr marL="9525" marR="9525" marT="9525" marB="0" anchor="ctr"/>
+                </a:tc>
+                <a:tc>
+                  <a:txBody>
+                    <a:bodyPr/>
+                    <a:lstStyle/>
+                    <a:p>
+                      <a:pPr algn="ctr" fontAlgn="ctr"/>
+                      <a:r>
+                        <a:rPr lang="en-US" altLang="zh-CN" sz="1400" b="1" i="0" u="none" strike="noStrike" dirty="0">
+                          <a:solidFill>
+                            <a:srgbClr val="000000"/>
+                          </a:solidFill>
+                          <a:effectLst/>
+                          <a:latin typeface="宋体" panose="02010600030101010101" pitchFamily="2" charset="-122"/>
+                          <a:ea typeface="宋体" panose="02010600030101010101" pitchFamily="2" charset="-122"/>
+                        </a:rPr>
+                        <a:t>118.5304</a:t>
+                      </a:r>
+                    </a:p>
+                  </a:txBody>
+                  <a:tcPr marL="9525" marR="9525" marT="9525" marB="0" anchor="ctr"/>
+                </a:tc>
+              </a:tr>
+              <a:tr h="341296">
+                <a:tc>
+                  <a:txBody>
+                    <a:bodyPr/>
+                    <a:lstStyle/>
+                    <a:p>
+                      <a:pPr algn="ctr" fontAlgn="b"/>
+                      <a:r>
+                        <a:rPr lang="en-US" altLang="zh-CN" sz="1600" u="none" strike="noStrike" dirty="0">
+                          <a:effectLst/>
+                        </a:rPr>
+                        <a:t>10</a:t>
+                      </a:r>
+                      <a:endParaRPr lang="en-US" altLang="zh-CN" sz="1600" b="0" i="0" u="none" strike="noStrike" dirty="0">
+                        <a:solidFill>
+                          <a:srgbClr val="000000"/>
+                        </a:solidFill>
+                        <a:effectLst/>
+                        <a:latin typeface="宋体" charset="0"/>
+                      </a:endParaRPr>
+                    </a:p>
+                  </a:txBody>
+                  <a:tcPr marL="10587" marR="10587" marT="10587" marB="0" anchor="b"/>
+                </a:tc>
+                <a:tc>
+                  <a:txBody>
+                    <a:bodyPr/>
+                    <a:lstStyle/>
+                    <a:p>
+                      <a:pPr algn="ctr" fontAlgn="ctr"/>
+                      <a:r>
+                        <a:rPr lang="en-US" altLang="zh-CN" sz="1400" b="1" i="0" u="none" strike="noStrike" dirty="0">
+                          <a:solidFill>
+                            <a:srgbClr val="000000"/>
+                          </a:solidFill>
+                          <a:effectLst/>
+                          <a:latin typeface="宋体" panose="02010600030101010101" pitchFamily="2" charset="-122"/>
+                          <a:ea typeface="宋体" panose="02010600030101010101" pitchFamily="2" charset="-122"/>
+                        </a:rPr>
+                        <a:t>62</a:t>
+                      </a:r>
+                    </a:p>
+                  </a:txBody>
+                  <a:tcPr marL="9525" marR="9525" marT="9525" marB="0" anchor="ctr"/>
+                </a:tc>
+                <a:tc>
+                  <a:txBody>
+                    <a:bodyPr/>
+                    <a:lstStyle/>
+                    <a:p>
+                      <a:pPr algn="ctr" fontAlgn="ctr"/>
+                      <a:r>
+                        <a:rPr lang="en-US" altLang="zh-CN" sz="1400" b="1" i="0" u="none" strike="noStrike" dirty="0">
+                          <a:solidFill>
+                            <a:srgbClr val="000000"/>
+                          </a:solidFill>
+                          <a:effectLst/>
+                          <a:latin typeface="宋体" panose="02010600030101010101" pitchFamily="2" charset="-122"/>
+                          <a:ea typeface="宋体" panose="02010600030101010101" pitchFamily="2" charset="-122"/>
+                        </a:rPr>
+                        <a:t>11</a:t>
+                      </a:r>
+                    </a:p>
+                  </a:txBody>
+                  <a:tcPr marL="9525" marR="9525" marT="9525" marB="0" anchor="ctr"/>
+                </a:tc>
+                <a:tc>
+                  <a:txBody>
+                    <a:bodyPr/>
+                    <a:lstStyle/>
+                    <a:p>
+                      <a:pPr algn="ctr" fontAlgn="ctr"/>
+                      <a:r>
+                        <a:rPr lang="en-US" altLang="zh-CN" sz="1400" b="1" i="0" u="none" strike="noStrike" dirty="0">
+                          <a:solidFill>
+                            <a:srgbClr val="000000"/>
+                          </a:solidFill>
+                          <a:effectLst/>
+                          <a:latin typeface="宋体" panose="02010600030101010101" pitchFamily="2" charset="-122"/>
+                          <a:ea typeface="宋体" panose="02010600030101010101" pitchFamily="2" charset="-122"/>
+                        </a:rPr>
+                        <a:t>24</a:t>
+                      </a:r>
+                    </a:p>
+                  </a:txBody>
+                  <a:tcPr marL="9525" marR="9525" marT="9525" marB="0" anchor="ctr"/>
+                </a:tc>
+                <a:tc>
+                  <a:txBody>
+                    <a:bodyPr/>
+                    <a:lstStyle/>
+                    <a:p>
+                      <a:pPr algn="ctr" fontAlgn="ctr"/>
+                      <a:r>
+                        <a:rPr lang="en-US" altLang="zh-CN" sz="1400" b="1" i="0" u="none" strike="noStrike" dirty="0">
+                          <a:solidFill>
+                            <a:srgbClr val="000000"/>
+                          </a:solidFill>
+                          <a:effectLst/>
+                          <a:latin typeface="宋体" panose="02010600030101010101" pitchFamily="2" charset="-122"/>
+                          <a:ea typeface="宋体" panose="02010600030101010101" pitchFamily="2" charset="-122"/>
+                        </a:rPr>
+                        <a:t>0.510964912</a:t>
+                      </a:r>
+                    </a:p>
+                  </a:txBody>
+                  <a:tcPr marL="9525" marR="9525" marT="9525" marB="0" anchor="ctr"/>
+                </a:tc>
+                <a:tc>
+                  <a:txBody>
+                    <a:bodyPr/>
+                    <a:lstStyle/>
+                    <a:p>
+                      <a:pPr algn="ctr" fontAlgn="ctr"/>
+                      <a:r>
+                        <a:rPr lang="en-US" altLang="zh-CN" sz="1400" b="1" i="0" u="none" strike="noStrike" dirty="0">
+                          <a:solidFill>
+                            <a:srgbClr val="000000"/>
+                          </a:solidFill>
+                          <a:effectLst/>
+                          <a:latin typeface="宋体" panose="02010600030101010101" pitchFamily="2" charset="-122"/>
+                          <a:ea typeface="宋体" panose="02010600030101010101" pitchFamily="2" charset="-122"/>
+                        </a:rPr>
+                        <a:t>64</a:t>
+                      </a:r>
+                    </a:p>
+                  </a:txBody>
+                  <a:tcPr marL="9525" marR="9525" marT="9525" marB="0" anchor="ctr"/>
+                </a:tc>
+                <a:tc>
+                  <a:txBody>
+                    <a:bodyPr/>
+                    <a:lstStyle/>
+                    <a:p>
+                      <a:pPr algn="ctr" fontAlgn="ctr"/>
+                      <a:r>
+                        <a:rPr lang="en-US" altLang="zh-CN" sz="1400" b="1" i="0" u="none" strike="noStrike" dirty="0">
+                          <a:solidFill>
+                            <a:srgbClr val="000000"/>
+                          </a:solidFill>
+                          <a:effectLst/>
+                          <a:latin typeface="宋体" panose="02010600030101010101" pitchFamily="2" charset="-122"/>
+                          <a:ea typeface="宋体" panose="02010600030101010101" pitchFamily="2" charset="-122"/>
+                        </a:rPr>
+                        <a:t>115.9099</a:t>
+                      </a:r>
+                    </a:p>
+                  </a:txBody>
+                  <a:tcPr marL="9525" marR="9525" marT="9525" marB="0" anchor="ctr"/>
+                </a:tc>
+              </a:tr>
+            </a:tbl>
+          </a:graphicData>
+        </a:graphic>
+      </p:graphicFrame>
+    </p:spTree>
+    <p:extLst>
+      <p:ext uri="{BB962C8B-B14F-4D97-AF65-F5344CB8AC3E}">
+        <p14:creationId xmlns:p14="http://schemas.microsoft.com/office/powerpoint/2010/main" val="3708435415"/>
+      </p:ext>
+    </p:extLst>
+  </p:cSld>
+  <p:clrMapOvr>
+    <a:masterClrMapping/>
+  </p:clrMapOvr>
+  <p:timing>
+    <p:tnLst>
+      <p:par>
+        <p:cTn id="1" dur="indefinite" restart="never" nodeType="tmRoot"/>
+      </p:par>
+    </p:tnLst>
+  </p:timing>
+</p:sld>
+</file>
+
+<file path=ppt/slides/slide16.xml><?xml version="1.0" encoding="utf-8"?>
+<p:sld xmlns:a="http://schemas.openxmlformats.org/drawingml/2006/main" xmlns:r="http://schemas.openxmlformats.org/officeDocument/2006/relationships" xmlns:p="http://schemas.openxmlformats.org/presentationml/2006/main">
+  <p:cSld>
+    <p:spTree>
+      <p:nvGrpSpPr>
+        <p:cNvPr id="1" name=""/>
+        <p:cNvGrpSpPr/>
+        <p:nvPr/>
+      </p:nvGrpSpPr>
+      <p:grpSpPr>
+        <a:xfrm>
+          <a:off x="0" y="0"/>
+          <a:ext cx="0" cy="0"/>
+          <a:chOff x="0" y="0"/>
+          <a:chExt cx="0" cy="0"/>
+        </a:xfrm>
+      </p:grpSpPr>
+      <p:sp>
+        <p:nvSpPr>
+          <p:cNvPr id="2" name="标题 1"/>
+          <p:cNvSpPr>
+            <a:spLocks noGrp="1"/>
+          </p:cNvSpPr>
+          <p:nvPr>
+            <p:ph type="title"/>
+          </p:nvPr>
+        </p:nvSpPr>
+        <p:spPr/>
+        <p:txBody>
+          <a:bodyPr/>
+          <a:lstStyle/>
+          <a:p>
+            <a:r>
+              <a:rPr kumimoji="1" lang="en-US" altLang="zh-CN" dirty="0"/>
+              <a:t>Covertness Centrality</a:t>
+            </a:r>
+            <a:endParaRPr kumimoji="1" lang="zh-CN" altLang="en-US" dirty="0"/>
+          </a:p>
+        </p:txBody>
+      </p:sp>
+      <p:graphicFrame>
+        <p:nvGraphicFramePr>
+          <p:cNvPr id="4" name="内容占位符 3"/>
+          <p:cNvGraphicFramePr>
+            <a:graphicFrameLocks noGrp="1"/>
+          </p:cNvGraphicFramePr>
+          <p:nvPr>
+            <p:ph idx="1"/>
+            <p:extLst/>
+          </p:nvPr>
+        </p:nvGraphicFramePr>
+        <p:xfrm>
+          <a:off x="2434884" y="2398739"/>
+          <a:ext cx="3361004" cy="3608165"/>
+        </p:xfrm>
+        <a:graphic>
+          <a:graphicData uri="http://schemas.openxmlformats.org/drawingml/2006/table">
+            <a:tbl>
+              <a:tblPr firstRow="1" firstCol="1" bandRow="1">
+                <a:tableStyleId>{EB344D84-9AFB-497E-A393-DC336BA19D2E}</a:tableStyleId>
+              </a:tblPr>
+              <a:tblGrid>
+                <a:gridCol w="1249760"/>
+                <a:gridCol w="887356"/>
+                <a:gridCol w="1223888"/>
+              </a:tblGrid>
+              <a:tr h="328015">
+                <a:tc>
+                  <a:txBody>
+                    <a:bodyPr/>
+                    <a:lstStyle/>
+                    <a:p>
+                      <a:pPr algn="ctr" fontAlgn="b"/>
+                      <a:r>
+                        <a:rPr lang="zh-CN" altLang="en-US" sz="1600" u="none" strike="noStrike" dirty="0">
+                          <a:effectLst/>
+                        </a:rPr>
+                        <a:t>排名</a:t>
+                      </a:r>
+                      <a:endParaRPr lang="zh-CN" altLang="en-US" sz="1600" b="0" i="0" u="none" strike="noStrike" dirty="0">
+                        <a:solidFill>
+                          <a:srgbClr val="000000"/>
+                        </a:solidFill>
+                        <a:effectLst/>
+                        <a:latin typeface="宋体" charset="0"/>
+                      </a:endParaRPr>
+                    </a:p>
+                  </a:txBody>
+                  <a:tcPr marL="12700" marR="12700" marT="12700" marB="0" anchor="b"/>
+                </a:tc>
+                <a:tc gridSpan="2">
+                  <a:txBody>
+                    <a:bodyPr/>
+                    <a:lstStyle/>
+                    <a:p>
+                      <a:pPr algn="ctr" fontAlgn="b"/>
+                      <a:r>
+                        <a:rPr lang="en-US" sz="1600" u="none" strike="noStrike" dirty="0">
+                          <a:effectLst/>
+                        </a:rPr>
+                        <a:t>Covertness Centrality</a:t>
+                      </a:r>
+                      <a:endParaRPr lang="en-US" sz="1600" b="0" i="0" u="none" strike="noStrike" dirty="0">
+                        <a:solidFill>
+                          <a:srgbClr val="000000"/>
+                        </a:solidFill>
+                        <a:effectLst/>
+                        <a:latin typeface="宋体" charset="0"/>
+                      </a:endParaRPr>
+                    </a:p>
+                  </a:txBody>
+                  <a:tcPr marL="12700" marR="12700" marT="12700" marB="0" anchor="b"/>
+                </a:tc>
+                <a:tc hMerge="1">
+                  <a:txBody>
+                    <a:bodyPr/>
+                    <a:lstStyle/>
+                    <a:p>
+                      <a:endParaRPr lang="zh-CN" altLang="en-US"/>
+                    </a:p>
+                  </a:txBody>
+                  <a:tcPr/>
+                </a:tc>
+              </a:tr>
+              <a:tr h="328015">
+                <a:tc>
+                  <a:txBody>
+                    <a:bodyPr/>
+                    <a:lstStyle/>
+                    <a:p>
+                      <a:pPr algn="ctr" fontAlgn="b"/>
+                      <a:r>
+                        <a:rPr lang="en-US" altLang="zh-CN" sz="1600" u="none" strike="noStrike" dirty="0">
+                          <a:effectLst/>
+                        </a:rPr>
+                        <a:t>1</a:t>
+                      </a:r>
+                      <a:endParaRPr lang="en-US" altLang="zh-CN" sz="1600" b="0" i="0" u="none" strike="noStrike" dirty="0">
+                        <a:solidFill>
+                          <a:srgbClr val="000000"/>
+                        </a:solidFill>
+                        <a:effectLst/>
+                        <a:latin typeface="宋体" charset="0"/>
+                      </a:endParaRPr>
+                    </a:p>
+                  </a:txBody>
+                  <a:tcPr marL="12700" marR="12700" marT="12700" marB="0" anchor="b"/>
+                </a:tc>
+                <a:tc>
+                  <a:txBody>
+                    <a:bodyPr/>
+                    <a:lstStyle/>
+                    <a:p>
+                      <a:pPr algn="ctr" fontAlgn="ctr"/>
+                      <a:r>
+                        <a:rPr lang="en-US" altLang="zh-CN" sz="1400" b="1" i="0" u="none" strike="noStrike" dirty="0">
+                          <a:solidFill>
+                            <a:srgbClr val="000000"/>
+                          </a:solidFill>
+                          <a:effectLst/>
+                          <a:latin typeface="宋体" panose="02010600030101010101" pitchFamily="2" charset="-122"/>
+                          <a:ea typeface="宋体" panose="02010600030101010101" pitchFamily="2" charset="-122"/>
+                        </a:rPr>
+                        <a:t>0</a:t>
+                      </a:r>
+                    </a:p>
+                  </a:txBody>
+                  <a:tcPr marL="9525" marR="9525" marT="9525" marB="0" anchor="ctr"/>
+                </a:tc>
+                <a:tc>
+                  <a:txBody>
+                    <a:bodyPr/>
+                    <a:lstStyle/>
+                    <a:p>
+                      <a:pPr algn="ctr" fontAlgn="ctr"/>
+                      <a:r>
+                        <a:rPr lang="en-US" altLang="zh-CN" sz="1400" b="1" i="0" u="none" strike="noStrike">
+                          <a:solidFill>
+                            <a:srgbClr val="000000"/>
+                          </a:solidFill>
+                          <a:effectLst/>
+                          <a:latin typeface="宋体" panose="02010600030101010101" pitchFamily="2" charset="-122"/>
+                          <a:ea typeface="宋体" panose="02010600030101010101" pitchFamily="2" charset="-122"/>
+                        </a:rPr>
+                        <a:t>0.35574</a:t>
+                      </a:r>
+                    </a:p>
+                  </a:txBody>
+                  <a:tcPr marL="9525" marR="9525" marT="9525" marB="0" anchor="ctr"/>
+                </a:tc>
+              </a:tr>
+              <a:tr h="328015">
+                <a:tc>
+                  <a:txBody>
+                    <a:bodyPr/>
+                    <a:lstStyle/>
+                    <a:p>
+                      <a:pPr algn="ctr" fontAlgn="b"/>
+                      <a:r>
+                        <a:rPr lang="en-US" altLang="zh-CN" sz="1600" u="none" strike="noStrike" dirty="0">
+                          <a:effectLst/>
+                        </a:rPr>
+                        <a:t>2</a:t>
+                      </a:r>
+                      <a:endParaRPr lang="en-US" altLang="zh-CN" sz="1600" b="0" i="0" u="none" strike="noStrike" dirty="0">
+                        <a:solidFill>
+                          <a:srgbClr val="000000"/>
+                        </a:solidFill>
+                        <a:effectLst/>
+                        <a:latin typeface="宋体" charset="0"/>
+                      </a:endParaRPr>
+                    </a:p>
+                  </a:txBody>
+                  <a:tcPr marL="12700" marR="12700" marT="12700" marB="0" anchor="b"/>
+                </a:tc>
+                <a:tc>
+                  <a:txBody>
+                    <a:bodyPr/>
+                    <a:lstStyle/>
+                    <a:p>
+                      <a:pPr algn="ctr" fontAlgn="ctr"/>
+                      <a:r>
+                        <a:rPr lang="en-US" altLang="zh-CN" sz="1400" b="1" i="0" u="none" strike="noStrike" dirty="0">
+                          <a:solidFill>
+                            <a:srgbClr val="000000"/>
+                          </a:solidFill>
+                          <a:effectLst/>
+                          <a:latin typeface="宋体" panose="02010600030101010101" pitchFamily="2" charset="-122"/>
+                          <a:ea typeface="宋体" panose="02010600030101010101" pitchFamily="2" charset="-122"/>
+                        </a:rPr>
+                        <a:t>67</a:t>
+                      </a:r>
+                    </a:p>
+                  </a:txBody>
+                  <a:tcPr marL="9525" marR="9525" marT="9525" marB="0" anchor="ctr"/>
+                </a:tc>
+                <a:tc>
+                  <a:txBody>
+                    <a:bodyPr/>
+                    <a:lstStyle/>
+                    <a:p>
+                      <a:pPr algn="ctr" fontAlgn="ctr"/>
+                      <a:r>
+                        <a:rPr lang="en-US" altLang="zh-CN" sz="1400" b="1" i="0" u="none" strike="noStrike" dirty="0">
+                          <a:solidFill>
+                            <a:srgbClr val="000000"/>
+                          </a:solidFill>
+                          <a:effectLst/>
+                          <a:latin typeface="宋体" panose="02010600030101010101" pitchFamily="2" charset="-122"/>
+                          <a:ea typeface="宋体" panose="02010600030101010101" pitchFamily="2" charset="-122"/>
+                        </a:rPr>
+                        <a:t>0.3324</a:t>
+                      </a:r>
+                    </a:p>
+                  </a:txBody>
+                  <a:tcPr marL="9525" marR="9525" marT="9525" marB="0" anchor="ctr"/>
+                </a:tc>
+              </a:tr>
+              <a:tr h="328015">
+                <a:tc>
+                  <a:txBody>
+                    <a:bodyPr/>
+                    <a:lstStyle/>
+                    <a:p>
+                      <a:pPr algn="ctr" fontAlgn="b"/>
+                      <a:r>
+                        <a:rPr lang="en-US" altLang="zh-CN" sz="1600" u="none" strike="noStrike" dirty="0">
+                          <a:effectLst/>
+                        </a:rPr>
+                        <a:t>3</a:t>
+                      </a:r>
+                      <a:endParaRPr lang="en-US" altLang="zh-CN" sz="1600" b="0" i="0" u="none" strike="noStrike" dirty="0">
+                        <a:solidFill>
+                          <a:srgbClr val="000000"/>
+                        </a:solidFill>
+                        <a:effectLst/>
+                        <a:latin typeface="宋体" charset="0"/>
+                      </a:endParaRPr>
+                    </a:p>
+                  </a:txBody>
+                  <a:tcPr marL="12700" marR="12700" marT="12700" marB="0" anchor="b"/>
+                </a:tc>
+                <a:tc>
+                  <a:txBody>
+                    <a:bodyPr/>
+                    <a:lstStyle/>
+                    <a:p>
+                      <a:pPr algn="ctr" fontAlgn="ctr"/>
+                      <a:r>
+                        <a:rPr lang="en-US" altLang="zh-CN" sz="1400" b="1" i="0" u="none" strike="noStrike" dirty="0">
+                          <a:solidFill>
+                            <a:srgbClr val="000000"/>
+                          </a:solidFill>
+                          <a:effectLst/>
+                          <a:latin typeface="宋体" panose="02010600030101010101" pitchFamily="2" charset="-122"/>
+                          <a:ea typeface="宋体" panose="02010600030101010101" pitchFamily="2" charset="-122"/>
+                        </a:rPr>
+                        <a:t>68</a:t>
+                      </a:r>
+                    </a:p>
+                  </a:txBody>
+                  <a:tcPr marL="9525" marR="9525" marT="9525" marB="0" anchor="ctr"/>
+                </a:tc>
+                <a:tc>
+                  <a:txBody>
+                    <a:bodyPr/>
+                    <a:lstStyle/>
+                    <a:p>
+                      <a:pPr algn="ctr" fontAlgn="ctr"/>
+                      <a:r>
+                        <a:rPr lang="en-US" altLang="zh-CN" sz="1400" b="1" i="0" u="none" strike="noStrike" dirty="0">
+                          <a:solidFill>
+                            <a:srgbClr val="000000"/>
+                          </a:solidFill>
+                          <a:effectLst/>
+                          <a:latin typeface="宋体" panose="02010600030101010101" pitchFamily="2" charset="-122"/>
+                          <a:ea typeface="宋体" panose="02010600030101010101" pitchFamily="2" charset="-122"/>
+                        </a:rPr>
+                        <a:t>0.3324</a:t>
+                      </a:r>
+                    </a:p>
+                  </a:txBody>
+                  <a:tcPr marL="9525" marR="9525" marT="9525" marB="0" anchor="ctr"/>
+                </a:tc>
+              </a:tr>
+              <a:tr h="328015">
+                <a:tc>
+                  <a:txBody>
+                    <a:bodyPr/>
+                    <a:lstStyle/>
+                    <a:p>
+                      <a:pPr algn="ctr" fontAlgn="b"/>
+                      <a:r>
+                        <a:rPr lang="en-US" altLang="zh-CN" sz="1600" u="none" strike="noStrike" dirty="0">
+                          <a:effectLst/>
+                        </a:rPr>
+                        <a:t>4</a:t>
+                      </a:r>
+                      <a:endParaRPr lang="en-US" altLang="zh-CN" sz="1600" b="0" i="0" u="none" strike="noStrike" dirty="0">
+                        <a:solidFill>
+                          <a:srgbClr val="000000"/>
+                        </a:solidFill>
+                        <a:effectLst/>
+                        <a:latin typeface="宋体" charset="0"/>
+                      </a:endParaRPr>
+                    </a:p>
+                  </a:txBody>
+                  <a:tcPr marL="12700" marR="12700" marT="12700" marB="0" anchor="b"/>
+                </a:tc>
+                <a:tc>
+                  <a:txBody>
+                    <a:bodyPr/>
+                    <a:lstStyle/>
+                    <a:p>
+                      <a:pPr algn="ctr" fontAlgn="ctr"/>
+                      <a:r>
+                        <a:rPr lang="en-US" altLang="zh-CN" sz="1400" b="1" i="0" u="none" strike="noStrike" dirty="0">
+                          <a:solidFill>
+                            <a:srgbClr val="000000"/>
+                          </a:solidFill>
+                          <a:effectLst/>
+                          <a:latin typeface="宋体" panose="02010600030101010101" pitchFamily="2" charset="-122"/>
+                          <a:ea typeface="宋体" panose="02010600030101010101" pitchFamily="2" charset="-122"/>
+                        </a:rPr>
+                        <a:t>69</a:t>
+                      </a:r>
+                    </a:p>
+                  </a:txBody>
+                  <a:tcPr marL="9525" marR="9525" marT="9525" marB="0" anchor="ctr"/>
+                </a:tc>
+                <a:tc>
+                  <a:txBody>
+                    <a:bodyPr/>
+                    <a:lstStyle/>
+                    <a:p>
+                      <a:pPr algn="ctr" fontAlgn="ctr"/>
+                      <a:r>
+                        <a:rPr lang="en-US" altLang="zh-CN" sz="1400" b="1" i="0" u="none" strike="noStrike">
+                          <a:solidFill>
+                            <a:srgbClr val="000000"/>
+                          </a:solidFill>
+                          <a:effectLst/>
+                          <a:latin typeface="宋体" panose="02010600030101010101" pitchFamily="2" charset="-122"/>
+                          <a:ea typeface="宋体" panose="02010600030101010101" pitchFamily="2" charset="-122"/>
+                        </a:rPr>
+                        <a:t>0.3324</a:t>
+                      </a:r>
+                    </a:p>
+                  </a:txBody>
+                  <a:tcPr marL="9525" marR="9525" marT="9525" marB="0" anchor="ctr"/>
+                </a:tc>
+              </a:tr>
+              <a:tr h="328015">
+                <a:tc>
+                  <a:txBody>
+                    <a:bodyPr/>
+                    <a:lstStyle/>
+                    <a:p>
+                      <a:pPr algn="ctr" fontAlgn="b"/>
+                      <a:r>
+                        <a:rPr lang="en-US" altLang="zh-CN" sz="1600" u="none" strike="noStrike" dirty="0">
+                          <a:effectLst/>
+                        </a:rPr>
+                        <a:t>5</a:t>
+                      </a:r>
+                      <a:endParaRPr lang="en-US" altLang="zh-CN" sz="1600" b="0" i="0" u="none" strike="noStrike" dirty="0">
+                        <a:solidFill>
+                          <a:srgbClr val="000000"/>
+                        </a:solidFill>
+                        <a:effectLst/>
+                        <a:latin typeface="宋体" charset="0"/>
+                      </a:endParaRPr>
+                    </a:p>
+                  </a:txBody>
+                  <a:tcPr marL="12700" marR="12700" marT="12700" marB="0" anchor="b"/>
+                </a:tc>
+                <a:tc>
+                  <a:txBody>
+                    <a:bodyPr/>
+                    <a:lstStyle/>
+                    <a:p>
+                      <a:pPr algn="ctr" fontAlgn="ctr"/>
+                      <a:r>
+                        <a:rPr lang="en-US" altLang="zh-CN" sz="1400" b="1" i="0" u="none" strike="noStrike" dirty="0">
+                          <a:solidFill>
+                            <a:srgbClr val="000000"/>
+                          </a:solidFill>
+                          <a:effectLst/>
+                          <a:latin typeface="宋体" panose="02010600030101010101" pitchFamily="2" charset="-122"/>
+                          <a:ea typeface="宋体" panose="02010600030101010101" pitchFamily="2" charset="-122"/>
+                        </a:rPr>
+                        <a:t>70</a:t>
+                      </a:r>
+                    </a:p>
+                  </a:txBody>
+                  <a:tcPr marL="9525" marR="9525" marT="9525" marB="0" anchor="ctr"/>
+                </a:tc>
+                <a:tc>
+                  <a:txBody>
+                    <a:bodyPr/>
+                    <a:lstStyle/>
+                    <a:p>
+                      <a:pPr algn="ctr" fontAlgn="ctr"/>
+                      <a:r>
+                        <a:rPr lang="en-US" altLang="zh-CN" sz="1400" b="1" i="0" u="none" strike="noStrike">
+                          <a:solidFill>
+                            <a:srgbClr val="000000"/>
+                          </a:solidFill>
+                          <a:effectLst/>
+                          <a:latin typeface="宋体" panose="02010600030101010101" pitchFamily="2" charset="-122"/>
+                          <a:ea typeface="宋体" panose="02010600030101010101" pitchFamily="2" charset="-122"/>
+                        </a:rPr>
+                        <a:t>0.3324</a:t>
+                      </a:r>
+                    </a:p>
+                  </a:txBody>
+                  <a:tcPr marL="9525" marR="9525" marT="9525" marB="0" anchor="ctr"/>
+                </a:tc>
+              </a:tr>
+              <a:tr h="328015">
+                <a:tc>
+                  <a:txBody>
+                    <a:bodyPr/>
+                    <a:lstStyle/>
+                    <a:p>
+                      <a:pPr algn="ctr" fontAlgn="b"/>
+                      <a:r>
+                        <a:rPr lang="en-US" altLang="zh-CN" sz="1600" u="none" strike="noStrike" dirty="0">
+                          <a:effectLst/>
+                        </a:rPr>
+                        <a:t>6</a:t>
+                      </a:r>
+                      <a:endParaRPr lang="en-US" altLang="zh-CN" sz="1600" b="0" i="0" u="none" strike="noStrike" dirty="0">
+                        <a:solidFill>
+                          <a:srgbClr val="000000"/>
+                        </a:solidFill>
+                        <a:effectLst/>
+                        <a:latin typeface="宋体" charset="0"/>
+                      </a:endParaRPr>
+                    </a:p>
+                  </a:txBody>
+                  <a:tcPr marL="12700" marR="12700" marT="12700" marB="0" anchor="b"/>
+                </a:tc>
+                <a:tc>
+                  <a:txBody>
+                    <a:bodyPr/>
+                    <a:lstStyle/>
+                    <a:p>
+                      <a:pPr algn="ctr" fontAlgn="ctr"/>
+                      <a:r>
+                        <a:rPr lang="en-US" altLang="zh-CN" sz="1400" b="1" i="0" u="none" strike="noStrike" dirty="0">
+                          <a:solidFill>
+                            <a:srgbClr val="000000"/>
+                          </a:solidFill>
+                          <a:effectLst/>
+                          <a:latin typeface="宋体" panose="02010600030101010101" pitchFamily="2" charset="-122"/>
+                          <a:ea typeface="宋体" panose="02010600030101010101" pitchFamily="2" charset="-122"/>
+                        </a:rPr>
+                        <a:t>71</a:t>
+                      </a:r>
+                    </a:p>
+                  </a:txBody>
+                  <a:tcPr marL="9525" marR="9525" marT="9525" marB="0" anchor="ctr"/>
+                </a:tc>
+                <a:tc>
+                  <a:txBody>
+                    <a:bodyPr/>
+                    <a:lstStyle/>
+                    <a:p>
+                      <a:pPr algn="ctr" fontAlgn="ctr"/>
+                      <a:r>
+                        <a:rPr lang="en-US" altLang="zh-CN" sz="1400" b="1" i="0" u="none" strike="noStrike" dirty="0">
+                          <a:solidFill>
+                            <a:srgbClr val="000000"/>
+                          </a:solidFill>
+                          <a:effectLst/>
+                          <a:latin typeface="宋体" panose="02010600030101010101" pitchFamily="2" charset="-122"/>
+                          <a:ea typeface="宋体" panose="02010600030101010101" pitchFamily="2" charset="-122"/>
+                        </a:rPr>
+                        <a:t>0.3324</a:t>
+                      </a:r>
+                    </a:p>
+                  </a:txBody>
+                  <a:tcPr marL="9525" marR="9525" marT="9525" marB="0" anchor="ctr"/>
+                </a:tc>
+              </a:tr>
+              <a:tr h="328015">
+                <a:tc>
+                  <a:txBody>
+                    <a:bodyPr/>
+                    <a:lstStyle/>
+                    <a:p>
+                      <a:pPr algn="ctr" fontAlgn="b"/>
+                      <a:r>
+                        <a:rPr lang="en-US" altLang="zh-CN" sz="1600" u="none" strike="noStrike" dirty="0">
+                          <a:effectLst/>
+                        </a:rPr>
+                        <a:t>7</a:t>
+                      </a:r>
+                      <a:endParaRPr lang="en-US" altLang="zh-CN" sz="1600" b="0" i="0" u="none" strike="noStrike" dirty="0">
+                        <a:solidFill>
+                          <a:srgbClr val="000000"/>
+                        </a:solidFill>
+                        <a:effectLst/>
+                        <a:latin typeface="宋体" charset="0"/>
+                      </a:endParaRPr>
+                    </a:p>
+                  </a:txBody>
+                  <a:tcPr marL="12700" marR="12700" marT="12700" marB="0" anchor="b"/>
+                </a:tc>
+                <a:tc>
+                  <a:txBody>
+                    <a:bodyPr/>
+                    <a:lstStyle/>
+                    <a:p>
+                      <a:pPr algn="ctr" fontAlgn="ctr"/>
+                      <a:r>
+                        <a:rPr lang="en-US" altLang="zh-CN" sz="1400" b="1" i="0" u="none" strike="noStrike" dirty="0">
+                          <a:solidFill>
+                            <a:srgbClr val="000000"/>
+                          </a:solidFill>
+                          <a:effectLst/>
+                          <a:latin typeface="宋体" panose="02010600030101010101" pitchFamily="2" charset="-122"/>
+                          <a:ea typeface="宋体" panose="02010600030101010101" pitchFamily="2" charset="-122"/>
+                        </a:rPr>
+                        <a:t>72</a:t>
+                      </a:r>
+                    </a:p>
+                  </a:txBody>
+                  <a:tcPr marL="9525" marR="9525" marT="9525" marB="0" anchor="ctr"/>
+                </a:tc>
+                <a:tc>
+                  <a:txBody>
+                    <a:bodyPr/>
+                    <a:lstStyle/>
+                    <a:p>
+                      <a:pPr algn="ctr" fontAlgn="ctr"/>
+                      <a:r>
+                        <a:rPr lang="en-US" altLang="zh-CN" sz="1400" b="1" i="0" u="none" strike="noStrike" dirty="0">
+                          <a:solidFill>
+                            <a:srgbClr val="000000"/>
+                          </a:solidFill>
+                          <a:effectLst/>
+                          <a:latin typeface="宋体" panose="02010600030101010101" pitchFamily="2" charset="-122"/>
+                          <a:ea typeface="宋体" panose="02010600030101010101" pitchFamily="2" charset="-122"/>
+                        </a:rPr>
+                        <a:t>0.30741</a:t>
+                      </a:r>
+                    </a:p>
+                  </a:txBody>
+                  <a:tcPr marL="9525" marR="9525" marT="9525" marB="0" anchor="ctr"/>
+                </a:tc>
+              </a:tr>
+              <a:tr h="328015">
+                <a:tc>
+                  <a:txBody>
+                    <a:bodyPr/>
+                    <a:lstStyle/>
+                    <a:p>
+                      <a:pPr algn="ctr" fontAlgn="b"/>
+                      <a:r>
+                        <a:rPr lang="en-US" altLang="zh-CN" sz="1600" u="none" strike="noStrike" dirty="0">
+                          <a:effectLst/>
+                        </a:rPr>
+                        <a:t>8</a:t>
+                      </a:r>
+                      <a:endParaRPr lang="en-US" altLang="zh-CN" sz="1600" b="0" i="0" u="none" strike="noStrike" dirty="0">
+                        <a:solidFill>
+                          <a:srgbClr val="000000"/>
+                        </a:solidFill>
+                        <a:effectLst/>
+                        <a:latin typeface="宋体" charset="0"/>
+                      </a:endParaRPr>
+                    </a:p>
+                  </a:txBody>
+                  <a:tcPr marL="12700" marR="12700" marT="12700" marB="0" anchor="b"/>
+                </a:tc>
+                <a:tc>
+                  <a:txBody>
+                    <a:bodyPr/>
+                    <a:lstStyle/>
+                    <a:p>
+                      <a:pPr algn="ctr" fontAlgn="ctr"/>
+                      <a:r>
+                        <a:rPr lang="en-US" altLang="zh-CN" sz="1400" b="1" i="0" u="none" strike="noStrike" dirty="0">
+                          <a:solidFill>
+                            <a:srgbClr val="000000"/>
+                          </a:solidFill>
+                          <a:effectLst/>
+                          <a:latin typeface="宋体" panose="02010600030101010101" pitchFamily="2" charset="-122"/>
+                          <a:ea typeface="宋体" panose="02010600030101010101" pitchFamily="2" charset="-122"/>
+                        </a:rPr>
+                        <a:t>2</a:t>
+                      </a:r>
+                    </a:p>
+                  </a:txBody>
+                  <a:tcPr marL="9525" marR="9525" marT="9525" marB="0" anchor="ctr"/>
+                </a:tc>
+                <a:tc>
+                  <a:txBody>
+                    <a:bodyPr/>
+                    <a:lstStyle/>
+                    <a:p>
+                      <a:pPr algn="ctr" fontAlgn="ctr"/>
+                      <a:r>
+                        <a:rPr lang="en-US" altLang="zh-CN" sz="1400" b="1" i="0" u="none" strike="noStrike" dirty="0">
+                          <a:solidFill>
+                            <a:srgbClr val="000000"/>
+                          </a:solidFill>
+                          <a:effectLst/>
+                          <a:latin typeface="宋体" panose="02010600030101010101" pitchFamily="2" charset="-122"/>
+                          <a:ea typeface="宋体" panose="02010600030101010101" pitchFamily="2" charset="-122"/>
+                        </a:rPr>
+                        <a:t>0.29204</a:t>
+                      </a:r>
+                    </a:p>
+                  </a:txBody>
+                  <a:tcPr marL="9525" marR="9525" marT="9525" marB="0" anchor="ctr"/>
+                </a:tc>
+              </a:tr>
+              <a:tr h="328015">
+                <a:tc>
+                  <a:txBody>
+                    <a:bodyPr/>
+                    <a:lstStyle/>
+                    <a:p>
+                      <a:pPr algn="ctr" fontAlgn="b"/>
+                      <a:r>
+                        <a:rPr lang="en-US" altLang="zh-CN" sz="1600" u="none" strike="noStrike" dirty="0">
+                          <a:effectLst/>
+                        </a:rPr>
+                        <a:t>9</a:t>
+                      </a:r>
+                      <a:endParaRPr lang="en-US" altLang="zh-CN" sz="1600" b="0" i="0" u="none" strike="noStrike" dirty="0">
+                        <a:solidFill>
+                          <a:srgbClr val="000000"/>
+                        </a:solidFill>
+                        <a:effectLst/>
+                        <a:latin typeface="宋体" charset="0"/>
+                      </a:endParaRPr>
+                    </a:p>
+                  </a:txBody>
+                  <a:tcPr marL="12700" marR="12700" marT="12700" marB="0" anchor="b"/>
+                </a:tc>
+                <a:tc>
+                  <a:txBody>
+                    <a:bodyPr/>
+                    <a:lstStyle/>
+                    <a:p>
+                      <a:pPr algn="ctr" fontAlgn="ctr"/>
+                      <a:r>
+                        <a:rPr lang="en-US" altLang="zh-CN" sz="1400" b="1" i="0" u="none" strike="noStrike">
+                          <a:solidFill>
+                            <a:srgbClr val="000000"/>
+                          </a:solidFill>
+                          <a:effectLst/>
+                          <a:latin typeface="宋体" panose="02010600030101010101" pitchFamily="2" charset="-122"/>
+                          <a:ea typeface="宋体" panose="02010600030101010101" pitchFamily="2" charset="-122"/>
+                        </a:rPr>
+                        <a:t>75</a:t>
+                      </a:r>
+                    </a:p>
+                  </a:txBody>
+                  <a:tcPr marL="9525" marR="9525" marT="9525" marB="0" anchor="ctr"/>
+                </a:tc>
+                <a:tc>
+                  <a:txBody>
+                    <a:bodyPr/>
+                    <a:lstStyle/>
+                    <a:p>
+                      <a:pPr algn="ctr" fontAlgn="ctr"/>
+                      <a:r>
+                        <a:rPr lang="en-US" altLang="zh-CN" sz="1400" b="1" i="0" u="none" strike="noStrike" dirty="0">
+                          <a:solidFill>
+                            <a:srgbClr val="000000"/>
+                          </a:solidFill>
+                          <a:effectLst/>
+                          <a:latin typeface="宋体" panose="02010600030101010101" pitchFamily="2" charset="-122"/>
+                          <a:ea typeface="宋体" panose="02010600030101010101" pitchFamily="2" charset="-122"/>
+                        </a:rPr>
+                        <a:t>0.28879</a:t>
+                      </a:r>
+                    </a:p>
+                  </a:txBody>
+                  <a:tcPr marL="9525" marR="9525" marT="9525" marB="0" anchor="ctr"/>
+                </a:tc>
+              </a:tr>
+              <a:tr h="328015">
+                <a:tc>
+                  <a:txBody>
+                    <a:bodyPr/>
+                    <a:lstStyle/>
+                    <a:p>
+                      <a:pPr algn="ctr" fontAlgn="b"/>
+                      <a:r>
+                        <a:rPr lang="en-US" altLang="zh-CN" sz="1600" u="none" strike="noStrike" dirty="0">
+                          <a:effectLst/>
+                        </a:rPr>
+                        <a:t>10</a:t>
+                      </a:r>
+                      <a:endParaRPr lang="en-US" altLang="zh-CN" sz="1600" b="0" i="0" u="none" strike="noStrike" dirty="0">
+                        <a:solidFill>
+                          <a:srgbClr val="000000"/>
+                        </a:solidFill>
+                        <a:effectLst/>
+                        <a:latin typeface="宋体" charset="0"/>
+                      </a:endParaRPr>
+                    </a:p>
+                  </a:txBody>
+                  <a:tcPr marL="12700" marR="12700" marT="12700" marB="0" anchor="b"/>
+                </a:tc>
+                <a:tc>
+                  <a:txBody>
+                    <a:bodyPr/>
+                    <a:lstStyle/>
+                    <a:p>
+                      <a:pPr algn="ctr" fontAlgn="ctr"/>
+                      <a:r>
+                        <a:rPr lang="en-US" altLang="zh-CN" sz="1400" b="1" i="0" u="none" strike="noStrike" dirty="0">
+                          <a:solidFill>
+                            <a:srgbClr val="000000"/>
+                          </a:solidFill>
+                          <a:effectLst/>
+                          <a:latin typeface="宋体" panose="02010600030101010101" pitchFamily="2" charset="-122"/>
+                          <a:ea typeface="宋体" panose="02010600030101010101" pitchFamily="2" charset="-122"/>
+                        </a:rPr>
+                        <a:t>60</a:t>
+                      </a:r>
+                    </a:p>
+                  </a:txBody>
+                  <a:tcPr marL="9525" marR="9525" marT="9525" marB="0" anchor="ctr"/>
+                </a:tc>
+                <a:tc>
+                  <a:txBody>
+                    <a:bodyPr/>
+                    <a:lstStyle/>
+                    <a:p>
+                      <a:pPr algn="ctr" fontAlgn="ctr"/>
+                      <a:r>
+                        <a:rPr lang="en-US" altLang="zh-CN" sz="1400" b="1" i="0" u="none" strike="noStrike" dirty="0">
+                          <a:solidFill>
+                            <a:srgbClr val="000000"/>
+                          </a:solidFill>
+                          <a:effectLst/>
+                          <a:latin typeface="宋体" panose="02010600030101010101" pitchFamily="2" charset="-122"/>
+                          <a:ea typeface="宋体" panose="02010600030101010101" pitchFamily="2" charset="-122"/>
+                        </a:rPr>
+                        <a:t>0.28781</a:t>
+                      </a:r>
+                    </a:p>
+                  </a:txBody>
+                  <a:tcPr marL="9525" marR="9525" marT="9525" marB="0" anchor="ctr"/>
+                </a:tc>
+              </a:tr>
+            </a:tbl>
+          </a:graphicData>
+        </a:graphic>
+      </p:graphicFrame>
+      <p:graphicFrame>
+        <p:nvGraphicFramePr>
+          <p:cNvPr id="6" name="表格 5"/>
+          <p:cNvGraphicFramePr>
+            <a:graphicFrameLocks noGrp="1"/>
+          </p:cNvGraphicFramePr>
+          <p:nvPr>
+            <p:extLst/>
+          </p:nvPr>
+        </p:nvGraphicFramePr>
+        <p:xfrm>
+          <a:off x="5861045" y="2395122"/>
+          <a:ext cx="4028540" cy="3611777"/>
+        </p:xfrm>
+        <a:graphic>
+          <a:graphicData uri="http://schemas.openxmlformats.org/drawingml/2006/table">
+            <a:tbl>
+              <a:tblPr firstRow="1" bandRow="1">
+                <a:tableStyleId>{EB344D84-9AFB-497E-A393-DC336BA19D2E}</a:tableStyleId>
+              </a:tblPr>
+              <a:tblGrid>
+                <a:gridCol w="1007135"/>
+                <a:gridCol w="1007135"/>
+                <a:gridCol w="1007135"/>
+                <a:gridCol w="1007135"/>
+              </a:tblGrid>
+              <a:tr h="355617">
+                <a:tc gridSpan="2">
+                  <a:txBody>
+                    <a:bodyPr/>
+                    <a:lstStyle/>
+                    <a:p>
+                      <a:pPr algn="ctr" fontAlgn="b"/>
+                      <a:r>
+                        <a:rPr lang="en-US" sz="1400" u="none" strike="noStrike" dirty="0">
+                          <a:effectLst/>
+                        </a:rPr>
+                        <a:t>Degree </a:t>
+                      </a:r>
+                      <a:r>
+                        <a:rPr lang="en-US" sz="1400" u="none" strike="noStrike" kern="1200" dirty="0">
+                          <a:effectLst/>
+                        </a:rPr>
+                        <a:t>Centrality</a:t>
+                      </a:r>
+                      <a:endParaRPr lang="en-US" sz="1400" u="none" strike="noStrike" kern="1200" dirty="0">
+                        <a:solidFill>
+                          <a:schemeClr val="dk1"/>
+                        </a:solidFill>
+                        <a:effectLst/>
+                        <a:latin typeface="+mn-lt"/>
+                        <a:ea typeface="+mn-ea"/>
+                        <a:cs typeface="+mn-cs"/>
+                      </a:endParaRPr>
+                    </a:p>
+                  </a:txBody>
+                  <a:tcPr marL="12700" marR="12700" marT="12700" marB="0" anchor="b"/>
+                </a:tc>
+                <a:tc hMerge="1">
+                  <a:txBody>
+                    <a:bodyPr/>
+                    <a:lstStyle/>
+                    <a:p>
+                      <a:endParaRPr lang="zh-CN" altLang="en-US"/>
+                    </a:p>
+                  </a:txBody>
+                  <a:tcPr/>
+                </a:tc>
+                <a:tc gridSpan="2">
+                  <a:txBody>
+                    <a:bodyPr/>
+                    <a:lstStyle/>
+                    <a:p>
+                      <a:pPr algn="ctr" fontAlgn="b"/>
+                      <a:r>
+                        <a:rPr lang="en-US" sz="1400" u="none" strike="noStrike" dirty="0" err="1">
+                          <a:effectLst/>
+                        </a:rPr>
+                        <a:t>Betweenness</a:t>
+                      </a:r>
+                      <a:r>
+                        <a:rPr lang="en-US" sz="1400" u="none" strike="noStrike" dirty="0">
+                          <a:effectLst/>
+                        </a:rPr>
+                        <a:t> Centrality</a:t>
+                      </a:r>
+                      <a:endParaRPr lang="en-US" sz="1400" b="0" i="0" u="none" strike="noStrike" dirty="0">
+                        <a:solidFill>
+                          <a:srgbClr val="000000"/>
+                        </a:solidFill>
+                        <a:effectLst/>
+                        <a:latin typeface="宋体" charset="0"/>
+                      </a:endParaRPr>
+                    </a:p>
+                  </a:txBody>
+                  <a:tcPr marL="12700" marR="12700" marT="12700" marB="0" anchor="b"/>
+                </a:tc>
+                <a:tc hMerge="1">
+                  <a:txBody>
+                    <a:bodyPr/>
+                    <a:lstStyle/>
+                    <a:p>
+                      <a:endParaRPr lang="zh-CN" altLang="en-US"/>
+                    </a:p>
+                  </a:txBody>
+                  <a:tcPr/>
+                </a:tc>
+              </a:tr>
+              <a:tr h="325616">
+                <a:tc>
+                  <a:txBody>
+                    <a:bodyPr/>
+                    <a:lstStyle/>
+                    <a:p>
+                      <a:pPr algn="ctr" fontAlgn="ctr"/>
+                      <a:r>
+                        <a:rPr lang="en-US" altLang="zh-CN" sz="1400" b="1" i="0" u="none" strike="noStrike" dirty="0">
+                          <a:solidFill>
+                            <a:srgbClr val="000000"/>
+                          </a:solidFill>
+                          <a:effectLst/>
+                          <a:latin typeface="宋体" panose="02010600030101010101" pitchFamily="2" charset="-122"/>
+                          <a:ea typeface="宋体" panose="02010600030101010101" pitchFamily="2" charset="-122"/>
+                        </a:rPr>
+                        <a:t>11</a:t>
+                      </a:r>
+                    </a:p>
+                  </a:txBody>
+                  <a:tcPr marL="9525" marR="9525" marT="9525" marB="0" anchor="ctr"/>
+                </a:tc>
+                <a:tc>
+                  <a:txBody>
+                    <a:bodyPr/>
+                    <a:lstStyle/>
+                    <a:p>
+                      <a:pPr algn="ctr" fontAlgn="ctr"/>
+                      <a:r>
+                        <a:rPr lang="en-US" altLang="zh-CN" sz="1400" b="1" i="0" u="none" strike="noStrike">
+                          <a:solidFill>
+                            <a:srgbClr val="000000"/>
+                          </a:solidFill>
+                          <a:effectLst/>
+                          <a:latin typeface="宋体" panose="02010600030101010101" pitchFamily="2" charset="-122"/>
+                          <a:ea typeface="宋体" panose="02010600030101010101" pitchFamily="2" charset="-122"/>
+                        </a:rPr>
+                        <a:t>35</a:t>
+                      </a:r>
+                    </a:p>
+                  </a:txBody>
+                  <a:tcPr marL="9525" marR="9525" marT="9525" marB="0" anchor="ctr"/>
+                </a:tc>
+                <a:tc>
+                  <a:txBody>
+                    <a:bodyPr/>
+                    <a:lstStyle/>
+                    <a:p>
+                      <a:pPr algn="ctr" fontAlgn="ctr"/>
+                      <a:r>
+                        <a:rPr lang="en-US" altLang="zh-CN" sz="1400" b="1" i="0" u="none" strike="noStrike" dirty="0">
+                          <a:solidFill>
+                            <a:srgbClr val="000000"/>
+                          </a:solidFill>
+                          <a:effectLst/>
+                          <a:latin typeface="宋体" panose="02010600030101010101" pitchFamily="2" charset="-122"/>
+                          <a:ea typeface="宋体" panose="02010600030101010101" pitchFamily="2" charset="-122"/>
+                        </a:rPr>
+                        <a:t>11</a:t>
+                      </a:r>
+                    </a:p>
+                  </a:txBody>
+                  <a:tcPr marL="9525" marR="9525" marT="9525" marB="0" anchor="ctr"/>
+                </a:tc>
+                <a:tc>
+                  <a:txBody>
+                    <a:bodyPr/>
+                    <a:lstStyle/>
+                    <a:p>
+                      <a:pPr algn="ctr" fontAlgn="ctr"/>
+                      <a:r>
+                        <a:rPr lang="en-US" altLang="zh-CN" sz="1400" b="1" i="0" u="none" strike="noStrike">
+                          <a:solidFill>
+                            <a:srgbClr val="000000"/>
+                          </a:solidFill>
+                          <a:effectLst/>
+                          <a:latin typeface="宋体" panose="02010600030101010101" pitchFamily="2" charset="-122"/>
+                          <a:ea typeface="宋体" panose="02010600030101010101" pitchFamily="2" charset="-122"/>
+                        </a:rPr>
+                        <a:t>1663.187</a:t>
+                      </a:r>
+                    </a:p>
+                  </a:txBody>
+                  <a:tcPr marL="9525" marR="9525" marT="9525" marB="0" anchor="ctr"/>
+                </a:tc>
+              </a:tr>
+              <a:tr h="325616">
+                <a:tc>
+                  <a:txBody>
+                    <a:bodyPr/>
+                    <a:lstStyle/>
+                    <a:p>
+                      <a:pPr algn="ctr" fontAlgn="ctr"/>
+                      <a:r>
+                        <a:rPr lang="en-US" altLang="zh-CN" sz="1400" b="1" i="0" u="none" strike="noStrike" dirty="0">
+                          <a:solidFill>
+                            <a:srgbClr val="000000"/>
+                          </a:solidFill>
+                          <a:effectLst/>
+                          <a:latin typeface="宋体" panose="02010600030101010101" pitchFamily="2" charset="-122"/>
+                          <a:ea typeface="宋体" panose="02010600030101010101" pitchFamily="2" charset="-122"/>
+                        </a:rPr>
+                        <a:t>55</a:t>
+                      </a:r>
+                    </a:p>
+                  </a:txBody>
+                  <a:tcPr marL="9525" marR="9525" marT="9525" marB="0" anchor="ctr"/>
+                </a:tc>
+                <a:tc>
+                  <a:txBody>
+                    <a:bodyPr/>
+                    <a:lstStyle/>
+                    <a:p>
+                      <a:pPr algn="ctr" fontAlgn="ctr"/>
+                      <a:r>
+                        <a:rPr lang="en-US" altLang="zh-CN" sz="1400" b="1" i="0" u="none" strike="noStrike">
+                          <a:solidFill>
+                            <a:srgbClr val="000000"/>
+                          </a:solidFill>
+                          <a:effectLst/>
+                          <a:latin typeface="宋体" panose="02010600030101010101" pitchFamily="2" charset="-122"/>
+                          <a:ea typeface="宋体" panose="02010600030101010101" pitchFamily="2" charset="-122"/>
+                        </a:rPr>
+                        <a:t>18</a:t>
+                      </a:r>
+                    </a:p>
+                  </a:txBody>
+                  <a:tcPr marL="9525" marR="9525" marT="9525" marB="0" anchor="ctr"/>
+                </a:tc>
+                <a:tc>
+                  <a:txBody>
+                    <a:bodyPr/>
+                    <a:lstStyle/>
+                    <a:p>
+                      <a:pPr algn="ctr" fontAlgn="ctr"/>
+                      <a:r>
+                        <a:rPr lang="en-US" altLang="zh-CN" sz="1400" b="1" i="0" u="none" strike="noStrike" dirty="0">
+                          <a:solidFill>
+                            <a:srgbClr val="000000"/>
+                          </a:solidFill>
+                          <a:effectLst/>
+                          <a:latin typeface="宋体" panose="02010600030101010101" pitchFamily="2" charset="-122"/>
+                          <a:ea typeface="宋体" panose="02010600030101010101" pitchFamily="2" charset="-122"/>
+                        </a:rPr>
+                        <a:t>0</a:t>
+                      </a:r>
+                    </a:p>
+                  </a:txBody>
+                  <a:tcPr marL="9525" marR="9525" marT="9525" marB="0" anchor="ctr"/>
+                </a:tc>
+                <a:tc>
+                  <a:txBody>
+                    <a:bodyPr/>
+                    <a:lstStyle/>
+                    <a:p>
+                      <a:pPr algn="ctr" fontAlgn="ctr"/>
+                      <a:r>
+                        <a:rPr lang="en-US" altLang="zh-CN" sz="1400" b="1" i="0" u="none" strike="noStrike">
+                          <a:solidFill>
+                            <a:srgbClr val="000000"/>
+                          </a:solidFill>
+                          <a:effectLst/>
+                          <a:latin typeface="宋体" panose="02010600030101010101" pitchFamily="2" charset="-122"/>
+                          <a:ea typeface="宋体" panose="02010600030101010101" pitchFamily="2" charset="-122"/>
+                        </a:rPr>
+                        <a:t>504</a:t>
+                      </a:r>
+                    </a:p>
+                  </a:txBody>
+                  <a:tcPr marL="9525" marR="9525" marT="9525" marB="0" anchor="ctr"/>
+                </a:tc>
+              </a:tr>
+              <a:tr h="325616">
+                <a:tc>
+                  <a:txBody>
+                    <a:bodyPr/>
+                    <a:lstStyle/>
+                    <a:p>
+                      <a:pPr algn="ctr" fontAlgn="ctr"/>
+                      <a:r>
+                        <a:rPr lang="en-US" altLang="zh-CN" sz="1400" b="1" i="0" u="none" strike="noStrike" dirty="0">
+                          <a:solidFill>
+                            <a:srgbClr val="000000"/>
+                          </a:solidFill>
+                          <a:effectLst/>
+                          <a:latin typeface="宋体" panose="02010600030101010101" pitchFamily="2" charset="-122"/>
+                          <a:ea typeface="宋体" panose="02010600030101010101" pitchFamily="2" charset="-122"/>
+                        </a:rPr>
+                        <a:t>48</a:t>
+                      </a:r>
+                    </a:p>
+                  </a:txBody>
+                  <a:tcPr marL="9525" marR="9525" marT="9525" marB="0" anchor="ctr"/>
+                </a:tc>
+                <a:tc>
+                  <a:txBody>
+                    <a:bodyPr/>
+                    <a:lstStyle/>
+                    <a:p>
+                      <a:pPr algn="ctr" fontAlgn="ctr"/>
+                      <a:r>
+                        <a:rPr lang="en-US" altLang="zh-CN" sz="1400" b="1" i="0" u="none" strike="noStrike" dirty="0">
+                          <a:solidFill>
+                            <a:srgbClr val="000000"/>
+                          </a:solidFill>
+                          <a:effectLst/>
+                          <a:latin typeface="宋体" panose="02010600030101010101" pitchFamily="2" charset="-122"/>
+                          <a:ea typeface="宋体" panose="02010600030101010101" pitchFamily="2" charset="-122"/>
+                        </a:rPr>
+                        <a:t>17</a:t>
+                      </a:r>
+                    </a:p>
+                  </a:txBody>
+                  <a:tcPr marL="9525" marR="9525" marT="9525" marB="0" anchor="ctr"/>
+                </a:tc>
+                <a:tc>
+                  <a:txBody>
+                    <a:bodyPr/>
+                    <a:lstStyle/>
+                    <a:p>
+                      <a:pPr algn="ctr" fontAlgn="ctr"/>
+                      <a:r>
+                        <a:rPr lang="en-US" altLang="zh-CN" sz="1400" b="1" i="0" u="none" strike="noStrike" dirty="0">
+                          <a:solidFill>
+                            <a:srgbClr val="000000"/>
+                          </a:solidFill>
+                          <a:effectLst/>
+                          <a:latin typeface="宋体" panose="02010600030101010101" pitchFamily="2" charset="-122"/>
+                          <a:ea typeface="宋体" panose="02010600030101010101" pitchFamily="2" charset="-122"/>
+                        </a:rPr>
+                        <a:t>48</a:t>
+                      </a:r>
+                    </a:p>
+                  </a:txBody>
+                  <a:tcPr marL="9525" marR="9525" marT="9525" marB="0" anchor="ctr"/>
+                </a:tc>
+                <a:tc>
+                  <a:txBody>
+                    <a:bodyPr/>
+                    <a:lstStyle/>
+                    <a:p>
+                      <a:pPr algn="ctr" fontAlgn="ctr"/>
+                      <a:r>
+                        <a:rPr lang="en-US" altLang="zh-CN" sz="1400" b="1" i="0" u="none" strike="noStrike">
+                          <a:solidFill>
+                            <a:srgbClr val="000000"/>
+                          </a:solidFill>
+                          <a:effectLst/>
+                          <a:latin typeface="宋体" panose="02010600030101010101" pitchFamily="2" charset="-122"/>
+                          <a:ea typeface="宋体" panose="02010600030101010101" pitchFamily="2" charset="-122"/>
+                        </a:rPr>
+                        <a:t>442.8985</a:t>
+                      </a:r>
+                    </a:p>
+                  </a:txBody>
+                  <a:tcPr marL="9525" marR="9525" marT="9525" marB="0" anchor="ctr"/>
+                </a:tc>
+              </a:tr>
+              <a:tr h="325616">
+                <a:tc>
+                  <a:txBody>
+                    <a:bodyPr/>
+                    <a:lstStyle/>
+                    <a:p>
+                      <a:pPr algn="ctr" fontAlgn="ctr"/>
+                      <a:r>
+                        <a:rPr lang="en-US" altLang="zh-CN" sz="1400" b="1" i="0" u="none" strike="noStrike" dirty="0">
+                          <a:solidFill>
+                            <a:srgbClr val="000000"/>
+                          </a:solidFill>
+                          <a:effectLst/>
+                          <a:latin typeface="宋体" panose="02010600030101010101" pitchFamily="2" charset="-122"/>
+                          <a:ea typeface="宋体" panose="02010600030101010101" pitchFamily="2" charset="-122"/>
+                        </a:rPr>
+                        <a:t>25</a:t>
+                      </a:r>
+                    </a:p>
+                  </a:txBody>
+                  <a:tcPr marL="9525" marR="9525" marT="9525" marB="0" anchor="ctr"/>
+                </a:tc>
+                <a:tc>
+                  <a:txBody>
+                    <a:bodyPr/>
+                    <a:lstStyle/>
+                    <a:p>
+                      <a:pPr algn="ctr" fontAlgn="ctr"/>
+                      <a:r>
+                        <a:rPr lang="en-US" altLang="zh-CN" sz="1400" b="1" i="0" u="none" strike="noStrike" dirty="0">
+                          <a:solidFill>
+                            <a:srgbClr val="000000"/>
+                          </a:solidFill>
+                          <a:effectLst/>
+                          <a:latin typeface="宋体" panose="02010600030101010101" pitchFamily="2" charset="-122"/>
+                          <a:ea typeface="宋体" panose="02010600030101010101" pitchFamily="2" charset="-122"/>
+                        </a:rPr>
+                        <a:t>16</a:t>
+                      </a:r>
+                    </a:p>
+                  </a:txBody>
+                  <a:tcPr marL="9525" marR="9525" marT="9525" marB="0" anchor="ctr"/>
+                </a:tc>
+                <a:tc>
+                  <a:txBody>
+                    <a:bodyPr/>
+                    <a:lstStyle/>
+                    <a:p>
+                      <a:pPr algn="ctr" fontAlgn="ctr"/>
+                      <a:r>
+                        <a:rPr lang="en-US" altLang="zh-CN" sz="1400" b="1" i="0" u="none" strike="noStrike" dirty="0">
+                          <a:solidFill>
+                            <a:srgbClr val="000000"/>
+                          </a:solidFill>
+                          <a:effectLst/>
+                          <a:latin typeface="宋体" panose="02010600030101010101" pitchFamily="2" charset="-122"/>
+                          <a:ea typeface="宋体" panose="02010600030101010101" pitchFamily="2" charset="-122"/>
+                        </a:rPr>
+                        <a:t>55</a:t>
+                      </a:r>
+                    </a:p>
+                  </a:txBody>
+                  <a:tcPr marL="9525" marR="9525" marT="9525" marB="0" anchor="ctr"/>
+                </a:tc>
+                <a:tc>
+                  <a:txBody>
+                    <a:bodyPr/>
+                    <a:lstStyle/>
+                    <a:p>
+                      <a:pPr algn="ctr" fontAlgn="ctr"/>
+                      <a:r>
+                        <a:rPr lang="en-US" altLang="zh-CN" sz="1400" b="1" i="0" u="none" strike="noStrike">
+                          <a:solidFill>
+                            <a:srgbClr val="000000"/>
+                          </a:solidFill>
+                          <a:effectLst/>
+                          <a:latin typeface="宋体" panose="02010600030101010101" pitchFamily="2" charset="-122"/>
+                          <a:ea typeface="宋体" panose="02010600030101010101" pitchFamily="2" charset="-122"/>
+                        </a:rPr>
+                        <a:t>415.7867</a:t>
+                      </a:r>
+                    </a:p>
+                  </a:txBody>
+                  <a:tcPr marL="9525" marR="9525" marT="9525" marB="0" anchor="ctr"/>
+                </a:tc>
+              </a:tr>
+              <a:tr h="325616">
+                <a:tc>
+                  <a:txBody>
+                    <a:bodyPr/>
+                    <a:lstStyle/>
+                    <a:p>
+                      <a:pPr algn="ctr" fontAlgn="ctr"/>
+                      <a:r>
+                        <a:rPr lang="en-US" altLang="zh-CN" sz="1400" b="1" i="0" u="none" strike="noStrike">
+                          <a:solidFill>
+                            <a:srgbClr val="000000"/>
+                          </a:solidFill>
+                          <a:effectLst/>
+                          <a:latin typeface="宋体" panose="02010600030101010101" pitchFamily="2" charset="-122"/>
+                          <a:ea typeface="宋体" panose="02010600030101010101" pitchFamily="2" charset="-122"/>
+                        </a:rPr>
+                        <a:t>27</a:t>
+                      </a:r>
+                    </a:p>
+                  </a:txBody>
+                  <a:tcPr marL="9525" marR="9525" marT="9525" marB="0" anchor="ctr"/>
+                </a:tc>
+                <a:tc>
+                  <a:txBody>
+                    <a:bodyPr/>
+                    <a:lstStyle/>
+                    <a:p>
+                      <a:pPr algn="ctr" fontAlgn="ctr"/>
+                      <a:r>
+                        <a:rPr lang="en-US" altLang="zh-CN" sz="1400" b="1" i="0" u="none" strike="noStrike" dirty="0">
+                          <a:solidFill>
+                            <a:srgbClr val="000000"/>
+                          </a:solidFill>
+                          <a:effectLst/>
+                          <a:latin typeface="宋体" panose="02010600030101010101" pitchFamily="2" charset="-122"/>
+                          <a:ea typeface="宋体" panose="02010600030101010101" pitchFamily="2" charset="-122"/>
+                        </a:rPr>
+                        <a:t>15</a:t>
+                      </a:r>
+                    </a:p>
+                  </a:txBody>
+                  <a:tcPr marL="9525" marR="9525" marT="9525" marB="0" anchor="ctr"/>
+                </a:tc>
+                <a:tc>
+                  <a:txBody>
+                    <a:bodyPr/>
+                    <a:lstStyle/>
+                    <a:p>
+                      <a:pPr algn="ctr" fontAlgn="ctr"/>
+                      <a:r>
+                        <a:rPr lang="en-US" altLang="zh-CN" sz="1400" b="1" i="0" u="none" strike="noStrike" dirty="0">
+                          <a:solidFill>
+                            <a:srgbClr val="000000"/>
+                          </a:solidFill>
+                          <a:effectLst/>
+                          <a:latin typeface="宋体" panose="02010600030101010101" pitchFamily="2" charset="-122"/>
+                          <a:ea typeface="宋体" panose="02010600030101010101" pitchFamily="2" charset="-122"/>
+                        </a:rPr>
+                        <a:t>23</a:t>
+                      </a:r>
+                    </a:p>
+                  </a:txBody>
+                  <a:tcPr marL="9525" marR="9525" marT="9525" marB="0" anchor="ctr"/>
+                </a:tc>
+                <a:tc>
+                  <a:txBody>
+                    <a:bodyPr/>
+                    <a:lstStyle/>
+                    <a:p>
+                      <a:pPr algn="ctr" fontAlgn="ctr"/>
+                      <a:r>
+                        <a:rPr lang="en-US" altLang="zh-CN" sz="1400" b="1" i="0" u="none" strike="noStrike" dirty="0">
+                          <a:solidFill>
+                            <a:srgbClr val="000000"/>
+                          </a:solidFill>
+                          <a:effectLst/>
+                          <a:latin typeface="宋体" panose="02010600030101010101" pitchFamily="2" charset="-122"/>
+                          <a:ea typeface="宋体" panose="02010600030101010101" pitchFamily="2" charset="-122"/>
+                        </a:rPr>
+                        <a:t>369.1219</a:t>
+                      </a:r>
+                    </a:p>
+                  </a:txBody>
+                  <a:tcPr marL="9525" marR="9525" marT="9525" marB="0" anchor="ctr"/>
+                </a:tc>
+              </a:tr>
+              <a:tr h="325616">
+                <a:tc>
+                  <a:txBody>
+                    <a:bodyPr/>
+                    <a:lstStyle/>
+                    <a:p>
+                      <a:pPr algn="ctr" fontAlgn="ctr"/>
+                      <a:r>
+                        <a:rPr lang="en-US" altLang="zh-CN" sz="1400" b="1" i="0" u="none" strike="noStrike">
+                          <a:solidFill>
+                            <a:srgbClr val="000000"/>
+                          </a:solidFill>
+                          <a:effectLst/>
+                          <a:latin typeface="宋体" panose="02010600030101010101" pitchFamily="2" charset="-122"/>
+                          <a:ea typeface="宋体" panose="02010600030101010101" pitchFamily="2" charset="-122"/>
+                        </a:rPr>
+                        <a:t>23</a:t>
+                      </a:r>
+                    </a:p>
+                  </a:txBody>
+                  <a:tcPr marL="9525" marR="9525" marT="9525" marB="0" anchor="ctr"/>
+                </a:tc>
+                <a:tc>
+                  <a:txBody>
+                    <a:bodyPr/>
+                    <a:lstStyle/>
+                    <a:p>
+                      <a:pPr algn="ctr" fontAlgn="ctr"/>
+                      <a:r>
+                        <a:rPr lang="en-US" altLang="zh-CN" sz="1400" b="1" i="0" u="none" strike="noStrike" dirty="0">
+                          <a:solidFill>
+                            <a:srgbClr val="000000"/>
+                          </a:solidFill>
+                          <a:effectLst/>
+                          <a:latin typeface="宋体" panose="02010600030101010101" pitchFamily="2" charset="-122"/>
+                          <a:ea typeface="宋体" panose="02010600030101010101" pitchFamily="2" charset="-122"/>
+                        </a:rPr>
+                        <a:t>15</a:t>
+                      </a:r>
+                    </a:p>
+                  </a:txBody>
+                  <a:tcPr marL="9525" marR="9525" marT="9525" marB="0" anchor="ctr"/>
+                </a:tc>
+                <a:tc>
+                  <a:txBody>
+                    <a:bodyPr/>
+                    <a:lstStyle/>
+                    <a:p>
+                      <a:pPr algn="ctr" fontAlgn="ctr"/>
+                      <a:r>
+                        <a:rPr lang="en-US" altLang="zh-CN" sz="1400" b="1" i="0" u="none" strike="noStrike" dirty="0">
+                          <a:solidFill>
+                            <a:srgbClr val="000000"/>
+                          </a:solidFill>
+                          <a:effectLst/>
+                          <a:latin typeface="宋体" panose="02010600030101010101" pitchFamily="2" charset="-122"/>
+                          <a:ea typeface="宋体" panose="02010600030101010101" pitchFamily="2" charset="-122"/>
+                        </a:rPr>
+                        <a:t>25</a:t>
+                      </a:r>
+                    </a:p>
+                  </a:txBody>
+                  <a:tcPr marL="9525" marR="9525" marT="9525" marB="0" anchor="ctr"/>
+                </a:tc>
+                <a:tc>
+                  <a:txBody>
+                    <a:bodyPr/>
+                    <a:lstStyle/>
+                    <a:p>
+                      <a:pPr algn="ctr" fontAlgn="ctr"/>
+                      <a:r>
+                        <a:rPr lang="en-US" altLang="zh-CN" sz="1400" b="1" i="0" u="none" strike="noStrike" dirty="0">
+                          <a:solidFill>
+                            <a:srgbClr val="000000"/>
+                          </a:solidFill>
+                          <a:effectLst/>
+                          <a:latin typeface="宋体" panose="02010600030101010101" pitchFamily="2" charset="-122"/>
+                          <a:ea typeface="宋体" panose="02010600030101010101" pitchFamily="2" charset="-122"/>
+                        </a:rPr>
+                        <a:t>245.2411</a:t>
+                      </a:r>
+                    </a:p>
+                  </a:txBody>
+                  <a:tcPr marL="9525" marR="9525" marT="9525" marB="0" anchor="ctr"/>
+                </a:tc>
+              </a:tr>
+              <a:tr h="325616">
+                <a:tc>
+                  <a:txBody>
+                    <a:bodyPr/>
+                    <a:lstStyle/>
+                    <a:p>
+                      <a:pPr algn="ctr" fontAlgn="ctr"/>
+                      <a:r>
+                        <a:rPr lang="en-US" altLang="zh-CN" sz="1400" b="1" i="0" u="none" strike="noStrike">
+                          <a:solidFill>
+                            <a:srgbClr val="000000"/>
+                          </a:solidFill>
+                          <a:effectLst/>
+                          <a:latin typeface="宋体" panose="02010600030101010101" pitchFamily="2" charset="-122"/>
+                          <a:ea typeface="宋体" panose="02010600030101010101" pitchFamily="2" charset="-122"/>
+                        </a:rPr>
+                        <a:t>64</a:t>
+                      </a:r>
+                    </a:p>
+                  </a:txBody>
+                  <a:tcPr marL="9525" marR="9525" marT="9525" marB="0" anchor="ctr"/>
+                </a:tc>
+                <a:tc>
+                  <a:txBody>
+                    <a:bodyPr/>
+                    <a:lstStyle/>
+                    <a:p>
+                      <a:pPr algn="ctr" fontAlgn="ctr"/>
+                      <a:r>
+                        <a:rPr lang="en-US" altLang="zh-CN" sz="1400" b="1" i="0" u="none" strike="noStrike" dirty="0">
+                          <a:solidFill>
+                            <a:srgbClr val="000000"/>
+                          </a:solidFill>
+                          <a:effectLst/>
+                          <a:latin typeface="宋体" panose="02010600030101010101" pitchFamily="2" charset="-122"/>
+                          <a:ea typeface="宋体" panose="02010600030101010101" pitchFamily="2" charset="-122"/>
+                        </a:rPr>
+                        <a:t>12</a:t>
+                      </a:r>
+                    </a:p>
+                  </a:txBody>
+                  <a:tcPr marL="9525" marR="9525" marT="9525" marB="0" anchor="ctr"/>
+                </a:tc>
+                <a:tc>
+                  <a:txBody>
+                    <a:bodyPr/>
+                    <a:lstStyle/>
+                    <a:p>
+                      <a:pPr algn="ctr" fontAlgn="ctr"/>
+                      <a:r>
+                        <a:rPr lang="en-US" altLang="zh-CN" sz="1400" b="1" i="0" u="none" strike="noStrike" dirty="0">
+                          <a:solidFill>
+                            <a:srgbClr val="000000"/>
+                          </a:solidFill>
+                          <a:effectLst/>
+                          <a:latin typeface="宋体" panose="02010600030101010101" pitchFamily="2" charset="-122"/>
+                          <a:ea typeface="宋体" panose="02010600030101010101" pitchFamily="2" charset="-122"/>
+                        </a:rPr>
+                        <a:t>27</a:t>
+                      </a:r>
+                    </a:p>
+                  </a:txBody>
+                  <a:tcPr marL="9525" marR="9525" marT="9525" marB="0" anchor="ctr"/>
+                </a:tc>
+                <a:tc>
+                  <a:txBody>
+                    <a:bodyPr/>
+                    <a:lstStyle/>
+                    <a:p>
+                      <a:pPr algn="ctr" fontAlgn="ctr"/>
+                      <a:r>
+                        <a:rPr lang="en-US" altLang="zh-CN" sz="1400" b="1" i="0" u="none" strike="noStrike" dirty="0">
+                          <a:solidFill>
+                            <a:srgbClr val="000000"/>
+                          </a:solidFill>
+                          <a:effectLst/>
+                          <a:latin typeface="宋体" panose="02010600030101010101" pitchFamily="2" charset="-122"/>
+                          <a:ea typeface="宋体" panose="02010600030101010101" pitchFamily="2" charset="-122"/>
+                        </a:rPr>
+                        <a:t>137.4219</a:t>
+                      </a:r>
+                    </a:p>
+                  </a:txBody>
+                  <a:tcPr marL="9525" marR="9525" marT="9525" marB="0" anchor="ctr"/>
+                </a:tc>
+              </a:tr>
+              <a:tr h="325616">
+                <a:tc>
+                  <a:txBody>
+                    <a:bodyPr/>
+                    <a:lstStyle/>
+                    <a:p>
+                      <a:pPr algn="ctr" fontAlgn="ctr"/>
+                      <a:r>
+                        <a:rPr lang="en-US" altLang="zh-CN" sz="1400" b="1" i="0" u="none" strike="noStrike">
+                          <a:solidFill>
+                            <a:srgbClr val="000000"/>
+                          </a:solidFill>
+                          <a:effectLst/>
+                          <a:latin typeface="宋体" panose="02010600030101010101" pitchFamily="2" charset="-122"/>
+                          <a:ea typeface="宋体" panose="02010600030101010101" pitchFamily="2" charset="-122"/>
+                        </a:rPr>
+                        <a:t>58</a:t>
+                      </a:r>
+                    </a:p>
+                  </a:txBody>
+                  <a:tcPr marL="9525" marR="9525" marT="9525" marB="0" anchor="ctr"/>
+                </a:tc>
+                <a:tc>
+                  <a:txBody>
+                    <a:bodyPr/>
+                    <a:lstStyle/>
+                    <a:p>
+                      <a:pPr algn="ctr" fontAlgn="ctr"/>
+                      <a:r>
+                        <a:rPr lang="en-US" altLang="zh-CN" sz="1400" b="1" i="0" u="none" strike="noStrike" dirty="0">
+                          <a:solidFill>
+                            <a:srgbClr val="000000"/>
+                          </a:solidFill>
+                          <a:effectLst/>
+                          <a:latin typeface="宋体" panose="02010600030101010101" pitchFamily="2" charset="-122"/>
+                          <a:ea typeface="宋体" panose="02010600030101010101" pitchFamily="2" charset="-122"/>
+                        </a:rPr>
+                        <a:t>12</a:t>
+                      </a:r>
+                    </a:p>
+                  </a:txBody>
+                  <a:tcPr marL="9525" marR="9525" marT="9525" marB="0" anchor="ctr"/>
+                </a:tc>
+                <a:tc>
+                  <a:txBody>
+                    <a:bodyPr/>
+                    <a:lstStyle/>
+                    <a:p>
+                      <a:pPr algn="ctr" fontAlgn="ctr"/>
+                      <a:r>
+                        <a:rPr lang="en-US" altLang="zh-CN" sz="1400" b="1" i="0" u="none" strike="noStrike" dirty="0">
+                          <a:solidFill>
+                            <a:srgbClr val="000000"/>
+                          </a:solidFill>
+                          <a:effectLst/>
+                          <a:latin typeface="宋体" panose="02010600030101010101" pitchFamily="2" charset="-122"/>
+                          <a:ea typeface="宋体" panose="02010600030101010101" pitchFamily="2" charset="-122"/>
+                        </a:rPr>
+                        <a:t>51</a:t>
+                      </a:r>
+                    </a:p>
+                  </a:txBody>
+                  <a:tcPr marL="9525" marR="9525" marT="9525" marB="0" anchor="ctr"/>
+                </a:tc>
+                <a:tc>
+                  <a:txBody>
+                    <a:bodyPr/>
+                    <a:lstStyle/>
+                    <a:p>
+                      <a:pPr algn="ctr" fontAlgn="ctr"/>
+                      <a:r>
+                        <a:rPr lang="en-US" altLang="zh-CN" sz="1400" b="1" i="0" u="none" strike="noStrike" dirty="0">
+                          <a:solidFill>
+                            <a:srgbClr val="000000"/>
+                          </a:solidFill>
+                          <a:effectLst/>
+                          <a:latin typeface="宋体" panose="02010600030101010101" pitchFamily="2" charset="-122"/>
+                          <a:ea typeface="宋体" panose="02010600030101010101" pitchFamily="2" charset="-122"/>
+                        </a:rPr>
+                        <a:t>136.0216</a:t>
+                      </a:r>
+                    </a:p>
+                  </a:txBody>
+                  <a:tcPr marL="9525" marR="9525" marT="9525" marB="0" anchor="ctr"/>
+                </a:tc>
+              </a:tr>
+              <a:tr h="325616">
+                <a:tc>
+                  <a:txBody>
+                    <a:bodyPr/>
+                    <a:lstStyle/>
+                    <a:p>
+                      <a:pPr algn="ctr" fontAlgn="ctr"/>
+                      <a:r>
+                        <a:rPr lang="en-US" altLang="zh-CN" sz="1400" b="1" i="0" u="none" strike="noStrike">
+                          <a:solidFill>
+                            <a:srgbClr val="000000"/>
+                          </a:solidFill>
+                          <a:effectLst/>
+                          <a:latin typeface="宋体" panose="02010600030101010101" pitchFamily="2" charset="-122"/>
+                          <a:ea typeface="宋体" panose="02010600030101010101" pitchFamily="2" charset="-122"/>
+                        </a:rPr>
+                        <a:t>61</a:t>
+                      </a:r>
+                    </a:p>
+                  </a:txBody>
+                  <a:tcPr marL="9525" marR="9525" marT="9525" marB="0" anchor="ctr"/>
+                </a:tc>
+                <a:tc>
+                  <a:txBody>
+                    <a:bodyPr/>
+                    <a:lstStyle/>
+                    <a:p>
+                      <a:pPr algn="ctr" fontAlgn="ctr"/>
+                      <a:r>
+                        <a:rPr lang="en-US" altLang="zh-CN" sz="1400" b="1" i="0" u="none" strike="noStrike" dirty="0">
+                          <a:solidFill>
+                            <a:srgbClr val="000000"/>
+                          </a:solidFill>
+                          <a:effectLst/>
+                          <a:latin typeface="宋体" panose="02010600030101010101" pitchFamily="2" charset="-122"/>
+                          <a:ea typeface="宋体" panose="02010600030101010101" pitchFamily="2" charset="-122"/>
+                        </a:rPr>
+                        <a:t>11</a:t>
+                      </a:r>
+                    </a:p>
+                  </a:txBody>
+                  <a:tcPr marL="9525" marR="9525" marT="9525" marB="0" anchor="ctr"/>
+                </a:tc>
+                <a:tc>
+                  <a:txBody>
+                    <a:bodyPr/>
+                    <a:lstStyle/>
+                    <a:p>
+                      <a:pPr algn="ctr" fontAlgn="ctr"/>
+                      <a:r>
+                        <a:rPr lang="en-US" altLang="zh-CN" sz="1400" b="1" i="0" u="none" strike="noStrike">
+                          <a:solidFill>
+                            <a:srgbClr val="000000"/>
+                          </a:solidFill>
+                          <a:effectLst/>
+                          <a:latin typeface="宋体" panose="02010600030101010101" pitchFamily="2" charset="-122"/>
+                          <a:ea typeface="宋体" panose="02010600030101010101" pitchFamily="2" charset="-122"/>
+                        </a:rPr>
+                        <a:t>16</a:t>
+                      </a:r>
+                    </a:p>
+                  </a:txBody>
+                  <a:tcPr marL="9525" marR="9525" marT="9525" marB="0" anchor="ctr"/>
+                </a:tc>
+                <a:tc>
+                  <a:txBody>
+                    <a:bodyPr/>
+                    <a:lstStyle/>
+                    <a:p>
+                      <a:pPr algn="ctr" fontAlgn="ctr"/>
+                      <a:r>
+                        <a:rPr lang="en-US" altLang="zh-CN" sz="1400" b="1" i="0" u="none" strike="noStrike" dirty="0">
+                          <a:solidFill>
+                            <a:srgbClr val="000000"/>
+                          </a:solidFill>
+                          <a:effectLst/>
+                          <a:latin typeface="宋体" panose="02010600030101010101" pitchFamily="2" charset="-122"/>
+                          <a:ea typeface="宋体" panose="02010600030101010101" pitchFamily="2" charset="-122"/>
+                        </a:rPr>
+                        <a:t>118.5304</a:t>
+                      </a:r>
+                    </a:p>
+                  </a:txBody>
+                  <a:tcPr marL="9525" marR="9525" marT="9525" marB="0" anchor="ctr"/>
+                </a:tc>
+              </a:tr>
+              <a:tr h="325616">
+                <a:tc>
+                  <a:txBody>
+                    <a:bodyPr/>
+                    <a:lstStyle/>
+                    <a:p>
+                      <a:pPr algn="ctr" fontAlgn="ctr"/>
+                      <a:r>
+                        <a:rPr lang="en-US" altLang="zh-CN" sz="1400" b="1" i="0" u="none" strike="noStrike" dirty="0">
+                          <a:solidFill>
+                            <a:srgbClr val="000000"/>
+                          </a:solidFill>
+                          <a:effectLst/>
+                          <a:latin typeface="宋体" panose="02010600030101010101" pitchFamily="2" charset="-122"/>
+                          <a:ea typeface="宋体" panose="02010600030101010101" pitchFamily="2" charset="-122"/>
+                        </a:rPr>
+                        <a:t>62</a:t>
+                      </a:r>
+                    </a:p>
+                  </a:txBody>
+                  <a:tcPr marL="9525" marR="9525" marT="9525" marB="0" anchor="ctr"/>
+                </a:tc>
+                <a:tc>
+                  <a:txBody>
+                    <a:bodyPr/>
+                    <a:lstStyle/>
+                    <a:p>
+                      <a:pPr algn="ctr" fontAlgn="ctr"/>
+                      <a:r>
+                        <a:rPr lang="en-US" altLang="zh-CN" sz="1400" b="1" i="0" u="none" strike="noStrike" dirty="0">
+                          <a:solidFill>
+                            <a:srgbClr val="000000"/>
+                          </a:solidFill>
+                          <a:effectLst/>
+                          <a:latin typeface="宋体" panose="02010600030101010101" pitchFamily="2" charset="-122"/>
+                          <a:ea typeface="宋体" panose="02010600030101010101" pitchFamily="2" charset="-122"/>
+                        </a:rPr>
+                        <a:t>11</a:t>
+                      </a:r>
+                    </a:p>
+                  </a:txBody>
+                  <a:tcPr marL="9525" marR="9525" marT="9525" marB="0" anchor="ctr"/>
+                </a:tc>
+                <a:tc>
+                  <a:txBody>
+                    <a:bodyPr/>
+                    <a:lstStyle/>
+                    <a:p>
+                      <a:pPr algn="ctr" fontAlgn="ctr"/>
+                      <a:r>
+                        <a:rPr lang="en-US" altLang="zh-CN" sz="1400" b="1" i="0" u="none" strike="noStrike" dirty="0">
+                          <a:solidFill>
+                            <a:srgbClr val="000000"/>
+                          </a:solidFill>
+                          <a:effectLst/>
+                          <a:latin typeface="宋体" panose="02010600030101010101" pitchFamily="2" charset="-122"/>
+                          <a:ea typeface="宋体" panose="02010600030101010101" pitchFamily="2" charset="-122"/>
+                        </a:rPr>
+                        <a:t>64</a:t>
+                      </a:r>
+                    </a:p>
+                  </a:txBody>
+                  <a:tcPr marL="9525" marR="9525" marT="9525" marB="0" anchor="ctr"/>
+                </a:tc>
+                <a:tc>
+                  <a:txBody>
+                    <a:bodyPr/>
+                    <a:lstStyle/>
+                    <a:p>
+                      <a:pPr algn="ctr" fontAlgn="ctr"/>
+                      <a:r>
+                        <a:rPr lang="en-US" altLang="zh-CN" sz="1400" b="1" i="0" u="none" strike="noStrike" dirty="0">
+                          <a:solidFill>
+                            <a:srgbClr val="000000"/>
+                          </a:solidFill>
+                          <a:effectLst/>
+                          <a:latin typeface="宋体" panose="02010600030101010101" pitchFamily="2" charset="-122"/>
+                          <a:ea typeface="宋体" panose="02010600030101010101" pitchFamily="2" charset="-122"/>
+                        </a:rPr>
+                        <a:t>115.9099</a:t>
+                      </a:r>
+                    </a:p>
+                  </a:txBody>
+                  <a:tcPr marL="9525" marR="9525" marT="9525" marB="0" anchor="ctr"/>
+                </a:tc>
+              </a:tr>
+            </a:tbl>
+          </a:graphicData>
+        </a:graphic>
+      </p:graphicFrame>
+    </p:spTree>
+    <p:extLst>
+      <p:ext uri="{BB962C8B-B14F-4D97-AF65-F5344CB8AC3E}">
+        <p14:creationId xmlns:p14="http://schemas.microsoft.com/office/powerpoint/2010/main" val="3451088155"/>
+      </p:ext>
+    </p:extLst>
+  </p:cSld>
+  <p:clrMapOvr>
+    <a:masterClrMapping/>
+  </p:clrMapOvr>
+  <p:timing>
+    <p:tnLst>
+      <p:par>
+        <p:cTn id="1" dur="indefinite" restart="never" nodeType="tmRoot"/>
+      </p:par>
+    </p:tnLst>
+  </p:timing>
+</p:sld>
+</file>
+
+<file path=ppt/slides/slide17.xml><?xml version="1.0" encoding="utf-8"?>
+<p:sld xmlns:a="http://schemas.openxmlformats.org/drawingml/2006/main" xmlns:r="http://schemas.openxmlformats.org/officeDocument/2006/relationships" xmlns:p="http://schemas.openxmlformats.org/presentationml/2006/main">
+  <p:cSld>
+    <p:spTree>
+      <p:nvGrpSpPr>
+        <p:cNvPr id="1" name=""/>
+        <p:cNvGrpSpPr/>
+        <p:nvPr/>
+      </p:nvGrpSpPr>
+      <p:grpSpPr>
+        <a:xfrm>
+          <a:off x="0" y="0"/>
+          <a:ext cx="0" cy="0"/>
+          <a:chOff x="0" y="0"/>
+          <a:chExt cx="0" cy="0"/>
+        </a:xfrm>
+      </p:grpSpPr>
+      <p:sp>
+        <p:nvSpPr>
+          <p:cNvPr id="2" name="标题 1"/>
+          <p:cNvSpPr>
+            <a:spLocks noGrp="1"/>
+          </p:cNvSpPr>
+          <p:nvPr>
+            <p:ph type="title"/>
+          </p:nvPr>
+        </p:nvSpPr>
+        <p:spPr/>
+        <p:txBody>
+          <a:bodyPr/>
+          <a:lstStyle/>
+          <a:p>
+            <a:endParaRPr kumimoji="1" lang="zh-CN" altLang="en-US" dirty="0"/>
+          </a:p>
+        </p:txBody>
+      </p:sp>
+      <p:pic>
+        <p:nvPicPr>
+          <p:cNvPr id="10" name="内容占位符 9"/>
+          <p:cNvPicPr>
+            <a:picLocks noGrp="1" noChangeAspect="1"/>
+          </p:cNvPicPr>
+          <p:nvPr>
+            <p:ph idx="1"/>
+          </p:nvPr>
+        </p:nvPicPr>
+        <p:blipFill>
+          <a:blip r:embed="rId3">
+            <a:extLst>
+              <a:ext uri="{28A0092B-C50C-407E-A947-70E740481C1C}">
+                <a14:useLocalDpi xmlns:a14="http://schemas.microsoft.com/office/drawing/2010/main" val="0"/>
+              </a:ext>
+            </a:extLst>
+          </a:blip>
+          <a:stretch>
+            <a:fillRect/>
+          </a:stretch>
+        </p:blipFill>
+        <p:spPr>
+          <a:xfrm>
+            <a:off x="726161" y="262465"/>
+            <a:ext cx="10703839" cy="6258372"/>
+          </a:xfrm>
+        </p:spPr>
+      </p:pic>
+      <p:pic>
+        <p:nvPicPr>
+          <p:cNvPr id="11" name="图片 10"/>
+          <p:cNvPicPr>
+            <a:picLocks noChangeAspect="1"/>
+          </p:cNvPicPr>
+          <p:nvPr/>
+        </p:nvPicPr>
+        <p:blipFill>
+          <a:blip r:embed="rId4"/>
+          <a:stretch>
+            <a:fillRect/>
+          </a:stretch>
+        </p:blipFill>
+        <p:spPr>
+          <a:xfrm>
+            <a:off x="95250" y="190500"/>
+            <a:ext cx="12001500" cy="6477000"/>
+          </a:xfrm>
+          <a:prstGeom prst="rect">
+            <a:avLst/>
+          </a:prstGeom>
+        </p:spPr>
+      </p:pic>
+    </p:spTree>
+    <p:extLst>
+      <p:ext uri="{BB962C8B-B14F-4D97-AF65-F5344CB8AC3E}">
+        <p14:creationId xmlns:p14="http://schemas.microsoft.com/office/powerpoint/2010/main" val="1370363372"/>
+      </p:ext>
+    </p:extLst>
+  </p:cSld>
+  <p:clrMapOvr>
+    <a:masterClrMapping/>
+  </p:clrMapOvr>
+  <p:timing>
+    <p:tnLst>
+      <p:par>
+        <p:cTn id="1" dur="indefinite" restart="never" nodeType="tmRoot"/>
+      </p:par>
+    </p:tnLst>
+  </p:timing>
+</p:sld>
+</file>
+
 <file path=ppt/slides/slide2.xml><?xml version="1.0" encoding="utf-8"?>
 <p:sld xmlns:a="http://schemas.openxmlformats.org/drawingml/2006/main" xmlns:r="http://schemas.openxmlformats.org/officeDocument/2006/relationships" xmlns:p="http://schemas.openxmlformats.org/presentationml/2006/main">
   <p:cSld>
@@ -7446,7 +12116,7 @@
       </p:sp>
       <p:pic>
         <p:nvPicPr>
-          <p:cNvPr id="5" name="内容占位符 4"/>
+          <p:cNvPr id="6" name="内容占位符 5"/>
           <p:cNvPicPr>
             <a:picLocks noGrp="1" noChangeAspect="1"/>
           </p:cNvPicPr>
@@ -7455,321 +12125,24 @@
           </p:nvPr>
         </p:nvPicPr>
         <p:blipFill>
-          <a:blip r:embed="rId2"/>
+          <a:blip r:embed="rId2">
+            <a:extLst>
+              <a:ext uri="{28A0092B-C50C-407E-A947-70E740481C1C}">
+                <a14:useLocalDpi xmlns:a14="http://schemas.microsoft.com/office/drawing/2010/main" val="0"/>
+              </a:ext>
+            </a:extLst>
+          </a:blip>
           <a:stretch>
             <a:fillRect/>
           </a:stretch>
         </p:blipFill>
         <p:spPr>
           <a:xfrm>
-            <a:off x="5271449" y="2104847"/>
-            <a:ext cx="6929596" cy="4753153"/>
+            <a:off x="1143897" y="756372"/>
+            <a:ext cx="9904205" cy="5345127"/>
           </a:xfrm>
-          <a:prstGeom prst="rect">
-            <a:avLst/>
-          </a:prstGeom>
         </p:spPr>
       </p:pic>
-      <p:pic>
-        <p:nvPicPr>
-          <p:cNvPr id="4" name="图片 3"/>
-          <p:cNvPicPr>
-            <a:picLocks noChangeAspect="1"/>
-          </p:cNvPicPr>
-          <p:nvPr/>
-        </p:nvPicPr>
-        <p:blipFill>
-          <a:blip r:embed="rId3"/>
-          <a:stretch>
-            <a:fillRect/>
-          </a:stretch>
-        </p:blipFill>
-        <p:spPr>
-          <a:xfrm>
-            <a:off x="0" y="489300"/>
-            <a:ext cx="7732544" cy="3231094"/>
-          </a:xfrm>
-          <a:prstGeom prst="rect">
-            <a:avLst/>
-          </a:prstGeom>
-        </p:spPr>
-      </p:pic>
-      <p:sp>
-        <p:nvSpPr>
-          <p:cNvPr id="7" name="右箭头 6"/>
-          <p:cNvSpPr/>
-          <p:nvPr/>
-        </p:nvSpPr>
-        <p:spPr>
-          <a:xfrm>
-            <a:off x="942535" y="4262511"/>
-            <a:ext cx="3798277" cy="1969477"/>
-          </a:xfrm>
-          <a:prstGeom prst="rightArrow">
-            <a:avLst/>
-          </a:prstGeom>
-        </p:spPr>
-        <p:style>
-          <a:lnRef idx="1">
-            <a:schemeClr val="accent2"/>
-          </a:lnRef>
-          <a:fillRef idx="2">
-            <a:schemeClr val="accent2"/>
-          </a:fillRef>
-          <a:effectRef idx="1">
-            <a:schemeClr val="accent2"/>
-          </a:effectRef>
-          <a:fontRef idx="minor">
-            <a:schemeClr val="dk1"/>
-          </a:fontRef>
-        </p:style>
-        <p:txBody>
-          <a:bodyPr rtlCol="0" anchor="ctr"/>
-          <a:lstStyle/>
-          <a:p>
-            <a:pPr algn="ctr"/>
-            <a:r>
-              <a:rPr kumimoji="1" lang="en-US" altLang="zh-CN" b="1" dirty="0">
-                <a:ln w="0"/>
-                <a:solidFill>
-                  <a:schemeClr val="tx1"/>
-                </a:solidFill>
-                <a:effectLst>
-                  <a:outerShdw blurRad="38100" dist="19050" dir="2700000" algn="tl" rotWithShape="0">
-                    <a:schemeClr val="dk1">
-                      <a:alpha val="40000"/>
-                    </a:schemeClr>
-                  </a:outerShdw>
-                </a:effectLst>
-              </a:rPr>
-              <a:t>Edge</a:t>
-            </a:r>
-            <a:r>
-              <a:rPr kumimoji="1" lang="zh-CN" altLang="en-US" b="1" dirty="0">
-                <a:ln w="0"/>
-                <a:solidFill>
-                  <a:schemeClr val="tx1"/>
-                </a:solidFill>
-                <a:effectLst>
-                  <a:outerShdw blurRad="38100" dist="19050" dir="2700000" algn="tl" rotWithShape="0">
-                    <a:schemeClr val="dk1">
-                      <a:alpha val="40000"/>
-                    </a:schemeClr>
-                  </a:outerShdw>
-                </a:effectLst>
-              </a:rPr>
-              <a:t> </a:t>
-            </a:r>
-            <a:r>
-              <a:rPr kumimoji="1" lang="en-US" altLang="zh-CN" b="1" dirty="0">
-                <a:ln w="0"/>
-                <a:solidFill>
-                  <a:schemeClr val="tx1"/>
-                </a:solidFill>
-                <a:effectLst>
-                  <a:outerShdw blurRad="38100" dist="19050" dir="2700000" algn="tl" rotWithShape="0">
-                    <a:schemeClr val="dk1">
-                      <a:alpha val="40000"/>
-                    </a:schemeClr>
-                  </a:outerShdw>
-                </a:effectLst>
-              </a:rPr>
-              <a:t>weight</a:t>
-            </a:r>
-            <a:r>
-              <a:rPr kumimoji="1" lang="zh-CN" altLang="en-US" b="1" dirty="0">
-                <a:ln w="0"/>
-                <a:solidFill>
-                  <a:schemeClr val="tx1"/>
-                </a:solidFill>
-                <a:effectLst>
-                  <a:outerShdw blurRad="38100" dist="19050" dir="2700000" algn="tl" rotWithShape="0">
-                    <a:schemeClr val="dk1">
-                      <a:alpha val="40000"/>
-                    </a:schemeClr>
-                  </a:outerShdw>
-                </a:effectLst>
-              </a:rPr>
-              <a:t> ∈</a:t>
-            </a:r>
-            <a:r>
-              <a:rPr kumimoji="1" lang="en-US" altLang="zh-CN" b="1" dirty="0" smtClean="0">
-                <a:ln w="0"/>
-                <a:solidFill>
-                  <a:schemeClr val="tx1"/>
-                </a:solidFill>
-                <a:effectLst>
-                  <a:outerShdw blurRad="38100" dist="19050" dir="2700000" algn="tl" rotWithShape="0">
-                    <a:schemeClr val="dk1">
-                      <a:alpha val="40000"/>
-                    </a:schemeClr>
-                  </a:outerShdw>
-                </a:effectLst>
-              </a:rPr>
-              <a:t>{2,3,4}</a:t>
-            </a:r>
-            <a:endParaRPr kumimoji="1" lang="zh-CN" altLang="en-US" b="1" dirty="0">
-              <a:ln w="0"/>
-              <a:solidFill>
-                <a:schemeClr val="tx1"/>
-              </a:solidFill>
-              <a:effectLst>
-                <a:outerShdw blurRad="38100" dist="19050" dir="2700000" algn="tl" rotWithShape="0">
-                  <a:schemeClr val="dk1">
-                    <a:alpha val="40000"/>
-                  </a:schemeClr>
-                </a:outerShdw>
-              </a:effectLst>
-            </a:endParaRPr>
-          </a:p>
-        </p:txBody>
-      </p:sp>
-      <p:sp>
-        <p:nvSpPr>
-          <p:cNvPr id="8" name="左箭头 7"/>
-          <p:cNvSpPr/>
-          <p:nvPr/>
-        </p:nvSpPr>
-        <p:spPr>
-          <a:xfrm>
-            <a:off x="7863086" y="240646"/>
-            <a:ext cx="3685736" cy="1617785"/>
-          </a:xfrm>
-          <a:prstGeom prst="leftArrow">
-            <a:avLst/>
-          </a:prstGeom>
-        </p:spPr>
-        <p:style>
-          <a:lnRef idx="1">
-            <a:schemeClr val="accent6"/>
-          </a:lnRef>
-          <a:fillRef idx="2">
-            <a:schemeClr val="accent6"/>
-          </a:fillRef>
-          <a:effectRef idx="1">
-            <a:schemeClr val="accent6"/>
-          </a:effectRef>
-          <a:fontRef idx="minor">
-            <a:schemeClr val="dk1"/>
-          </a:fontRef>
-        </p:style>
-        <p:txBody>
-          <a:bodyPr rtlCol="0" anchor="ctr"/>
-          <a:lstStyle/>
-          <a:p>
-            <a:pPr algn="ctr"/>
-            <a:r>
-              <a:rPr kumimoji="1" lang="en-US" altLang="zh-CN" b="1" dirty="0">
-                <a:ln w="0"/>
-                <a:solidFill>
-                  <a:schemeClr val="tx1"/>
-                </a:solidFill>
-                <a:effectLst>
-                  <a:outerShdw blurRad="38100" dist="19050" dir="2700000" algn="tl" rotWithShape="0">
-                    <a:schemeClr val="dk1">
-                      <a:alpha val="40000"/>
-                    </a:schemeClr>
-                  </a:outerShdw>
-                </a:effectLst>
-              </a:rPr>
-              <a:t>Edge</a:t>
-            </a:r>
-            <a:r>
-              <a:rPr kumimoji="1" lang="zh-CN" altLang="en-US" b="1" dirty="0">
-                <a:ln w="0"/>
-                <a:solidFill>
-                  <a:schemeClr val="tx1"/>
-                </a:solidFill>
-                <a:effectLst>
-                  <a:outerShdw blurRad="38100" dist="19050" dir="2700000" algn="tl" rotWithShape="0">
-                    <a:schemeClr val="dk1">
-                      <a:alpha val="40000"/>
-                    </a:schemeClr>
-                  </a:outerShdw>
-                </a:effectLst>
-              </a:rPr>
-              <a:t> </a:t>
-            </a:r>
-            <a:r>
-              <a:rPr kumimoji="1" lang="en-US" altLang="zh-CN" b="1" dirty="0">
-                <a:ln w="0"/>
-                <a:solidFill>
-                  <a:schemeClr val="tx1"/>
-                </a:solidFill>
-                <a:effectLst>
-                  <a:outerShdw blurRad="38100" dist="19050" dir="2700000" algn="tl" rotWithShape="0">
-                    <a:schemeClr val="dk1">
-                      <a:alpha val="40000"/>
-                    </a:schemeClr>
-                  </a:outerShdw>
-                </a:effectLst>
-              </a:rPr>
-              <a:t>weight</a:t>
-            </a:r>
-            <a:r>
-              <a:rPr kumimoji="1" lang="zh-CN" altLang="en-US" b="1" dirty="0">
-                <a:ln w="0"/>
-                <a:solidFill>
-                  <a:schemeClr val="tx1"/>
-                </a:solidFill>
-                <a:effectLst>
-                  <a:outerShdw blurRad="38100" dist="19050" dir="2700000" algn="tl" rotWithShape="0">
-                    <a:schemeClr val="dk1">
-                      <a:alpha val="40000"/>
-                    </a:schemeClr>
-                  </a:outerShdw>
-                </a:effectLst>
-              </a:rPr>
-              <a:t> ∈</a:t>
-            </a:r>
-            <a:r>
-              <a:rPr kumimoji="1" lang="en-US" altLang="zh-CN" b="1" dirty="0">
-                <a:ln w="0"/>
-                <a:solidFill>
-                  <a:schemeClr val="tx1"/>
-                </a:solidFill>
-                <a:effectLst>
-                  <a:outerShdw blurRad="38100" dist="19050" dir="2700000" algn="tl" rotWithShape="0">
-                    <a:schemeClr val="dk1">
-                      <a:alpha val="40000"/>
-                    </a:schemeClr>
-                  </a:outerShdw>
-                </a:effectLst>
-              </a:rPr>
-              <a:t>{3,4</a:t>
-            </a:r>
-            <a:r>
-              <a:rPr kumimoji="1" lang="en-US" altLang="zh-CN" b="1" dirty="0" smtClean="0">
-                <a:ln w="0"/>
-                <a:solidFill>
-                  <a:schemeClr val="tx1"/>
-                </a:solidFill>
-                <a:effectLst>
-                  <a:outerShdw blurRad="38100" dist="19050" dir="2700000" algn="tl" rotWithShape="0">
-                    <a:schemeClr val="dk1">
-                      <a:alpha val="40000"/>
-                    </a:schemeClr>
-                  </a:outerShdw>
-                </a:effectLst>
-              </a:rPr>
-              <a:t>}</a:t>
-            </a:r>
-            <a:endParaRPr kumimoji="1" lang="zh-CN" altLang="en-US" b="1" dirty="0">
-              <a:ln w="0"/>
-              <a:solidFill>
-                <a:schemeClr val="tx1"/>
-              </a:solidFill>
-              <a:effectLst>
-                <a:outerShdw blurRad="38100" dist="19050" dir="2700000" algn="tl" rotWithShape="0">
-                  <a:schemeClr val="dk1">
-                    <a:alpha val="40000"/>
-                  </a:schemeClr>
-                </a:outerShdw>
-              </a:effectLst>
-            </a:endParaRPr>
-          </a:p>
-        </p:txBody>
-      </p:sp>
     </p:spTree>
     <p:extLst>
       <p:ext uri="{BB962C8B-B14F-4D97-AF65-F5344CB8AC3E}">
@@ -7780,6 +12153,13 @@
   <p:clrMapOvr>
     <a:masterClrMapping/>
   </p:clrMapOvr>
+  <p:timing>
+    <p:tnLst>
+      <p:par>
+        <p:cTn id="1" dur="indefinite" restart="never" nodeType="tmRoot"/>
+      </p:par>
+    </p:tnLst>
+  </p:timing>
 </p:sld>
 </file>
 
@@ -7876,6 +12256,30 @@
           <a:xfrm>
             <a:off x="5950634" y="2451955"/>
             <a:ext cx="5079414" cy="3349064"/>
+          </a:xfrm>
+          <a:prstGeom prst="rect">
+            <a:avLst/>
+          </a:prstGeom>
+        </p:spPr>
+      </p:pic>
+      <p:pic>
+        <p:nvPicPr>
+          <p:cNvPr id="3" name="图片 2"/>
+          <p:cNvPicPr>
+            <a:picLocks noChangeAspect="1"/>
+          </p:cNvPicPr>
+          <p:nvPr/>
+        </p:nvPicPr>
+        <p:blipFill>
+          <a:blip r:embed="rId5"/>
+          <a:stretch>
+            <a:fillRect/>
+          </a:stretch>
+        </p:blipFill>
+        <p:spPr>
+          <a:xfrm>
+            <a:off x="4667250" y="2357437"/>
+            <a:ext cx="2857500" cy="2143125"/>
           </a:xfrm>
           <a:prstGeom prst="rect">
             <a:avLst/>
@@ -8063,11 +12467,7 @@
           <a:p>
             <a:r>
               <a:rPr kumimoji="1" lang="en-US" altLang="zh-CN" dirty="0" smtClean="0"/>
-              <a:t>C</a:t>
-            </a:r>
-            <a:r>
-              <a:rPr kumimoji="1" lang="en-US" altLang="zh-CN" dirty="0" smtClean="0"/>
-              <a:t>lassical</a:t>
+              <a:t>Classical</a:t>
             </a:r>
             <a:r>
               <a:rPr kumimoji="1" lang="zh-CN" altLang="en-US" dirty="0" smtClean="0"/>
@@ -8091,14 +12491,14 @@
             <p:ph idx="1"/>
             <p:extLst>
               <p:ext uri="{D42A27DB-BD31-4B8C-83A1-F6EECF244321}">
-                <p14:modId xmlns:p14="http://schemas.microsoft.com/office/powerpoint/2010/main" val="500037525"/>
+                <p14:modId xmlns:p14="http://schemas.microsoft.com/office/powerpoint/2010/main" val="824224575"/>
               </p:ext>
             </p:extLst>
           </p:nvPr>
         </p:nvGraphicFramePr>
         <p:xfrm>
           <a:off x="1420836" y="2286004"/>
-          <a:ext cx="9475761" cy="3667387"/>
+          <a:ext cx="9475761" cy="3669500"/>
         </p:xfrm>
         <a:graphic>
           <a:graphicData uri="http://schemas.openxmlformats.org/drawingml/2006/table">
@@ -8276,12 +12676,12 @@
                     <a:p>
                       <a:pPr algn="ctr" fontAlgn="b"/>
                       <a:r>
-                        <a:rPr lang="en-US" altLang="zh-CN" sz="1400" b="1" u="none" strike="noStrike" dirty="0">
+                        <a:rPr lang="en-US" altLang="zh-CN" sz="1600" b="1" u="none" strike="noStrike" dirty="0">
                           <a:effectLst/>
                         </a:rPr>
                         <a:t>1</a:t>
                       </a:r>
-                      <a:endParaRPr lang="en-US" altLang="zh-CN" sz="1400" b="1" i="0" u="none" strike="noStrike" dirty="0">
+                      <a:endParaRPr lang="en-US" altLang="zh-CN" sz="1600" b="1" i="0" u="none" strike="noStrike" dirty="0">
                         <a:solidFill>
                           <a:srgbClr val="000000"/>
                         </a:solidFill>
@@ -8299,12 +12699,12 @@
                     <a:p>
                       <a:pPr algn="ctr" fontAlgn="b"/>
                       <a:r>
-                        <a:rPr lang="en-US" altLang="zh-CN" sz="1400" b="1" u="none" strike="noStrike" dirty="0">
+                        <a:rPr lang="en-US" altLang="zh-CN" sz="1600" b="1" u="none" strike="noStrike" dirty="0">
                           <a:effectLst/>
                         </a:rPr>
                         <a:t>29</a:t>
                       </a:r>
-                      <a:endParaRPr lang="en-US" altLang="zh-CN" sz="1400" b="1" i="0" u="none" strike="noStrike" dirty="0">
+                      <a:endParaRPr lang="en-US" altLang="zh-CN" sz="1600" b="1" i="0" u="none" strike="noStrike" dirty="0">
                         <a:solidFill>
                           <a:srgbClr val="000000"/>
                         </a:solidFill>
@@ -8322,7 +12722,7 @@
                     <a:p>
                       <a:pPr algn="ctr" fontAlgn="b"/>
                       <a:r>
-                        <a:rPr lang="en-US" altLang="zh-CN" sz="1400" b="1" i="0" u="none" strike="noStrike" dirty="0">
+                        <a:rPr lang="en-US" altLang="zh-CN" sz="1600" b="1" i="0" u="none" strike="noStrike" dirty="0">
                           <a:solidFill>
                             <a:srgbClr val="000000"/>
                           </a:solidFill>
@@ -8342,7 +12742,7 @@
                     <a:p>
                       <a:pPr algn="ctr" fontAlgn="b"/>
                       <a:r>
-                        <a:rPr lang="en-US" altLang="zh-CN" sz="1400" b="1" i="0" u="none" strike="noStrike" dirty="0">
+                        <a:rPr lang="en-US" altLang="zh-CN" sz="1600" b="1" i="0" u="none" strike="noStrike" dirty="0">
                           <a:solidFill>
                             <a:srgbClr val="000000"/>
                           </a:solidFill>
@@ -8362,7 +12762,7 @@
                     <a:p>
                       <a:pPr algn="ctr" fontAlgn="b"/>
                       <a:r>
-                        <a:rPr lang="en-US" altLang="zh-CN" sz="1400" b="1" i="0" u="none" strike="noStrike" dirty="0">
+                        <a:rPr lang="en-US" altLang="zh-CN" sz="1600" b="1" i="0" u="none" strike="noStrike" dirty="0">
                           <a:solidFill>
                             <a:srgbClr val="000000"/>
                           </a:solidFill>
@@ -8382,7 +12782,7 @@
                     <a:p>
                       <a:pPr algn="ctr" fontAlgn="b"/>
                       <a:r>
-                        <a:rPr lang="en-US" altLang="zh-CN" sz="1400" b="1" i="0" u="none" strike="noStrike" dirty="0">
+                        <a:rPr lang="en-US" altLang="zh-CN" sz="1600" b="1" i="0" u="none" strike="noStrike" dirty="0">
                           <a:solidFill>
                             <a:srgbClr val="000000"/>
                           </a:solidFill>
@@ -8427,12 +12827,12 @@
                     <a:p>
                       <a:pPr algn="ctr" fontAlgn="b"/>
                       <a:r>
-                        <a:rPr lang="en-US" altLang="zh-CN" sz="1400" b="1" u="none" strike="noStrike" dirty="0">
+                        <a:rPr lang="en-US" altLang="zh-CN" sz="1600" b="1" u="none" strike="noStrike" dirty="0">
                           <a:effectLst/>
                         </a:rPr>
                         <a:t>3</a:t>
                       </a:r>
-                      <a:endParaRPr lang="en-US" altLang="zh-CN" sz="1400" b="1" i="0" u="none" strike="noStrike" dirty="0">
+                      <a:endParaRPr lang="en-US" altLang="zh-CN" sz="1600" b="1" i="0" u="none" strike="noStrike" dirty="0">
                         <a:solidFill>
                           <a:srgbClr val="000000"/>
                         </a:solidFill>
@@ -8450,12 +12850,12 @@
                     <a:p>
                       <a:pPr algn="ctr" fontAlgn="b"/>
                       <a:r>
-                        <a:rPr lang="en-US" altLang="zh-CN" sz="1400" b="1" u="none" strike="noStrike" dirty="0">
+                        <a:rPr lang="en-US" altLang="zh-CN" sz="1600" b="1" u="none" strike="noStrike" dirty="0">
                           <a:effectLst/>
                         </a:rPr>
                         <a:t>27</a:t>
                       </a:r>
-                      <a:endParaRPr lang="en-US" altLang="zh-CN" sz="1400" b="1" i="0" u="none" strike="noStrike" dirty="0">
+                      <a:endParaRPr lang="en-US" altLang="zh-CN" sz="1600" b="1" i="0" u="none" strike="noStrike" dirty="0">
                         <a:solidFill>
                           <a:srgbClr val="000000"/>
                         </a:solidFill>
@@ -8473,7 +12873,7 @@
                     <a:p>
                       <a:pPr algn="ctr" fontAlgn="b"/>
                       <a:r>
-                        <a:rPr lang="en-US" altLang="zh-CN" sz="1400" b="1" i="0" u="none" strike="noStrike" dirty="0">
+                        <a:rPr lang="en-US" altLang="zh-CN" sz="1600" b="1" i="0" u="none" strike="noStrike" dirty="0">
                           <a:solidFill>
                             <a:srgbClr val="000000"/>
                           </a:solidFill>
@@ -8493,7 +12893,7 @@
                     <a:p>
                       <a:pPr algn="ctr" fontAlgn="b"/>
                       <a:r>
-                        <a:rPr lang="en-US" altLang="zh-CN" sz="1400" b="1" i="0" u="none" strike="noStrike" dirty="0">
+                        <a:rPr lang="en-US" altLang="zh-CN" sz="1600" b="1" i="0" u="none" strike="noStrike" dirty="0">
                           <a:solidFill>
                             <a:srgbClr val="000000"/>
                           </a:solidFill>
@@ -8513,7 +12913,7 @@
                     <a:p>
                       <a:pPr algn="ctr" fontAlgn="b"/>
                       <a:r>
-                        <a:rPr lang="en-US" altLang="zh-CN" sz="1400" b="1" i="0" u="none" strike="noStrike" dirty="0">
+                        <a:rPr lang="en-US" altLang="zh-CN" sz="1600" b="1" i="0" u="none" strike="noStrike" dirty="0">
                           <a:solidFill>
                             <a:srgbClr val="000000"/>
                           </a:solidFill>
@@ -8533,7 +12933,7 @@
                     <a:p>
                       <a:pPr algn="ctr" fontAlgn="b"/>
                       <a:r>
-                        <a:rPr lang="en-US" altLang="zh-CN" sz="1400" b="1" i="0" u="none" strike="noStrike" dirty="0">
+                        <a:rPr lang="en-US" altLang="zh-CN" sz="1600" b="1" i="0" u="none" strike="noStrike" dirty="0">
                           <a:solidFill>
                             <a:srgbClr val="000000"/>
                           </a:solidFill>
@@ -8578,12 +12978,12 @@
                     <a:p>
                       <a:pPr algn="ctr" fontAlgn="b"/>
                       <a:r>
-                        <a:rPr lang="en-US" altLang="zh-CN" sz="1400" b="1" u="none" strike="noStrike" dirty="0">
+                        <a:rPr lang="en-US" altLang="zh-CN" sz="1600" b="1" u="none" strike="noStrike" dirty="0">
                           <a:effectLst/>
                         </a:rPr>
                         <a:t>7</a:t>
                       </a:r>
-                      <a:endParaRPr lang="en-US" altLang="zh-CN" sz="1400" b="1" i="0" u="none" strike="noStrike" dirty="0">
+                      <a:endParaRPr lang="en-US" altLang="zh-CN" sz="1600" b="1" i="0" u="none" strike="noStrike" dirty="0">
                         <a:solidFill>
                           <a:srgbClr val="000000"/>
                         </a:solidFill>
@@ -8601,12 +13001,12 @@
                     <a:p>
                       <a:pPr algn="ctr" fontAlgn="b"/>
                       <a:r>
-                        <a:rPr lang="en-US" altLang="zh-CN" sz="1400" b="1" u="none" strike="noStrike" dirty="0">
+                        <a:rPr lang="en-US" altLang="zh-CN" sz="1600" b="1" u="none" strike="noStrike" dirty="0">
                           <a:effectLst/>
                         </a:rPr>
                         <a:t>22</a:t>
                       </a:r>
-                      <a:endParaRPr lang="en-US" altLang="zh-CN" sz="1400" b="1" i="0" u="none" strike="noStrike" dirty="0">
+                      <a:endParaRPr lang="en-US" altLang="zh-CN" sz="1600" b="1" i="0" u="none" strike="noStrike" dirty="0">
                         <a:solidFill>
                           <a:srgbClr val="000000"/>
                         </a:solidFill>
@@ -8624,7 +13024,7 @@
                     <a:p>
                       <a:pPr algn="ctr" fontAlgn="b"/>
                       <a:r>
-                        <a:rPr lang="en-US" altLang="zh-CN" sz="1400" b="1" i="0" u="none" strike="noStrike" dirty="0">
+                        <a:rPr lang="en-US" altLang="zh-CN" sz="1600" b="1" i="0" u="none" strike="noStrike" dirty="0">
                           <a:solidFill>
                             <a:srgbClr val="000000"/>
                           </a:solidFill>
@@ -8644,7 +13044,7 @@
                     <a:p>
                       <a:pPr algn="ctr" fontAlgn="b"/>
                       <a:r>
-                        <a:rPr lang="en-US" altLang="zh-CN" sz="1400" b="1" i="0" u="none" strike="noStrike" dirty="0">
+                        <a:rPr lang="en-US" altLang="zh-CN" sz="1600" b="1" i="0" u="none" strike="noStrike" dirty="0">
                           <a:solidFill>
                             <a:srgbClr val="000000"/>
                           </a:solidFill>
@@ -8664,7 +13064,7 @@
                     <a:p>
                       <a:pPr algn="ctr" fontAlgn="b"/>
                       <a:r>
-                        <a:rPr lang="en-US" altLang="zh-CN" sz="1400" b="1" i="0" u="none" strike="noStrike" dirty="0">
+                        <a:rPr lang="en-US" altLang="zh-CN" sz="1600" b="1" i="0" u="none" strike="noStrike" dirty="0">
                           <a:solidFill>
                             <a:srgbClr val="000000"/>
                           </a:solidFill>
@@ -8684,7 +13084,7 @@
                     <a:p>
                       <a:pPr algn="ctr" fontAlgn="b"/>
                       <a:r>
-                        <a:rPr lang="en-US" altLang="zh-CN" sz="1400" b="1" i="0" u="none" strike="noStrike" dirty="0">
+                        <a:rPr lang="en-US" altLang="zh-CN" sz="1600" b="1" i="0" u="none" strike="noStrike" dirty="0">
                           <a:solidFill>
                             <a:srgbClr val="000000"/>
                           </a:solidFill>
@@ -8729,12 +13129,12 @@
                     <a:p>
                       <a:pPr algn="ctr" fontAlgn="b"/>
                       <a:r>
-                        <a:rPr lang="en-US" altLang="zh-CN" sz="1400" b="1" u="none" strike="noStrike" dirty="0">
+                        <a:rPr lang="en-US" altLang="zh-CN" sz="1600" b="1" u="none" strike="noStrike" dirty="0">
                           <a:effectLst/>
                         </a:rPr>
                         <a:t>10</a:t>
                       </a:r>
-                      <a:endParaRPr lang="en-US" altLang="zh-CN" sz="1400" b="1" i="0" u="none" strike="noStrike" dirty="0">
+                      <a:endParaRPr lang="en-US" altLang="zh-CN" sz="1600" b="1" i="0" u="none" strike="noStrike" dirty="0">
                         <a:solidFill>
                           <a:srgbClr val="000000"/>
                         </a:solidFill>
@@ -8752,12 +13152,12 @@
                     <a:p>
                       <a:pPr algn="ctr" fontAlgn="b"/>
                       <a:r>
-                        <a:rPr lang="en-US" altLang="zh-CN" sz="1400" b="1" u="none" strike="noStrike">
+                        <a:rPr lang="en-US" altLang="zh-CN" sz="1600" b="1" u="none" strike="noStrike">
                           <a:effectLst/>
                         </a:rPr>
                         <a:t>18</a:t>
                       </a:r>
-                      <a:endParaRPr lang="en-US" altLang="zh-CN" sz="1400" b="1" i="0" u="none" strike="noStrike">
+                      <a:endParaRPr lang="en-US" altLang="zh-CN" sz="1600" b="1" i="0" u="none" strike="noStrike">
                         <a:solidFill>
                           <a:srgbClr val="000000"/>
                         </a:solidFill>
@@ -8775,7 +13175,7 @@
                     <a:p>
                       <a:pPr algn="ctr" fontAlgn="b"/>
                       <a:r>
-                        <a:rPr lang="en-US" altLang="zh-CN" sz="1400" b="1" i="0" u="none" strike="noStrike" dirty="0">
+                        <a:rPr lang="en-US" altLang="zh-CN" sz="1600" b="1" i="0" u="none" strike="noStrike" dirty="0">
                           <a:solidFill>
                             <a:srgbClr val="000000"/>
                           </a:solidFill>
@@ -8795,7 +13195,7 @@
                     <a:p>
                       <a:pPr algn="ctr" fontAlgn="b"/>
                       <a:r>
-                        <a:rPr lang="en-US" altLang="zh-CN" sz="1400" b="1" i="0" u="none" strike="noStrike" dirty="0">
+                        <a:rPr lang="en-US" altLang="zh-CN" sz="1600" b="1" i="0" u="none" strike="noStrike" dirty="0">
                           <a:solidFill>
                             <a:srgbClr val="000000"/>
                           </a:solidFill>
@@ -8815,7 +13215,7 @@
                     <a:p>
                       <a:pPr algn="ctr" fontAlgn="b"/>
                       <a:r>
-                        <a:rPr lang="en-US" altLang="zh-CN" sz="1400" b="1" i="0" u="none" strike="noStrike" dirty="0">
+                        <a:rPr lang="en-US" altLang="zh-CN" sz="1600" b="1" i="0" u="none" strike="noStrike" dirty="0">
                           <a:solidFill>
                             <a:srgbClr val="000000"/>
                           </a:solidFill>
@@ -8835,7 +13235,7 @@
                     <a:p>
                       <a:pPr algn="ctr" fontAlgn="b"/>
                       <a:r>
-                        <a:rPr lang="en-US" altLang="zh-CN" sz="1400" b="1" i="0" u="none" strike="noStrike" dirty="0">
+                        <a:rPr lang="en-US" altLang="zh-CN" sz="1600" b="1" i="0" u="none" strike="noStrike" dirty="0">
                           <a:solidFill>
                             <a:srgbClr val="000000"/>
                           </a:solidFill>
@@ -8880,12 +13280,12 @@
                     <a:p>
                       <a:pPr algn="ctr" fontAlgn="b"/>
                       <a:r>
-                        <a:rPr lang="en-US" altLang="zh-CN" sz="1400" b="1" u="none" strike="noStrike">
+                        <a:rPr lang="en-US" altLang="zh-CN" sz="1600" b="1" u="none" strike="noStrike">
                           <a:effectLst/>
                         </a:rPr>
                         <a:t>25</a:t>
                       </a:r>
-                      <a:endParaRPr lang="en-US" altLang="zh-CN" sz="1400" b="1" i="0" u="none" strike="noStrike">
+                      <a:endParaRPr lang="en-US" altLang="zh-CN" sz="1600" b="1" i="0" u="none" strike="noStrike">
                         <a:solidFill>
                           <a:srgbClr val="000000"/>
                         </a:solidFill>
@@ -8903,12 +13303,12 @@
                     <a:p>
                       <a:pPr algn="ctr" fontAlgn="b"/>
                       <a:r>
-                        <a:rPr lang="en-US" altLang="zh-CN" sz="1400" b="1" u="none" strike="noStrike" dirty="0">
+                        <a:rPr lang="en-US" altLang="zh-CN" sz="1600" b="1" u="none" strike="noStrike" dirty="0">
                           <a:effectLst/>
                         </a:rPr>
                         <a:t>17</a:t>
                       </a:r>
-                      <a:endParaRPr lang="en-US" altLang="zh-CN" sz="1400" b="1" i="0" u="none" strike="noStrike" dirty="0">
+                      <a:endParaRPr lang="en-US" altLang="zh-CN" sz="1600" b="1" i="0" u="none" strike="noStrike" dirty="0">
                         <a:solidFill>
                           <a:srgbClr val="000000"/>
                         </a:solidFill>
@@ -8926,7 +13326,7 @@
                     <a:p>
                       <a:pPr algn="ctr" fontAlgn="b"/>
                       <a:r>
-                        <a:rPr lang="en-US" altLang="zh-CN" sz="1400" b="1" i="0" u="none" strike="noStrike">
+                        <a:rPr lang="en-US" altLang="zh-CN" sz="1600" b="1" i="0" u="none" strike="noStrike">
                           <a:solidFill>
                             <a:srgbClr val="000000"/>
                           </a:solidFill>
@@ -8946,7 +13346,7 @@
                     <a:p>
                       <a:pPr algn="ctr" fontAlgn="b"/>
                       <a:r>
-                        <a:rPr lang="en-US" altLang="zh-CN" sz="1400" b="1" i="0" u="none" strike="noStrike" dirty="0">
+                        <a:rPr lang="en-US" altLang="zh-CN" sz="1600" b="1" i="0" u="none" strike="noStrike" dirty="0">
                           <a:solidFill>
                             <a:srgbClr val="000000"/>
                           </a:solidFill>
@@ -8966,7 +13366,7 @@
                     <a:p>
                       <a:pPr algn="ctr" fontAlgn="b"/>
                       <a:r>
-                        <a:rPr lang="en-US" altLang="zh-CN" sz="1400" b="1" i="0" u="none" strike="noStrike" dirty="0">
+                        <a:rPr lang="en-US" altLang="zh-CN" sz="1600" b="1" i="0" u="none" strike="noStrike" dirty="0">
                           <a:solidFill>
                             <a:srgbClr val="000000"/>
                           </a:solidFill>
@@ -8986,7 +13386,7 @@
                     <a:p>
                       <a:pPr algn="ctr" fontAlgn="b"/>
                       <a:r>
-                        <a:rPr lang="en-US" altLang="zh-CN" sz="1400" b="1" i="0" u="none" strike="noStrike" dirty="0">
+                        <a:rPr lang="en-US" altLang="zh-CN" sz="1600" b="1" i="0" u="none" strike="noStrike" dirty="0">
                           <a:solidFill>
                             <a:srgbClr val="000000"/>
                           </a:solidFill>
@@ -9031,12 +13431,12 @@
                     <a:p>
                       <a:pPr algn="ctr" fontAlgn="b"/>
                       <a:r>
-                        <a:rPr lang="en-US" altLang="zh-CN" sz="1400" b="1" u="none" strike="noStrike">
+                        <a:rPr lang="en-US" altLang="zh-CN" sz="1600" b="1" u="none" strike="noStrike">
                           <a:effectLst/>
                         </a:rPr>
                         <a:t>16</a:t>
                       </a:r>
-                      <a:endParaRPr lang="en-US" altLang="zh-CN" sz="1400" b="1" i="0" u="none" strike="noStrike">
+                      <a:endParaRPr lang="en-US" altLang="zh-CN" sz="1600" b="1" i="0" u="none" strike="noStrike">
                         <a:solidFill>
                           <a:srgbClr val="000000"/>
                         </a:solidFill>
@@ -9054,12 +13454,12 @@
                     <a:p>
                       <a:pPr algn="ctr" fontAlgn="b"/>
                       <a:r>
-                        <a:rPr lang="en-US" altLang="zh-CN" sz="1400" b="1" u="none" strike="noStrike" dirty="0">
+                        <a:rPr lang="en-US" altLang="zh-CN" sz="1600" b="1" u="none" strike="noStrike" dirty="0">
                           <a:effectLst/>
                         </a:rPr>
                         <a:t>16</a:t>
                       </a:r>
-                      <a:endParaRPr lang="en-US" altLang="zh-CN" sz="1400" b="1" i="0" u="none" strike="noStrike" dirty="0">
+                      <a:endParaRPr lang="en-US" altLang="zh-CN" sz="1600" b="1" i="0" u="none" strike="noStrike" dirty="0">
                         <a:solidFill>
                           <a:srgbClr val="000000"/>
                         </a:solidFill>
@@ -9077,7 +13477,7 @@
                     <a:p>
                       <a:pPr algn="ctr" fontAlgn="b"/>
                       <a:r>
-                        <a:rPr lang="en-US" altLang="zh-CN" sz="1400" b="1" i="0" u="none" strike="noStrike">
+                        <a:rPr lang="en-US" altLang="zh-CN" sz="1600" b="1" i="0" u="none" strike="noStrike">
                           <a:solidFill>
                             <a:srgbClr val="000000"/>
                           </a:solidFill>
@@ -9097,7 +13497,7 @@
                     <a:p>
                       <a:pPr algn="ctr" fontAlgn="b"/>
                       <a:r>
-                        <a:rPr lang="en-US" altLang="zh-CN" sz="1400" b="1" i="0" u="none" strike="noStrike" dirty="0">
+                        <a:rPr lang="en-US" altLang="zh-CN" sz="1600" b="1" i="0" u="none" strike="noStrike" dirty="0">
                           <a:solidFill>
                             <a:srgbClr val="000000"/>
                           </a:solidFill>
@@ -9117,7 +13517,7 @@
                     <a:p>
                       <a:pPr algn="ctr" fontAlgn="b"/>
                       <a:r>
-                        <a:rPr lang="en-US" altLang="zh-CN" sz="1400" b="1" i="0" u="none" strike="noStrike" dirty="0">
+                        <a:rPr lang="en-US" altLang="zh-CN" sz="1600" b="1" i="0" u="none" strike="noStrike" dirty="0">
                           <a:solidFill>
                             <a:srgbClr val="000000"/>
                           </a:solidFill>
@@ -9137,7 +13537,7 @@
                     <a:p>
                       <a:pPr algn="ctr" fontAlgn="b"/>
                       <a:r>
-                        <a:rPr lang="en-US" altLang="zh-CN" sz="1400" b="1" i="0" u="none" strike="noStrike" dirty="0">
+                        <a:rPr lang="en-US" altLang="zh-CN" sz="1600" b="1" i="0" u="none" strike="noStrike" dirty="0">
                           <a:solidFill>
                             <a:srgbClr val="000000"/>
                           </a:solidFill>
@@ -9182,12 +13582,12 @@
                     <a:p>
                       <a:pPr algn="ctr" fontAlgn="b"/>
                       <a:r>
-                        <a:rPr lang="en-US" altLang="zh-CN" sz="1400" b="1" u="none" strike="noStrike">
+                        <a:rPr lang="en-US" altLang="zh-CN" sz="1600" b="1" u="none" strike="noStrike">
                           <a:effectLst/>
                         </a:rPr>
                         <a:t>18</a:t>
                       </a:r>
-                      <a:endParaRPr lang="en-US" altLang="zh-CN" sz="1400" b="1" i="0" u="none" strike="noStrike">
+                      <a:endParaRPr lang="en-US" altLang="zh-CN" sz="1600" b="1" i="0" u="none" strike="noStrike">
                         <a:solidFill>
                           <a:srgbClr val="000000"/>
                         </a:solidFill>
@@ -9205,12 +13605,12 @@
                     <a:p>
                       <a:pPr algn="ctr" fontAlgn="b"/>
                       <a:r>
-                        <a:rPr lang="en-US" altLang="zh-CN" sz="1400" b="1" u="none" strike="noStrike" dirty="0">
+                        <a:rPr lang="en-US" altLang="zh-CN" sz="1600" b="1" u="none" strike="noStrike" dirty="0">
                           <a:effectLst/>
                         </a:rPr>
                         <a:t>16</a:t>
                       </a:r>
-                      <a:endParaRPr lang="en-US" altLang="zh-CN" sz="1400" b="1" i="0" u="none" strike="noStrike" dirty="0">
+                      <a:endParaRPr lang="en-US" altLang="zh-CN" sz="1600" b="1" i="0" u="none" strike="noStrike" dirty="0">
                         <a:solidFill>
                           <a:srgbClr val="000000"/>
                         </a:solidFill>
@@ -9228,7 +13628,7 @@
                     <a:p>
                       <a:pPr algn="ctr" fontAlgn="b"/>
                       <a:r>
-                        <a:rPr lang="en-US" altLang="zh-CN" sz="1400" b="1" i="0" u="none" strike="noStrike" dirty="0">
+                        <a:rPr lang="en-US" altLang="zh-CN" sz="1600" b="1" i="0" u="none" strike="noStrike" dirty="0">
                           <a:solidFill>
                             <a:srgbClr val="000000"/>
                           </a:solidFill>
@@ -9248,7 +13648,7 @@
                     <a:p>
                       <a:pPr algn="ctr" fontAlgn="b"/>
                       <a:r>
-                        <a:rPr lang="en-US" altLang="zh-CN" sz="1400" b="1" i="0" u="none" strike="noStrike">
+                        <a:rPr lang="en-US" altLang="zh-CN" sz="1600" b="1" i="0" u="none" strike="noStrike">
                           <a:solidFill>
                             <a:srgbClr val="000000"/>
                           </a:solidFill>
@@ -9268,7 +13668,7 @@
                     <a:p>
                       <a:pPr algn="ctr" fontAlgn="b"/>
                       <a:r>
-                        <a:rPr lang="en-US" altLang="zh-CN" sz="1400" b="1" i="0" u="none" strike="noStrike" dirty="0">
+                        <a:rPr lang="en-US" altLang="zh-CN" sz="1600" b="1" i="0" u="none" strike="noStrike" dirty="0">
                           <a:solidFill>
                             <a:srgbClr val="000000"/>
                           </a:solidFill>
@@ -9288,7 +13688,7 @@
                     <a:p>
                       <a:pPr algn="ctr" fontAlgn="b"/>
                       <a:r>
-                        <a:rPr lang="en-US" altLang="zh-CN" sz="1400" b="1" i="0" u="none" strike="noStrike" dirty="0">
+                        <a:rPr lang="en-US" altLang="zh-CN" sz="1600" b="1" i="0" u="none" strike="noStrike" dirty="0">
                           <a:solidFill>
                             <a:srgbClr val="000000"/>
                           </a:solidFill>
@@ -9333,12 +13733,12 @@
                     <a:p>
                       <a:pPr algn="ctr" fontAlgn="b"/>
                       <a:r>
-                        <a:rPr lang="en-US" altLang="zh-CN" sz="1400" b="1" u="none" strike="noStrike">
+                        <a:rPr lang="en-US" altLang="zh-CN" sz="1600" b="1" u="none" strike="noStrike">
                           <a:effectLst/>
                         </a:rPr>
                         <a:t>17</a:t>
                       </a:r>
-                      <a:endParaRPr lang="en-US" altLang="zh-CN" sz="1400" b="1" i="0" u="none" strike="noStrike">
+                      <a:endParaRPr lang="en-US" altLang="zh-CN" sz="1600" b="1" i="0" u="none" strike="noStrike">
                         <a:solidFill>
                           <a:srgbClr val="000000"/>
                         </a:solidFill>
@@ -9356,12 +13756,12 @@
                     <a:p>
                       <a:pPr algn="ctr" fontAlgn="b"/>
                       <a:r>
-                        <a:rPr lang="en-US" altLang="zh-CN" sz="1400" b="1" u="none" strike="noStrike" dirty="0">
+                        <a:rPr lang="en-US" altLang="zh-CN" sz="1600" b="1" u="none" strike="noStrike" dirty="0">
                           <a:effectLst/>
                         </a:rPr>
                         <a:t>15</a:t>
                       </a:r>
-                      <a:endParaRPr lang="en-US" altLang="zh-CN" sz="1400" b="1" i="0" u="none" strike="noStrike" dirty="0">
+                      <a:endParaRPr lang="en-US" altLang="zh-CN" sz="1600" b="1" i="0" u="none" strike="noStrike" dirty="0">
                         <a:solidFill>
                           <a:srgbClr val="000000"/>
                         </a:solidFill>
@@ -9379,7 +13779,7 @@
                     <a:p>
                       <a:pPr algn="ctr" fontAlgn="b"/>
                       <a:r>
-                        <a:rPr lang="en-US" altLang="zh-CN" sz="1400" b="1" i="0" u="none" strike="noStrike" dirty="0">
+                        <a:rPr lang="en-US" altLang="zh-CN" sz="1600" b="1" i="0" u="none" strike="noStrike" dirty="0">
                           <a:solidFill>
                             <a:srgbClr val="000000"/>
                           </a:solidFill>
@@ -9399,7 +13799,7 @@
                     <a:p>
                       <a:pPr algn="ctr" fontAlgn="b"/>
                       <a:r>
-                        <a:rPr lang="en-US" altLang="zh-CN" sz="1400" b="1" i="0" u="none" strike="noStrike" dirty="0">
+                        <a:rPr lang="en-US" altLang="zh-CN" sz="1600" b="1" i="0" u="none" strike="noStrike" dirty="0">
                           <a:solidFill>
                             <a:srgbClr val="000000"/>
                           </a:solidFill>
@@ -9419,7 +13819,7 @@
                     <a:p>
                       <a:pPr algn="ctr" fontAlgn="b"/>
                       <a:r>
-                        <a:rPr lang="en-US" altLang="zh-CN" sz="1400" b="1" i="0" u="none" strike="noStrike" dirty="0">
+                        <a:rPr lang="en-US" altLang="zh-CN" sz="1600" b="1" i="0" u="none" strike="noStrike" dirty="0">
                           <a:solidFill>
                             <a:srgbClr val="000000"/>
                           </a:solidFill>
@@ -9439,7 +13839,7 @@
                     <a:p>
                       <a:pPr algn="ctr" fontAlgn="b"/>
                       <a:r>
-                        <a:rPr lang="en-US" altLang="zh-CN" sz="1400" b="1" i="0" u="none" strike="noStrike" dirty="0">
+                        <a:rPr lang="en-US" altLang="zh-CN" sz="1600" b="1" i="0" u="none" strike="noStrike" dirty="0">
                           <a:solidFill>
                             <a:srgbClr val="000000"/>
                           </a:solidFill>
@@ -9484,12 +13884,12 @@
                     <a:p>
                       <a:pPr algn="ctr" fontAlgn="b"/>
                       <a:r>
-                        <a:rPr lang="en-US" altLang="zh-CN" sz="1400" b="1" u="none" strike="noStrike" dirty="0">
+                        <a:rPr lang="en-US" altLang="zh-CN" sz="1600" b="1" u="none" strike="noStrike" dirty="0">
                           <a:effectLst/>
                         </a:rPr>
                         <a:t>22</a:t>
                       </a:r>
-                      <a:endParaRPr lang="en-US" altLang="zh-CN" sz="1400" b="1" i="0" u="none" strike="noStrike" dirty="0">
+                      <a:endParaRPr lang="en-US" altLang="zh-CN" sz="1600" b="1" i="0" u="none" strike="noStrike" dirty="0">
                         <a:solidFill>
                           <a:srgbClr val="000000"/>
                         </a:solidFill>
@@ -9507,12 +13907,12 @@
                     <a:p>
                       <a:pPr algn="ctr" fontAlgn="b"/>
                       <a:r>
-                        <a:rPr lang="en-US" altLang="zh-CN" sz="1400" b="1" u="none" strike="noStrike" dirty="0">
+                        <a:rPr lang="en-US" altLang="zh-CN" sz="1600" b="1" u="none" strike="noStrike" dirty="0">
                           <a:effectLst/>
                         </a:rPr>
                         <a:t>14</a:t>
                       </a:r>
-                      <a:endParaRPr lang="en-US" altLang="zh-CN" sz="1400" b="1" i="0" u="none" strike="noStrike" dirty="0">
+                      <a:endParaRPr lang="en-US" altLang="zh-CN" sz="1600" b="1" i="0" u="none" strike="noStrike" dirty="0">
                         <a:solidFill>
                           <a:srgbClr val="000000"/>
                         </a:solidFill>
@@ -9530,7 +13930,7 @@
                     <a:p>
                       <a:pPr algn="ctr" fontAlgn="b"/>
                       <a:r>
-                        <a:rPr lang="en-US" altLang="zh-CN" sz="1400" b="1" i="0" u="none" strike="noStrike" dirty="0">
+                        <a:rPr lang="en-US" altLang="zh-CN" sz="1600" b="1" i="0" u="none" strike="noStrike" dirty="0">
                           <a:solidFill>
                             <a:srgbClr val="000000"/>
                           </a:solidFill>
@@ -9550,7 +13950,7 @@
                     <a:p>
                       <a:pPr algn="ctr" fontAlgn="b"/>
                       <a:r>
-                        <a:rPr lang="en-US" altLang="zh-CN" sz="1400" b="1" i="0" u="none" strike="noStrike" dirty="0">
+                        <a:rPr lang="en-US" altLang="zh-CN" sz="1600" b="1" i="0" u="none" strike="noStrike" dirty="0">
                           <a:solidFill>
                             <a:srgbClr val="000000"/>
                           </a:solidFill>
@@ -9570,7 +13970,7 @@
                     <a:p>
                       <a:pPr algn="ctr" fontAlgn="b"/>
                       <a:r>
-                        <a:rPr lang="en-US" altLang="zh-CN" sz="1400" b="1" i="0" u="none" strike="noStrike" dirty="0">
+                        <a:rPr lang="en-US" altLang="zh-CN" sz="1600" b="1" i="0" u="none" strike="noStrike" dirty="0">
                           <a:solidFill>
                             <a:srgbClr val="000000"/>
                           </a:solidFill>
@@ -9590,7 +13990,7 @@
                     <a:p>
                       <a:pPr algn="ctr" fontAlgn="b"/>
                       <a:r>
-                        <a:rPr lang="en-US" altLang="zh-CN" sz="1400" b="1" i="0" u="none" strike="noStrike" dirty="0">
+                        <a:rPr lang="en-US" altLang="zh-CN" sz="1600" b="1" i="0" u="none" strike="noStrike" dirty="0">
                           <a:solidFill>
                             <a:srgbClr val="000000"/>
                           </a:solidFill>
@@ -9635,12 +14035,12 @@
                     <a:p>
                       <a:pPr algn="ctr" fontAlgn="b"/>
                       <a:r>
-                        <a:rPr lang="en-US" altLang="zh-CN" sz="1400" b="1" u="none" strike="noStrike" dirty="0">
+                        <a:rPr lang="en-US" altLang="zh-CN" sz="1600" b="1" u="none" strike="noStrike" dirty="0">
                           <a:effectLst/>
                         </a:rPr>
                         <a:t>30</a:t>
                       </a:r>
-                      <a:endParaRPr lang="en-US" altLang="zh-CN" sz="1400" b="1" i="0" u="none" strike="noStrike" dirty="0">
+                      <a:endParaRPr lang="en-US" altLang="zh-CN" sz="1600" b="1" i="0" u="none" strike="noStrike" dirty="0">
                         <a:solidFill>
                           <a:srgbClr val="000000"/>
                         </a:solidFill>
@@ -9658,12 +14058,12 @@
                     <a:p>
                       <a:pPr algn="ctr" fontAlgn="b"/>
                       <a:r>
-                        <a:rPr lang="en-US" altLang="zh-CN" sz="1400" b="1" u="none" strike="noStrike" dirty="0">
+                        <a:rPr lang="en-US" altLang="zh-CN" sz="1600" b="1" u="none" strike="noStrike" dirty="0">
                           <a:effectLst/>
                         </a:rPr>
                         <a:t>13</a:t>
                       </a:r>
-                      <a:endParaRPr lang="en-US" altLang="zh-CN" sz="1400" b="1" i="0" u="none" strike="noStrike" dirty="0">
+                      <a:endParaRPr lang="en-US" altLang="zh-CN" sz="1600" b="1" i="0" u="none" strike="noStrike" dirty="0">
                         <a:solidFill>
                           <a:srgbClr val="000000"/>
                         </a:solidFill>
@@ -9681,7 +14081,7 @@
                     <a:p>
                       <a:pPr algn="ctr" fontAlgn="b"/>
                       <a:r>
-                        <a:rPr lang="en-US" altLang="zh-CN" sz="1400" b="1" i="0" u="none" strike="noStrike" dirty="0">
+                        <a:rPr lang="en-US" altLang="zh-CN" sz="1600" b="1" i="0" u="none" strike="noStrike" dirty="0">
                           <a:solidFill>
                             <a:srgbClr val="000000"/>
                           </a:solidFill>
@@ -9701,7 +14101,7 @@
                     <a:p>
                       <a:pPr algn="ctr" fontAlgn="b"/>
                       <a:r>
-                        <a:rPr lang="en-US" altLang="zh-CN" sz="1400" b="1" i="0" u="none" strike="noStrike" dirty="0">
+                        <a:rPr lang="en-US" altLang="zh-CN" sz="1600" b="1" i="0" u="none" strike="noStrike" dirty="0">
                           <a:solidFill>
                             <a:srgbClr val="000000"/>
                           </a:solidFill>
@@ -9721,7 +14121,7 @@
                     <a:p>
                       <a:pPr algn="ctr" fontAlgn="b"/>
                       <a:r>
-                        <a:rPr lang="en-US" altLang="zh-CN" sz="1400" b="1" i="0" u="none" strike="noStrike" dirty="0">
+                        <a:rPr lang="en-US" altLang="zh-CN" sz="1600" b="1" i="0" u="none" strike="noStrike" dirty="0">
                           <a:solidFill>
                             <a:srgbClr val="000000"/>
                           </a:solidFill>
@@ -9741,7 +14141,7 @@
                     <a:p>
                       <a:pPr algn="ctr" fontAlgn="b"/>
                       <a:r>
-                        <a:rPr lang="en-US" altLang="zh-CN" sz="1400" b="1" i="0" u="none" strike="noStrike" dirty="0">
+                        <a:rPr lang="en-US" altLang="zh-CN" sz="1600" b="1" i="0" u="none" strike="noStrike" dirty="0">
                           <a:solidFill>
                             <a:srgbClr val="000000"/>
                           </a:solidFill>
@@ -9854,7 +14254,7 @@
                       <m:dPr>
                         <m:ctrlPr>
                           <a:rPr lang="en-US" altLang="zh-CN" b="1" i="1">
-                            <a:latin typeface="Cambria Math" charset="0"/>
+                            <a:latin typeface="Cambria Math" panose="02040503050406030204" pitchFamily="18" charset="0"/>
                           </a:rPr>
                         </m:ctrlPr>
                       </m:dPr>
@@ -9891,7 +14291,7 @@
                         <m:endChr m:val=""/>
                         <m:ctrlPr>
                           <a:rPr lang="en-US" altLang="zh-CN" b="1" i="1">
-                            <a:latin typeface="Cambria Math" charset="0"/>
+                            <a:latin typeface="Cambria Math" panose="02040503050406030204" pitchFamily="18" charset="0"/>
                           </a:rPr>
                         </m:ctrlPr>
                       </m:dPr>
@@ -9900,7 +14300,7 @@
                           <m:eqArrPr>
                             <m:ctrlPr>
                               <a:rPr lang="en-US" altLang="zh-CN" b="1" i="1">
-                                <a:latin typeface="Cambria Math" charset="0"/>
+                                <a:latin typeface="Cambria Math" panose="02040503050406030204" pitchFamily="18" charset="0"/>
                               </a:rPr>
                             </m:ctrlPr>
                           </m:eqArrPr>
@@ -9927,7 +14327,7 @@
                               <m:dPr>
                                 <m:ctrlPr>
                                   <a:rPr lang="en-US" altLang="zh-CN" b="1" i="1">
-                                    <a:latin typeface="Cambria Math" charset="0"/>
+                                    <a:latin typeface="Cambria Math" panose="02040503050406030204" pitchFamily="18" charset="0"/>
                                   </a:rPr>
                                 </m:ctrlPr>
                               </m:dPr>
@@ -9976,7 +14376,7 @@
                               <m:dPr>
                                 <m:ctrlPr>
                                   <a:rPr lang="en-US" altLang="zh-CN" b="1" i="1">
-                                    <a:latin typeface="Cambria Math" charset="0"/>
+                                    <a:latin typeface="Cambria Math" panose="02040503050406030204" pitchFamily="18" charset="0"/>
                                   </a:rPr>
                                 </m:ctrlPr>
                               </m:dPr>
@@ -9999,7 +14399,7 @@
                               <m:dPr>
                                 <m:ctrlPr>
                                   <a:rPr lang="en-US" altLang="zh-CN" b="1" i="1">
-                                    <a:latin typeface="Cambria Math" charset="0"/>
+                                    <a:latin typeface="Cambria Math" panose="02040503050406030204" pitchFamily="18" charset="0"/>
                                   </a:rPr>
                                 </m:ctrlPr>
                               </m:dPr>
@@ -10034,7 +14434,7 @@
                               <m:dPr>
                                 <m:ctrlPr>
                                   <a:rPr lang="en-US" altLang="zh-CN" b="1" i="1">
-                                    <a:latin typeface="Cambria Math" charset="0"/>
+                                    <a:latin typeface="Cambria Math" panose="02040503050406030204" pitchFamily="18" charset="0"/>
                                   </a:rPr>
                                 </m:ctrlPr>
                               </m:dPr>
@@ -10063,7 +14463,7 @@
                               <m:dPr>
                                 <m:ctrlPr>
                                   <a:rPr lang="en-US" altLang="zh-CN" b="1" i="1">
-                                    <a:latin typeface="Cambria Math" charset="0"/>
+                                    <a:latin typeface="Cambria Math" panose="02040503050406030204" pitchFamily="18" charset="0"/>
                                   </a:rPr>
                                 </m:ctrlPr>
                               </m:dPr>
